--- a/aula17/Aula17.pptx
+++ b/aula17/Aula17.pptx
@@ -1,29 +1,549 @@
 
 <file path=ppt/presentation.xml><?xml version="1.0" encoding="utf-8"?>
-<p:presentation xmlns:a="http://schemas.openxmlformats.org/drawingml/2006/main" xmlns:p="http://schemas.openxmlformats.org/presentationml/2006/main" xmlns:r="http://schemas.openxmlformats.org/officeDocument/2006/relationships" xmlns:p14="http://schemas.microsoft.com/office/powerpoint/2010/main" xmlns:p15="http://schemas.microsoft.com/office/powerpoint/2012/main" xmlns:mc="http://schemas.openxmlformats.org/markup-compatibility/2006">
+<p:presentation xmlns:a="http://schemas.openxmlformats.org/drawingml/2006/main" xmlns:r="http://schemas.openxmlformats.org/officeDocument/2006/relationships" xmlns:p="http://schemas.openxmlformats.org/presentationml/2006/main">
   <p:sldMasterIdLst>
-    <p:sldMasterId id="2147483648" r:id="rId2"/>
-    <p:sldMasterId id="2147483661" r:id="rId3"/>
+    <p:sldMasterId id="2147483648" r:id="rId1"/>
+    <p:sldMasterId id="2147483661" r:id="rId2"/>
   </p:sldMasterIdLst>
   <p:notesMasterIdLst>
-    <p:notesMasterId r:id="rId4"/>
+    <p:notesMasterId r:id="rId12"/>
   </p:notesMasterIdLst>
   <p:sldIdLst>
-    <p:sldId id="256" r:id="rId5"/>
-    <p:sldId id="257" r:id="rId6"/>
+    <p:sldId id="256" r:id="rId3"/>
+    <p:sldId id="257" r:id="rId4"/>
+    <p:sldId id="264" r:id="rId5"/>
+    <p:sldId id="263" r:id="rId6"/>
     <p:sldId id="258" r:id="rId7"/>
     <p:sldId id="259" r:id="rId8"/>
     <p:sldId id="260" r:id="rId9"/>
     <p:sldId id="261" r:id="rId10"/>
     <p:sldId id="262" r:id="rId11"/>
   </p:sldIdLst>
-  <p:sldSz cx="9144000" cy="5143500"/>
+  <p:sldSz cx="9144000" cy="5143500" type="screen16x9"/>
   <p:notesSz cx="7559675" cy="10691813"/>
+  <p:defaultTextStyle>
+    <a:defPPr>
+      <a:defRPr lang="pt-BR"/>
+    </a:defPPr>
+    <a:lvl1pPr marL="0" algn="l" defTabSz="914400" rtl="0" eaLnBrk="1" latinLnBrk="0" hangingPunct="1">
+      <a:defRPr sz="1800" kern="1200">
+        <a:solidFill>
+          <a:schemeClr val="tx1"/>
+        </a:solidFill>
+        <a:latin typeface="+mn-lt"/>
+        <a:ea typeface="+mn-ea"/>
+        <a:cs typeface="+mn-cs"/>
+      </a:defRPr>
+    </a:lvl1pPr>
+    <a:lvl2pPr marL="457200" algn="l" defTabSz="914400" rtl="0" eaLnBrk="1" latinLnBrk="0" hangingPunct="1">
+      <a:defRPr sz="1800" kern="1200">
+        <a:solidFill>
+          <a:schemeClr val="tx1"/>
+        </a:solidFill>
+        <a:latin typeface="+mn-lt"/>
+        <a:ea typeface="+mn-ea"/>
+        <a:cs typeface="+mn-cs"/>
+      </a:defRPr>
+    </a:lvl2pPr>
+    <a:lvl3pPr marL="914400" algn="l" defTabSz="914400" rtl="0" eaLnBrk="1" latinLnBrk="0" hangingPunct="1">
+      <a:defRPr sz="1800" kern="1200">
+        <a:solidFill>
+          <a:schemeClr val="tx1"/>
+        </a:solidFill>
+        <a:latin typeface="+mn-lt"/>
+        <a:ea typeface="+mn-ea"/>
+        <a:cs typeface="+mn-cs"/>
+      </a:defRPr>
+    </a:lvl3pPr>
+    <a:lvl4pPr marL="1371600" algn="l" defTabSz="914400" rtl="0" eaLnBrk="1" latinLnBrk="0" hangingPunct="1">
+      <a:defRPr sz="1800" kern="1200">
+        <a:solidFill>
+          <a:schemeClr val="tx1"/>
+        </a:solidFill>
+        <a:latin typeface="+mn-lt"/>
+        <a:ea typeface="+mn-ea"/>
+        <a:cs typeface="+mn-cs"/>
+      </a:defRPr>
+    </a:lvl4pPr>
+    <a:lvl5pPr marL="1828800" algn="l" defTabSz="914400" rtl="0" eaLnBrk="1" latinLnBrk="0" hangingPunct="1">
+      <a:defRPr sz="1800" kern="1200">
+        <a:solidFill>
+          <a:schemeClr val="tx1"/>
+        </a:solidFill>
+        <a:latin typeface="+mn-lt"/>
+        <a:ea typeface="+mn-ea"/>
+        <a:cs typeface="+mn-cs"/>
+      </a:defRPr>
+    </a:lvl5pPr>
+    <a:lvl6pPr marL="2286000" algn="l" defTabSz="914400" rtl="0" eaLnBrk="1" latinLnBrk="0" hangingPunct="1">
+      <a:defRPr sz="1800" kern="1200">
+        <a:solidFill>
+          <a:schemeClr val="tx1"/>
+        </a:solidFill>
+        <a:latin typeface="+mn-lt"/>
+        <a:ea typeface="+mn-ea"/>
+        <a:cs typeface="+mn-cs"/>
+      </a:defRPr>
+    </a:lvl6pPr>
+    <a:lvl7pPr marL="2743200" algn="l" defTabSz="914400" rtl="0" eaLnBrk="1" latinLnBrk="0" hangingPunct="1">
+      <a:defRPr sz="1800" kern="1200">
+        <a:solidFill>
+          <a:schemeClr val="tx1"/>
+        </a:solidFill>
+        <a:latin typeface="+mn-lt"/>
+        <a:ea typeface="+mn-ea"/>
+        <a:cs typeface="+mn-cs"/>
+      </a:defRPr>
+    </a:lvl7pPr>
+    <a:lvl8pPr marL="3200400" algn="l" defTabSz="914400" rtl="0" eaLnBrk="1" latinLnBrk="0" hangingPunct="1">
+      <a:defRPr sz="1800" kern="1200">
+        <a:solidFill>
+          <a:schemeClr val="tx1"/>
+        </a:solidFill>
+        <a:latin typeface="+mn-lt"/>
+        <a:ea typeface="+mn-ea"/>
+        <a:cs typeface="+mn-cs"/>
+      </a:defRPr>
+    </a:lvl8pPr>
+    <a:lvl9pPr marL="3657600" algn="l" defTabSz="914400" rtl="0" eaLnBrk="1" latinLnBrk="0" hangingPunct="1">
+      <a:defRPr sz="1800" kern="1200">
+        <a:solidFill>
+          <a:schemeClr val="tx1"/>
+        </a:solidFill>
+        <a:latin typeface="+mn-lt"/>
+        <a:ea typeface="+mn-ea"/>
+        <a:cs typeface="+mn-cs"/>
+      </a:defRPr>
+    </a:lvl9pPr>
+  </p:defaultTextStyle>
+  <p:extLst>
+    <p:ext uri="{EFAFB233-063F-42B5-8137-9DF3F51BA10A}">
+      <p15:sldGuideLst xmlns:p15="http://schemas.microsoft.com/office/powerpoint/2012/main"/>
+    </p:ext>
+  </p:extLst>
 </p:presentation>
 </file>
 
 <file path=ppt/notesMasters/notesMaster1.xml><?xml version="1.0" encoding="utf-8"?>
-<p:notesMaster xmlns:a="http://schemas.openxmlformats.org/drawingml/2006/main" xmlns:p="http://schemas.openxmlformats.org/presentationml/2006/main" xmlns:r="http://schemas.openxmlformats.org/officeDocument/2006/relationships" xmlns:p14="http://schemas.microsoft.com/office/powerpoint/2010/main" xmlns:p15="http://schemas.microsoft.com/office/powerpoint/2012/main" xmlns:mc="http://schemas.openxmlformats.org/markup-compatibility/2006">
+<p:notesMaster xmlns:a="http://schemas.openxmlformats.org/drawingml/2006/main" xmlns:r="http://schemas.openxmlformats.org/officeDocument/2006/relationships" xmlns:p="http://schemas.openxmlformats.org/presentationml/2006/main">
+  <p:cSld>
+    <p:bg>
+      <p:bgRef idx="1001">
+        <a:schemeClr val="bg1"/>
+      </p:bgRef>
+    </p:bg>
+    <p:spTree>
+      <p:nvGrpSpPr>
+        <p:cNvPr id="1" name=""/>
+        <p:cNvGrpSpPr/>
+        <p:nvPr/>
+      </p:nvGrpSpPr>
+      <p:grpSpPr>
+        <a:xfrm>
+          <a:off x="0" y="0"/>
+          <a:ext cx="0" cy="0"/>
+          <a:chOff x="0" y="0"/>
+          <a:chExt cx="0" cy="0"/>
+        </a:xfrm>
+      </p:grpSpPr>
+      <p:sp>
+        <p:nvSpPr>
+          <p:cNvPr id="80" name="PlaceHolder 1"/>
+          <p:cNvSpPr>
+            <a:spLocks noGrp="1" noRot="1" noChangeAspect="1"/>
+          </p:cNvSpPr>
+          <p:nvPr>
+            <p:ph type="sldImg"/>
+          </p:nvPr>
+        </p:nvSpPr>
+        <p:spPr>
+          <a:xfrm>
+            <a:off x="216000" y="812520"/>
+            <a:ext cx="7127280" cy="4008960"/>
+          </a:xfrm>
+          <a:prstGeom prst="rect">
+            <a:avLst/>
+          </a:prstGeom>
+          <a:noFill/>
+          <a:ln w="0">
+            <a:noFill/>
+          </a:ln>
+        </p:spPr>
+        <p:txBody>
+          <a:bodyPr lIns="0" tIns="0" rIns="0" bIns="0" anchor="ctr">
+            <a:noAutofit/>
+          </a:bodyPr>
+          <a:lstStyle/>
+          <a:p>
+            <a:pPr algn="ctr"/>
+            <a:r>
+              <a:rPr lang="pt-BR" sz="4400" b="0" strike="noStrike" spc="-1">
+                <a:solidFill>
+                  <a:srgbClr val="000000"/>
+                </a:solidFill>
+                <a:latin typeface="Arial"/>
+              </a:rPr>
+              <a:t>Click to move the slide</a:t>
+            </a:r>
+          </a:p>
+        </p:txBody>
+      </p:sp>
+      <p:sp>
+        <p:nvSpPr>
+          <p:cNvPr id="81" name="PlaceHolder 2"/>
+          <p:cNvSpPr>
+            <a:spLocks noGrp="1"/>
+          </p:cNvSpPr>
+          <p:nvPr>
+            <p:ph type="body"/>
+          </p:nvPr>
+        </p:nvSpPr>
+        <p:spPr>
+          <a:xfrm>
+            <a:off x="756000" y="5078520"/>
+            <a:ext cx="6047640" cy="4811040"/>
+          </a:xfrm>
+          <a:prstGeom prst="rect">
+            <a:avLst/>
+          </a:prstGeom>
+          <a:noFill/>
+          <a:ln w="0">
+            <a:noFill/>
+          </a:ln>
+        </p:spPr>
+        <p:txBody>
+          <a:bodyPr lIns="0" tIns="0" rIns="0" bIns="0" anchor="t">
+            <a:noAutofit/>
+          </a:bodyPr>
+          <a:lstStyle/>
+          <a:p>
+            <a:pPr marL="216000" indent="0">
+              <a:buNone/>
+            </a:pPr>
+            <a:r>
+              <a:rPr lang="pt-BR" sz="2000" b="0" strike="noStrike" spc="-1">
+                <a:solidFill>
+                  <a:srgbClr val="000000"/>
+                </a:solidFill>
+                <a:latin typeface="Arial"/>
+              </a:rPr>
+              <a:t>Click to edit the notes format</a:t>
+            </a:r>
+          </a:p>
+        </p:txBody>
+      </p:sp>
+      <p:sp>
+        <p:nvSpPr>
+          <p:cNvPr id="82" name="PlaceHolder 3"/>
+          <p:cNvSpPr>
+            <a:spLocks noGrp="1"/>
+          </p:cNvSpPr>
+          <p:nvPr>
+            <p:ph type="hdr"/>
+          </p:nvPr>
+        </p:nvSpPr>
+        <p:spPr>
+          <a:xfrm>
+            <a:off x="0" y="0"/>
+            <a:ext cx="3280680" cy="534240"/>
+          </a:xfrm>
+          <a:prstGeom prst="rect">
+            <a:avLst/>
+          </a:prstGeom>
+          <a:noFill/>
+          <a:ln w="0">
+            <a:noFill/>
+          </a:ln>
+        </p:spPr>
+        <p:txBody>
+          <a:bodyPr lIns="0" tIns="0" rIns="0" bIns="0" anchor="t">
+            <a:noAutofit/>
+          </a:bodyPr>
+          <a:lstStyle/>
+          <a:p>
+            <a:pPr indent="0">
+              <a:buNone/>
+            </a:pPr>
+            <a:r>
+              <a:rPr lang="pt-BR" sz="1400" b="0" strike="noStrike" spc="-1">
+                <a:solidFill>
+                  <a:srgbClr val="000000"/>
+                </a:solidFill>
+                <a:latin typeface="Times New Roman"/>
+              </a:rPr>
+              <a:t>&lt;header&gt;</a:t>
+            </a:r>
+          </a:p>
+        </p:txBody>
+      </p:sp>
+      <p:sp>
+        <p:nvSpPr>
+          <p:cNvPr id="83" name="PlaceHolder 4"/>
+          <p:cNvSpPr>
+            <a:spLocks noGrp="1"/>
+          </p:cNvSpPr>
+          <p:nvPr>
+            <p:ph type="dt" idx="4"/>
+          </p:nvPr>
+        </p:nvSpPr>
+        <p:spPr>
+          <a:xfrm>
+            <a:off x="4278960" y="0"/>
+            <a:ext cx="3280680" cy="534240"/>
+          </a:xfrm>
+          <a:prstGeom prst="rect">
+            <a:avLst/>
+          </a:prstGeom>
+          <a:noFill/>
+          <a:ln w="0">
+            <a:noFill/>
+          </a:ln>
+        </p:spPr>
+        <p:txBody>
+          <a:bodyPr lIns="0" tIns="0" rIns="0" bIns="0" anchor="t">
+            <a:noAutofit/>
+          </a:bodyPr>
+          <a:lstStyle>
+            <a:lvl1pPr indent="0" algn="r">
+              <a:buNone/>
+              <a:defRPr lang="pt-BR" sz="1400" b="0" strike="noStrike" spc="-1">
+                <a:solidFill>
+                  <a:srgbClr val="000000"/>
+                </a:solidFill>
+                <a:latin typeface="Times New Roman"/>
+              </a:defRPr>
+            </a:lvl1pPr>
+          </a:lstStyle>
+          <a:p>
+            <a:pPr indent="0" algn="r">
+              <a:buNone/>
+            </a:pPr>
+            <a:r>
+              <a:rPr lang="pt-BR" sz="1400" b="0" strike="noStrike" spc="-1">
+                <a:solidFill>
+                  <a:srgbClr val="000000"/>
+                </a:solidFill>
+                <a:latin typeface="Times New Roman"/>
+              </a:rPr>
+              <a:t>&lt;date/time&gt;</a:t>
+            </a:r>
+          </a:p>
+        </p:txBody>
+      </p:sp>
+      <p:sp>
+        <p:nvSpPr>
+          <p:cNvPr id="84" name="PlaceHolder 5"/>
+          <p:cNvSpPr>
+            <a:spLocks noGrp="1"/>
+          </p:cNvSpPr>
+          <p:nvPr>
+            <p:ph type="ftr" idx="5"/>
+          </p:nvPr>
+        </p:nvSpPr>
+        <p:spPr>
+          <a:xfrm>
+            <a:off x="0" y="10157400"/>
+            <a:ext cx="3280680" cy="534240"/>
+          </a:xfrm>
+          <a:prstGeom prst="rect">
+            <a:avLst/>
+          </a:prstGeom>
+          <a:noFill/>
+          <a:ln w="0">
+            <a:noFill/>
+          </a:ln>
+        </p:spPr>
+        <p:txBody>
+          <a:bodyPr lIns="0" tIns="0" rIns="0" bIns="0" anchor="b">
+            <a:noAutofit/>
+          </a:bodyPr>
+          <a:lstStyle>
+            <a:lvl1pPr indent="0">
+              <a:buNone/>
+              <a:defRPr lang="pt-BR" sz="1400" b="0" strike="noStrike" spc="-1">
+                <a:solidFill>
+                  <a:srgbClr val="000000"/>
+                </a:solidFill>
+                <a:latin typeface="Times New Roman"/>
+              </a:defRPr>
+            </a:lvl1pPr>
+          </a:lstStyle>
+          <a:p>
+            <a:pPr indent="0">
+              <a:buNone/>
+            </a:pPr>
+            <a:r>
+              <a:rPr lang="pt-BR" sz="1400" b="0" strike="noStrike" spc="-1">
+                <a:solidFill>
+                  <a:srgbClr val="000000"/>
+                </a:solidFill>
+                <a:latin typeface="Times New Roman"/>
+              </a:rPr>
+              <a:t>&lt;footer&gt;</a:t>
+            </a:r>
+          </a:p>
+        </p:txBody>
+      </p:sp>
+      <p:sp>
+        <p:nvSpPr>
+          <p:cNvPr id="85" name="PlaceHolder 6"/>
+          <p:cNvSpPr>
+            <a:spLocks noGrp="1"/>
+          </p:cNvSpPr>
+          <p:nvPr>
+            <p:ph type="sldNum" idx="6"/>
+          </p:nvPr>
+        </p:nvSpPr>
+        <p:spPr>
+          <a:xfrm>
+            <a:off x="4278960" y="10157400"/>
+            <a:ext cx="3280680" cy="534240"/>
+          </a:xfrm>
+          <a:prstGeom prst="rect">
+            <a:avLst/>
+          </a:prstGeom>
+          <a:noFill/>
+          <a:ln w="0">
+            <a:noFill/>
+          </a:ln>
+        </p:spPr>
+        <p:txBody>
+          <a:bodyPr lIns="0" tIns="0" rIns="0" bIns="0" anchor="b">
+            <a:noAutofit/>
+          </a:bodyPr>
+          <a:lstStyle>
+            <a:lvl1pPr indent="0" algn="r">
+              <a:buNone/>
+              <a:defRPr lang="pt-BR" sz="1400" b="0" strike="noStrike" spc="-1">
+                <a:solidFill>
+                  <a:srgbClr val="000000"/>
+                </a:solidFill>
+                <a:latin typeface="Times New Roman"/>
+              </a:defRPr>
+            </a:lvl1pPr>
+          </a:lstStyle>
+          <a:p>
+            <a:pPr indent="0" algn="r">
+              <a:buNone/>
+            </a:pPr>
+            <a:fld id="{084C7C42-E433-4E45-B5CE-597681738C08}" type="slidenum">
+              <a:rPr lang="pt-BR" sz="1400" b="0" strike="noStrike" spc="-1">
+                <a:solidFill>
+                  <a:srgbClr val="000000"/>
+                </a:solidFill>
+                <a:latin typeface="Times New Roman"/>
+              </a:rPr>
+              <a:t>‹nº›</a:t>
+            </a:fld>
+            <a:endParaRPr lang="pt-BR" sz="1400" b="0" strike="noStrike" spc="-1">
+              <a:solidFill>
+                <a:srgbClr val="000000"/>
+              </a:solidFill>
+              <a:latin typeface="Times New Roman"/>
+            </a:endParaRPr>
+          </a:p>
+        </p:txBody>
+      </p:sp>
+    </p:spTree>
+  </p:cSld>
+  <p:clrMap bg1="lt1" tx1="dk1" bg2="lt2" tx2="dk2" accent1="accent1" accent2="accent2" accent3="accent3" accent4="accent4" accent5="accent5" accent6="accent6" hlink="hlink" folHlink="folHlink"/>
+  <p:notesStyle>
+    <a:lvl1pPr marL="0" algn="l" defTabSz="914400" rtl="0" eaLnBrk="1" latinLnBrk="0" hangingPunct="1">
+      <a:defRPr sz="1200" kern="1200">
+        <a:solidFill>
+          <a:schemeClr val="tx1"/>
+        </a:solidFill>
+        <a:latin typeface="+mn-lt"/>
+        <a:ea typeface="+mn-ea"/>
+        <a:cs typeface="+mn-cs"/>
+      </a:defRPr>
+    </a:lvl1pPr>
+    <a:lvl2pPr marL="457200" algn="l" defTabSz="914400" rtl="0" eaLnBrk="1" latinLnBrk="0" hangingPunct="1">
+      <a:defRPr sz="1200" kern="1200">
+        <a:solidFill>
+          <a:schemeClr val="tx1"/>
+        </a:solidFill>
+        <a:latin typeface="+mn-lt"/>
+        <a:ea typeface="+mn-ea"/>
+        <a:cs typeface="+mn-cs"/>
+      </a:defRPr>
+    </a:lvl2pPr>
+    <a:lvl3pPr marL="914400" algn="l" defTabSz="914400" rtl="0" eaLnBrk="1" latinLnBrk="0" hangingPunct="1">
+      <a:defRPr sz="1200" kern="1200">
+        <a:solidFill>
+          <a:schemeClr val="tx1"/>
+        </a:solidFill>
+        <a:latin typeface="+mn-lt"/>
+        <a:ea typeface="+mn-ea"/>
+        <a:cs typeface="+mn-cs"/>
+      </a:defRPr>
+    </a:lvl3pPr>
+    <a:lvl4pPr marL="1371600" algn="l" defTabSz="914400" rtl="0" eaLnBrk="1" latinLnBrk="0" hangingPunct="1">
+      <a:defRPr sz="1200" kern="1200">
+        <a:solidFill>
+          <a:schemeClr val="tx1"/>
+        </a:solidFill>
+        <a:latin typeface="+mn-lt"/>
+        <a:ea typeface="+mn-ea"/>
+        <a:cs typeface="+mn-cs"/>
+      </a:defRPr>
+    </a:lvl4pPr>
+    <a:lvl5pPr marL="1828800" algn="l" defTabSz="914400" rtl="0" eaLnBrk="1" latinLnBrk="0" hangingPunct="1">
+      <a:defRPr sz="1200" kern="1200">
+        <a:solidFill>
+          <a:schemeClr val="tx1"/>
+        </a:solidFill>
+        <a:latin typeface="+mn-lt"/>
+        <a:ea typeface="+mn-ea"/>
+        <a:cs typeface="+mn-cs"/>
+      </a:defRPr>
+    </a:lvl5pPr>
+    <a:lvl6pPr marL="2286000" algn="l" defTabSz="914400" rtl="0" eaLnBrk="1" latinLnBrk="0" hangingPunct="1">
+      <a:defRPr sz="1200" kern="1200">
+        <a:solidFill>
+          <a:schemeClr val="tx1"/>
+        </a:solidFill>
+        <a:latin typeface="+mn-lt"/>
+        <a:ea typeface="+mn-ea"/>
+        <a:cs typeface="+mn-cs"/>
+      </a:defRPr>
+    </a:lvl6pPr>
+    <a:lvl7pPr marL="2743200" algn="l" defTabSz="914400" rtl="0" eaLnBrk="1" latinLnBrk="0" hangingPunct="1">
+      <a:defRPr sz="1200" kern="1200">
+        <a:solidFill>
+          <a:schemeClr val="tx1"/>
+        </a:solidFill>
+        <a:latin typeface="+mn-lt"/>
+        <a:ea typeface="+mn-ea"/>
+        <a:cs typeface="+mn-cs"/>
+      </a:defRPr>
+    </a:lvl7pPr>
+    <a:lvl8pPr marL="3200400" algn="l" defTabSz="914400" rtl="0" eaLnBrk="1" latinLnBrk="0" hangingPunct="1">
+      <a:defRPr sz="1200" kern="1200">
+        <a:solidFill>
+          <a:schemeClr val="tx1"/>
+        </a:solidFill>
+        <a:latin typeface="+mn-lt"/>
+        <a:ea typeface="+mn-ea"/>
+        <a:cs typeface="+mn-cs"/>
+      </a:defRPr>
+    </a:lvl8pPr>
+    <a:lvl9pPr marL="3657600" algn="l" defTabSz="914400" rtl="0" eaLnBrk="1" latinLnBrk="0" hangingPunct="1">
+      <a:defRPr sz="1200" kern="1200">
+        <a:solidFill>
+          <a:schemeClr val="tx1"/>
+        </a:solidFill>
+        <a:latin typeface="+mn-lt"/>
+        <a:ea typeface="+mn-ea"/>
+        <a:cs typeface="+mn-cs"/>
+      </a:defRPr>
+    </a:lvl9pPr>
+  </p:notesStyle>
+</p:notesMaster>
+</file>
+
+<file path=ppt/notesSlides/notesSlide1.xml><?xml version="1.0" encoding="utf-8"?>
+<p:notes xmlns:a="http://schemas.openxmlformats.org/drawingml/2006/main" xmlns:r="http://schemas.openxmlformats.org/officeDocument/2006/relationships" xmlns:p="http://schemas.openxmlformats.org/presentationml/2006/main">
   <p:cSld>
     <p:spTree>
       <p:nvGrpSpPr>
@@ -41,9 +561,9 @@
       </p:grpSpPr>
       <p:sp>
         <p:nvSpPr>
-          <p:cNvPr id="80" name="PlaceHolder 1"/>
-          <p:cNvSpPr>
-            <a:spLocks noGrp="1"/>
+          <p:cNvPr id="104" name="PlaceHolder 1"/>
+          <p:cNvSpPr>
+            <a:spLocks noGrp="1" noRot="1" noChangeAspect="1"/>
           </p:cNvSpPr>
           <p:nvPr>
             <p:ph type="sldImg"/>
@@ -51,397 +571,50 @@
         </p:nvSpPr>
         <p:spPr>
           <a:xfrm>
-            <a:off x="216000" y="812520"/>
-            <a:ext cx="7127280" cy="4008960"/>
-          </a:xfrm>
-          <a:prstGeom prst="rect">
-            <a:avLst/>
-          </a:prstGeom>
-          <a:noFill/>
-          <a:ln w="0">
-            <a:noFill/>
-          </a:ln>
-        </p:spPr>
-        <p:txBody>
-          <a:bodyPr lIns="0" rIns="0" tIns="0" bIns="0" anchor="ctr">
+            <a:off x="573120" y="1336680"/>
+            <a:ext cx="6412680" cy="3607560"/>
+          </a:xfrm>
+          <a:prstGeom prst="rect">
+            <a:avLst/>
+          </a:prstGeom>
+          <a:ln w="0">
+            <a:noFill/>
+          </a:ln>
+        </p:spPr>
+      </p:sp>
+      <p:sp>
+        <p:nvSpPr>
+          <p:cNvPr id="105" name="PlaceHolder 2"/>
+          <p:cNvSpPr>
+            <a:spLocks noGrp="1"/>
+          </p:cNvSpPr>
+          <p:nvPr>
+            <p:ph type="body"/>
+          </p:nvPr>
+        </p:nvSpPr>
+        <p:spPr>
+          <a:xfrm>
+            <a:off x="755640" y="5145120"/>
+            <a:ext cx="6047640" cy="4209480"/>
+          </a:xfrm>
+          <a:prstGeom prst="rect">
+            <a:avLst/>
+          </a:prstGeom>
+          <a:noFill/>
+          <a:ln w="0">
+            <a:noFill/>
+          </a:ln>
+        </p:spPr>
+        <p:txBody>
+          <a:bodyPr lIns="0" tIns="0" rIns="0" bIns="0" anchor="t">
             <a:noAutofit/>
           </a:bodyPr>
-          <a:p>
-            <a:pPr algn="ctr"/>
-            <a:r>
-              <a:rPr b="0" lang="pt-BR" sz="4400" spc="-1" strike="noStrike">
-                <a:solidFill>
-                  <a:srgbClr val="000000"/>
-                </a:solidFill>
-                <a:latin typeface="Arial"/>
-              </a:rPr>
-              <a:t>Click to move the slide</a:t>
-            </a:r>
-            <a:endParaRPr b="0" lang="pt-BR" sz="4400" spc="-1" strike="noStrike">
-              <a:solidFill>
-                <a:srgbClr val="000000"/>
-              </a:solidFill>
-              <a:latin typeface="Arial"/>
-            </a:endParaRPr>
-          </a:p>
-        </p:txBody>
-      </p:sp>
-      <p:sp>
-        <p:nvSpPr>
-          <p:cNvPr id="81" name="PlaceHolder 2"/>
-          <p:cNvSpPr>
-            <a:spLocks noGrp="1"/>
-          </p:cNvSpPr>
-          <p:nvPr>
-            <p:ph type="body"/>
-          </p:nvPr>
-        </p:nvSpPr>
-        <p:spPr>
-          <a:xfrm>
-            <a:off x="756000" y="5078520"/>
-            <a:ext cx="6047640" cy="4811040"/>
-          </a:xfrm>
-          <a:prstGeom prst="rect">
-            <a:avLst/>
-          </a:prstGeom>
-          <a:noFill/>
-          <a:ln w="0">
-            <a:noFill/>
-          </a:ln>
-        </p:spPr>
-        <p:txBody>
-          <a:bodyPr lIns="0" rIns="0" tIns="0" bIns="0" anchor="t">
-            <a:noAutofit/>
-          </a:bodyPr>
+          <a:lstStyle/>
           <a:p>
             <a:pPr marL="216000" indent="0">
               <a:buNone/>
             </a:pPr>
-            <a:r>
-              <a:rPr b="0" lang="pt-BR" sz="2000" spc="-1" strike="noStrike">
-                <a:solidFill>
-                  <a:srgbClr val="000000"/>
-                </a:solidFill>
-                <a:latin typeface="Arial"/>
-              </a:rPr>
-              <a:t>Click to edit the notes format</a:t>
-            </a:r>
-            <a:endParaRPr b="0" lang="pt-BR" sz="2000" spc="-1" strike="noStrike">
-              <a:solidFill>
-                <a:srgbClr val="000000"/>
-              </a:solidFill>
-              <a:latin typeface="Arial"/>
-            </a:endParaRPr>
-          </a:p>
-        </p:txBody>
-      </p:sp>
-      <p:sp>
-        <p:nvSpPr>
-          <p:cNvPr id="82" name="PlaceHolder 3"/>
-          <p:cNvSpPr>
-            <a:spLocks noGrp="1"/>
-          </p:cNvSpPr>
-          <p:nvPr>
-            <p:ph type="hdr"/>
-          </p:nvPr>
-        </p:nvSpPr>
-        <p:spPr>
-          <a:xfrm>
-            <a:off x="0" y="0"/>
-            <a:ext cx="3280680" cy="534240"/>
-          </a:xfrm>
-          <a:prstGeom prst="rect">
-            <a:avLst/>
-          </a:prstGeom>
-          <a:noFill/>
-          <a:ln w="0">
-            <a:noFill/>
-          </a:ln>
-        </p:spPr>
-        <p:txBody>
-          <a:bodyPr lIns="0" rIns="0" tIns="0" bIns="0" anchor="t">
-            <a:noAutofit/>
-          </a:bodyPr>
-          <a:p>
-            <a:pPr indent="0">
-              <a:buNone/>
-            </a:pPr>
-            <a:r>
-              <a:rPr b="0" lang="pt-BR" sz="1400" spc="-1" strike="noStrike">
-                <a:solidFill>
-                  <a:srgbClr val="000000"/>
-                </a:solidFill>
-                <a:latin typeface="Times New Roman"/>
-              </a:rPr>
-              <a:t>&lt;header&gt;</a:t>
-            </a:r>
-            <a:endParaRPr b="0" lang="pt-BR" sz="1400" spc="-1" strike="noStrike">
-              <a:solidFill>
-                <a:srgbClr val="000000"/>
-              </a:solidFill>
-              <a:latin typeface="Times New Roman"/>
-            </a:endParaRPr>
-          </a:p>
-        </p:txBody>
-      </p:sp>
-      <p:sp>
-        <p:nvSpPr>
-          <p:cNvPr id="83" name="PlaceHolder 4"/>
-          <p:cNvSpPr>
-            <a:spLocks noGrp="1"/>
-          </p:cNvSpPr>
-          <p:nvPr>
-            <p:ph type="dt" idx="4"/>
-          </p:nvPr>
-        </p:nvSpPr>
-        <p:spPr>
-          <a:xfrm>
-            <a:off x="4278960" y="0"/>
-            <a:ext cx="3280680" cy="534240"/>
-          </a:xfrm>
-          <a:prstGeom prst="rect">
-            <a:avLst/>
-          </a:prstGeom>
-          <a:noFill/>
-          <a:ln w="0">
-            <a:noFill/>
-          </a:ln>
-        </p:spPr>
-        <p:txBody>
-          <a:bodyPr lIns="0" rIns="0" tIns="0" bIns="0" anchor="t">
-            <a:noAutofit/>
-          </a:bodyPr>
-          <a:lstStyle>
-            <a:lvl1pPr indent="0" algn="r">
-              <a:buNone/>
-              <a:defRPr b="0" lang="pt-BR" sz="1400" spc="-1" strike="noStrike">
-                <a:solidFill>
-                  <a:srgbClr val="000000"/>
-                </a:solidFill>
-                <a:latin typeface="Times New Roman"/>
-              </a:defRPr>
-            </a:lvl1pPr>
-          </a:lstStyle>
-          <a:p>
-            <a:pPr indent="0" algn="r">
-              <a:buNone/>
-            </a:pPr>
-            <a:r>
-              <a:rPr b="0" lang="pt-BR" sz="1400" spc="-1" strike="noStrike">
-                <a:solidFill>
-                  <a:srgbClr val="000000"/>
-                </a:solidFill>
-                <a:latin typeface="Times New Roman"/>
-              </a:rPr>
-              <a:t>&lt;date/time&gt;</a:t>
-            </a:r>
-            <a:endParaRPr b="0" lang="pt-BR" sz="1400" spc="-1" strike="noStrike">
-              <a:solidFill>
-                <a:srgbClr val="000000"/>
-              </a:solidFill>
-              <a:latin typeface="Times New Roman"/>
-            </a:endParaRPr>
-          </a:p>
-        </p:txBody>
-      </p:sp>
-      <p:sp>
-        <p:nvSpPr>
-          <p:cNvPr id="84" name="PlaceHolder 5"/>
-          <p:cNvSpPr>
-            <a:spLocks noGrp="1"/>
-          </p:cNvSpPr>
-          <p:nvPr>
-            <p:ph type="ftr" idx="5"/>
-          </p:nvPr>
-        </p:nvSpPr>
-        <p:spPr>
-          <a:xfrm>
-            <a:off x="0" y="10157400"/>
-            <a:ext cx="3280680" cy="534240"/>
-          </a:xfrm>
-          <a:prstGeom prst="rect">
-            <a:avLst/>
-          </a:prstGeom>
-          <a:noFill/>
-          <a:ln w="0">
-            <a:noFill/>
-          </a:ln>
-        </p:spPr>
-        <p:txBody>
-          <a:bodyPr lIns="0" rIns="0" tIns="0" bIns="0" anchor="b">
-            <a:noAutofit/>
-          </a:bodyPr>
-          <a:lstStyle>
-            <a:lvl1pPr indent="0">
-              <a:buNone/>
-              <a:defRPr b="0" lang="pt-BR" sz="1400" spc="-1" strike="noStrike">
-                <a:solidFill>
-                  <a:srgbClr val="000000"/>
-                </a:solidFill>
-                <a:latin typeface="Times New Roman"/>
-              </a:defRPr>
-            </a:lvl1pPr>
-          </a:lstStyle>
-          <a:p>
-            <a:pPr indent="0">
-              <a:buNone/>
-            </a:pPr>
-            <a:r>
-              <a:rPr b="0" lang="pt-BR" sz="1400" spc="-1" strike="noStrike">
-                <a:solidFill>
-                  <a:srgbClr val="000000"/>
-                </a:solidFill>
-                <a:latin typeface="Times New Roman"/>
-              </a:rPr>
-              <a:t>&lt;footer&gt;</a:t>
-            </a:r>
-            <a:endParaRPr b="0" lang="pt-BR" sz="1400" spc="-1" strike="noStrike">
-              <a:solidFill>
-                <a:srgbClr val="000000"/>
-              </a:solidFill>
-              <a:latin typeface="Times New Roman"/>
-            </a:endParaRPr>
-          </a:p>
-        </p:txBody>
-      </p:sp>
-      <p:sp>
-        <p:nvSpPr>
-          <p:cNvPr id="85" name="PlaceHolder 6"/>
-          <p:cNvSpPr>
-            <a:spLocks noGrp="1"/>
-          </p:cNvSpPr>
-          <p:nvPr>
-            <p:ph type="sldNum" idx="6"/>
-          </p:nvPr>
-        </p:nvSpPr>
-        <p:spPr>
-          <a:xfrm>
-            <a:off x="4278960" y="10157400"/>
-            <a:ext cx="3280680" cy="534240"/>
-          </a:xfrm>
-          <a:prstGeom prst="rect">
-            <a:avLst/>
-          </a:prstGeom>
-          <a:noFill/>
-          <a:ln w="0">
-            <a:noFill/>
-          </a:ln>
-        </p:spPr>
-        <p:txBody>
-          <a:bodyPr lIns="0" rIns="0" tIns="0" bIns="0" anchor="b">
-            <a:noAutofit/>
-          </a:bodyPr>
-          <a:lstStyle>
-            <a:lvl1pPr indent="0" algn="r">
-              <a:buNone/>
-              <a:defRPr b="0" lang="pt-BR" sz="1400" spc="-1" strike="noStrike">
-                <a:solidFill>
-                  <a:srgbClr val="000000"/>
-                </a:solidFill>
-                <a:latin typeface="Times New Roman"/>
-              </a:defRPr>
-            </a:lvl1pPr>
-          </a:lstStyle>
-          <a:p>
-            <a:pPr indent="0" algn="r">
-              <a:buNone/>
-            </a:pPr>
-            <a:fld id="{084C7C42-E433-4E45-B5CE-597681738C08}" type="slidenum">
-              <a:rPr b="0" lang="pt-BR" sz="1400" spc="-1" strike="noStrike">
-                <a:solidFill>
-                  <a:srgbClr val="000000"/>
-                </a:solidFill>
-                <a:latin typeface="Times New Roman"/>
-              </a:rPr>
-              <a:t>&lt;number&gt;</a:t>
-            </a:fld>
-            <a:endParaRPr b="0" lang="pt-BR" sz="1400" spc="-1" strike="noStrike">
-              <a:solidFill>
-                <a:srgbClr val="000000"/>
-              </a:solidFill>
-              <a:latin typeface="Times New Roman"/>
-            </a:endParaRPr>
-          </a:p>
-        </p:txBody>
-      </p:sp>
-    </p:spTree>
-  </p:cSld>
-  <p:clrMap bg1="lt1" bg2="lt2" tx1="dk1" tx2="dk2" accent1="accent1" accent2="accent2" accent3="accent3" accent4="accent4" accent5="accent5" accent6="accent6" hlink="hlink" folHlink="folHlink"/>
-</p:notesMaster>
-</file>
-
-<file path=ppt/notesSlides/notesSlide1.xml><?xml version="1.0" encoding="utf-8"?>
-<p:notes xmlns:a="http://schemas.openxmlformats.org/drawingml/2006/main" xmlns:p="http://schemas.openxmlformats.org/presentationml/2006/main" xmlns:r="http://schemas.openxmlformats.org/officeDocument/2006/relationships" xmlns:p14="http://schemas.microsoft.com/office/powerpoint/2010/main" xmlns:p15="http://schemas.microsoft.com/office/powerpoint/2012/main" xmlns:mc="http://schemas.openxmlformats.org/markup-compatibility/2006">
-  <p:cSld>
-    <p:spTree>
-      <p:nvGrpSpPr>
-        <p:cNvPr id="1" name=""/>
-        <p:cNvGrpSpPr/>
-        <p:nvPr/>
-      </p:nvGrpSpPr>
-      <p:grpSpPr>
-        <a:xfrm>
-          <a:off x="0" y="0"/>
-          <a:ext cx="0" cy="0"/>
-          <a:chOff x="0" y="0"/>
-          <a:chExt cx="0" cy="0"/>
-        </a:xfrm>
-      </p:grpSpPr>
-      <p:sp>
-        <p:nvSpPr>
-          <p:cNvPr id="104" name="PlaceHolder 1"/>
-          <p:cNvSpPr>
-            <a:spLocks noGrp="1"/>
-          </p:cNvSpPr>
-          <p:nvPr>
-            <p:ph type="sldImg"/>
-          </p:nvPr>
-        </p:nvSpPr>
-        <p:spPr>
-          <a:xfrm>
-            <a:off x="573120" y="1336680"/>
-            <a:ext cx="6412680" cy="3607560"/>
-          </a:xfrm>
-          <a:prstGeom prst="rect">
-            <a:avLst/>
-          </a:prstGeom>
-          <a:ln w="0">
-            <a:noFill/>
-          </a:ln>
-        </p:spPr>
-      </p:sp>
-      <p:sp>
-        <p:nvSpPr>
-          <p:cNvPr id="105" name="PlaceHolder 2"/>
-          <p:cNvSpPr>
-            <a:spLocks noGrp="1"/>
-          </p:cNvSpPr>
-          <p:nvPr>
-            <p:ph type="body"/>
-          </p:nvPr>
-        </p:nvSpPr>
-        <p:spPr>
-          <a:xfrm>
-            <a:off x="755640" y="5145120"/>
-            <a:ext cx="6047640" cy="4209480"/>
-          </a:xfrm>
-          <a:prstGeom prst="rect">
-            <a:avLst/>
-          </a:prstGeom>
-          <a:noFill/>
-          <a:ln w="0">
-            <a:noFill/>
-          </a:ln>
-        </p:spPr>
-        <p:txBody>
-          <a:bodyPr lIns="0" rIns="0" tIns="0" bIns="0" anchor="t">
-            <a:noAutofit/>
-          </a:bodyPr>
-          <a:p>
-            <a:pPr marL="216000" indent="0">
-              <a:buNone/>
-            </a:pPr>
-            <a:endParaRPr b="0" lang="pt-BR" sz="1800" spc="-1" strike="noStrike">
+            <a:endParaRPr lang="pt-BR" sz="1800" b="0" strike="noStrike" spc="-1">
               <a:solidFill>
                 <a:srgbClr val="000000"/>
               </a:solidFill>
@@ -474,7 +647,7 @@
           </a:ln>
         </p:spPr>
         <p:txBody>
-          <a:bodyPr lIns="0" rIns="0" tIns="0" bIns="0" anchor="b">
+          <a:bodyPr lIns="0" tIns="0" rIns="0" bIns="0" anchor="b">
             <a:noAutofit/>
           </a:bodyPr>
           <a:lstStyle>
@@ -484,9 +657,9 @@
               </a:lnSpc>
               <a:buNone/>
               <a:tabLst>
-                <a:tab algn="l" pos="0"/>
+                <a:tab pos="0" algn="l"/>
               </a:tabLst>
-              <a:defRPr b="0" lang="pt-BR" sz="1200" spc="-1" strike="noStrike">
+              <a:defRPr lang="pt-BR" sz="1200" b="0" strike="noStrike" spc="-1">
                 <a:solidFill>
                   <a:srgbClr val="000000"/>
                 </a:solidFill>
@@ -501,19 +674,19 @@
               </a:lnSpc>
               <a:buNone/>
               <a:tabLst>
-                <a:tab algn="l" pos="0"/>
+                <a:tab pos="0" algn="l"/>
               </a:tabLst>
             </a:pPr>
             <a:fld id="{0F5AA069-539B-41BD-B695-FD27E1D7986D}" type="slidenum">
-              <a:rPr b="0" lang="pt-BR" sz="1200" spc="-1" strike="noStrike">
+              <a:rPr lang="pt-BR" sz="1200" b="0" strike="noStrike" spc="-1">
                 <a:solidFill>
                   <a:srgbClr val="000000"/>
                 </a:solidFill>
                 <a:latin typeface="Times New Roman"/>
               </a:rPr>
-              <a:t>&lt;number&gt;</a:t>
+              <a:t>1</a:t>
             </a:fld>
-            <a:endParaRPr b="0" lang="pt-BR" sz="1200" spc="-1" strike="noStrike">
+            <a:endParaRPr lang="pt-BR" sz="1200" b="0" strike="noStrike" spc="-1">
               <a:solidFill>
                 <a:srgbClr val="000000"/>
               </a:solidFill>
@@ -524,11 +697,14 @@
       </p:sp>
     </p:spTree>
   </p:cSld>
+  <p:clrMapOvr>
+    <a:masterClrMapping/>
+  </p:clrMapOvr>
 </p:notes>
 </file>
 
 <file path=ppt/slideLayouts/slideLayout1.xml><?xml version="1.0" encoding="utf-8"?>
-<p:sldLayout xmlns:a="http://schemas.openxmlformats.org/drawingml/2006/main" xmlns:p="http://schemas.openxmlformats.org/presentationml/2006/main" xmlns:r="http://schemas.openxmlformats.org/officeDocument/2006/relationships" xmlns:p14="http://schemas.microsoft.com/office/powerpoint/2010/main" xmlns:p15="http://schemas.microsoft.com/office/powerpoint/2012/main" xmlns:mc="http://schemas.openxmlformats.org/markup-compatibility/2006" type="blank" preserve="1">
+<p:sldLayout xmlns:a="http://schemas.openxmlformats.org/drawingml/2006/main" xmlns:r="http://schemas.openxmlformats.org/officeDocument/2006/relationships" xmlns:p="http://schemas.openxmlformats.org/presentationml/2006/main" type="blank" preserve="1">
   <p:cSld name="Blank Slide">
     <p:spTree>
       <p:nvGrpSpPr>
@@ -546,11 +722,14 @@
       </p:grpSpPr>
     </p:spTree>
   </p:cSld>
+  <p:clrMapOvr>
+    <a:masterClrMapping/>
+  </p:clrMapOvr>
 </p:sldLayout>
 </file>
 
 <file path=ppt/slideLayouts/slideLayout10.xml><?xml version="1.0" encoding="utf-8"?>
-<p:sldLayout xmlns:a="http://schemas.openxmlformats.org/drawingml/2006/main" xmlns:p="http://schemas.openxmlformats.org/presentationml/2006/main" xmlns:r="http://schemas.openxmlformats.org/officeDocument/2006/relationships" xmlns:p14="http://schemas.microsoft.com/office/powerpoint/2010/main" xmlns:p15="http://schemas.microsoft.com/office/powerpoint/2012/main" xmlns:mc="http://schemas.openxmlformats.org/markup-compatibility/2006" type="objOverTx" preserve="1">
+<p:sldLayout xmlns:a="http://schemas.openxmlformats.org/drawingml/2006/main" xmlns:r="http://schemas.openxmlformats.org/officeDocument/2006/relationships" xmlns:p="http://schemas.openxmlformats.org/presentationml/2006/main" type="objOverTx" preserve="1">
   <p:cSld name="Title, Content over Content">
     <p:spTree>
       <p:nvGrpSpPr>
@@ -590,14 +769,15 @@
           </a:ln>
         </p:spPr>
         <p:txBody>
-          <a:bodyPr lIns="0" rIns="0" tIns="0" bIns="0" anchor="ctr">
+          <a:bodyPr lIns="0" tIns="0" rIns="0" bIns="0" anchor="ctr">
             <a:noAutofit/>
           </a:bodyPr>
+          <a:lstStyle/>
           <a:p>
             <a:pPr indent="0" algn="ctr">
               <a:buNone/>
             </a:pPr>
-            <a:endParaRPr b="0" lang="pt-BR" sz="4400" spc="-1" strike="noStrike">
+            <a:endParaRPr lang="pt-BR" sz="4400" b="0" strike="noStrike" spc="-1">
               <a:solidFill>
                 <a:srgbClr val="000000"/>
               </a:solidFill>
@@ -630,9 +810,10 @@
           </a:ln>
         </p:spPr>
         <p:txBody>
-          <a:bodyPr lIns="0" rIns="0" tIns="0" bIns="0" anchor="t">
+          <a:bodyPr lIns="0" tIns="0" rIns="0" bIns="0" anchor="t">
             <a:normAutofit/>
           </a:bodyPr>
+          <a:lstStyle/>
           <a:p>
             <a:pPr indent="0">
               <a:spcBef>
@@ -640,7 +821,7 @@
               </a:spcBef>
               <a:buNone/>
             </a:pPr>
-            <a:endParaRPr b="0" lang="pt-BR" sz="3200" spc="-1" strike="noStrike">
+            <a:endParaRPr lang="pt-BR" sz="3200" b="0" strike="noStrike" spc="-1">
               <a:solidFill>
                 <a:srgbClr val="000000"/>
               </a:solidFill>
@@ -673,9 +854,10 @@
           </a:ln>
         </p:spPr>
         <p:txBody>
-          <a:bodyPr lIns="0" rIns="0" tIns="0" bIns="0" anchor="t">
+          <a:bodyPr lIns="0" tIns="0" rIns="0" bIns="0" anchor="t">
             <a:normAutofit/>
           </a:bodyPr>
+          <a:lstStyle/>
           <a:p>
             <a:pPr indent="0">
               <a:spcBef>
@@ -683,7 +865,7 @@
               </a:spcBef>
               <a:buNone/>
             </a:pPr>
-            <a:endParaRPr b="0" lang="pt-BR" sz="3200" spc="-1" strike="noStrike">
+            <a:endParaRPr lang="pt-BR" sz="3200" b="0" strike="noStrike" spc="-1">
               <a:solidFill>
                 <a:srgbClr val="000000"/>
               </a:solidFill>
@@ -694,11 +876,14 @@
       </p:sp>
     </p:spTree>
   </p:cSld>
+  <p:clrMapOvr>
+    <a:masterClrMapping/>
+  </p:clrMapOvr>
 </p:sldLayout>
 </file>
 
 <file path=ppt/slideLayouts/slideLayout11.xml><?xml version="1.0" encoding="utf-8"?>
-<p:sldLayout xmlns:a="http://schemas.openxmlformats.org/drawingml/2006/main" xmlns:p="http://schemas.openxmlformats.org/presentationml/2006/main" xmlns:r="http://schemas.openxmlformats.org/officeDocument/2006/relationships" xmlns:p14="http://schemas.microsoft.com/office/powerpoint/2010/main" xmlns:p15="http://schemas.microsoft.com/office/powerpoint/2012/main" xmlns:mc="http://schemas.openxmlformats.org/markup-compatibility/2006" type="fourObj" preserve="1">
+<p:sldLayout xmlns:a="http://schemas.openxmlformats.org/drawingml/2006/main" xmlns:r="http://schemas.openxmlformats.org/officeDocument/2006/relationships" xmlns:p="http://schemas.openxmlformats.org/presentationml/2006/main" type="fourObj" preserve="1">
   <p:cSld name="Title, 4 Content">
     <p:spTree>
       <p:nvGrpSpPr>
@@ -738,14 +923,15 @@
           </a:ln>
         </p:spPr>
         <p:txBody>
-          <a:bodyPr lIns="0" rIns="0" tIns="0" bIns="0" anchor="ctr">
+          <a:bodyPr lIns="0" tIns="0" rIns="0" bIns="0" anchor="ctr">
             <a:noAutofit/>
           </a:bodyPr>
+          <a:lstStyle/>
           <a:p>
             <a:pPr indent="0" algn="ctr">
               <a:buNone/>
             </a:pPr>
-            <a:endParaRPr b="0" lang="pt-BR" sz="4400" spc="-1" strike="noStrike">
+            <a:endParaRPr lang="pt-BR" sz="4400" b="0" strike="noStrike" spc="-1">
               <a:solidFill>
                 <a:srgbClr val="000000"/>
               </a:solidFill>
@@ -778,9 +964,10 @@
           </a:ln>
         </p:spPr>
         <p:txBody>
-          <a:bodyPr lIns="0" rIns="0" tIns="0" bIns="0" anchor="t">
+          <a:bodyPr lIns="0" tIns="0" rIns="0" bIns="0" anchor="t">
             <a:normAutofit/>
           </a:bodyPr>
+          <a:lstStyle/>
           <a:p>
             <a:pPr indent="0">
               <a:spcBef>
@@ -788,7 +975,7 @@
               </a:spcBef>
               <a:buNone/>
             </a:pPr>
-            <a:endParaRPr b="0" lang="pt-BR" sz="3200" spc="-1" strike="noStrike">
+            <a:endParaRPr lang="pt-BR" sz="3200" b="0" strike="noStrike" spc="-1">
               <a:solidFill>
                 <a:srgbClr val="000000"/>
               </a:solidFill>
@@ -821,9 +1008,10 @@
           </a:ln>
         </p:spPr>
         <p:txBody>
-          <a:bodyPr lIns="0" rIns="0" tIns="0" bIns="0" anchor="t">
+          <a:bodyPr lIns="0" tIns="0" rIns="0" bIns="0" anchor="t">
             <a:normAutofit/>
           </a:bodyPr>
+          <a:lstStyle/>
           <a:p>
             <a:pPr indent="0">
               <a:spcBef>
@@ -831,7 +1019,7 @@
               </a:spcBef>
               <a:buNone/>
             </a:pPr>
-            <a:endParaRPr b="0" lang="pt-BR" sz="3200" spc="-1" strike="noStrike">
+            <a:endParaRPr lang="pt-BR" sz="3200" b="0" strike="noStrike" spc="-1">
               <a:solidFill>
                 <a:srgbClr val="000000"/>
               </a:solidFill>
@@ -864,9 +1052,10 @@
           </a:ln>
         </p:spPr>
         <p:txBody>
-          <a:bodyPr lIns="0" rIns="0" tIns="0" bIns="0" anchor="t">
+          <a:bodyPr lIns="0" tIns="0" rIns="0" bIns="0" anchor="t">
             <a:normAutofit/>
           </a:bodyPr>
+          <a:lstStyle/>
           <a:p>
             <a:pPr indent="0">
               <a:spcBef>
@@ -874,7 +1063,7 @@
               </a:spcBef>
               <a:buNone/>
             </a:pPr>
-            <a:endParaRPr b="0" lang="pt-BR" sz="3200" spc="-1" strike="noStrike">
+            <a:endParaRPr lang="pt-BR" sz="3200" b="0" strike="noStrike" spc="-1">
               <a:solidFill>
                 <a:srgbClr val="000000"/>
               </a:solidFill>
@@ -907,9 +1096,10 @@
           </a:ln>
         </p:spPr>
         <p:txBody>
-          <a:bodyPr lIns="0" rIns="0" tIns="0" bIns="0" anchor="t">
+          <a:bodyPr lIns="0" tIns="0" rIns="0" bIns="0" anchor="t">
             <a:normAutofit/>
           </a:bodyPr>
+          <a:lstStyle/>
           <a:p>
             <a:pPr indent="0">
               <a:spcBef>
@@ -917,7 +1107,7 @@
               </a:spcBef>
               <a:buNone/>
             </a:pPr>
-            <a:endParaRPr b="0" lang="pt-BR" sz="3200" spc="-1" strike="noStrike">
+            <a:endParaRPr lang="pt-BR" sz="3200" b="0" strike="noStrike" spc="-1">
               <a:solidFill>
                 <a:srgbClr val="000000"/>
               </a:solidFill>
@@ -928,11 +1118,14 @@
       </p:sp>
     </p:spTree>
   </p:cSld>
+  <p:clrMapOvr>
+    <a:masterClrMapping/>
+  </p:clrMapOvr>
 </p:sldLayout>
 </file>
 
 <file path=ppt/slideLayouts/slideLayout12.xml><?xml version="1.0" encoding="utf-8"?>
-<p:sldLayout xmlns:a="http://schemas.openxmlformats.org/drawingml/2006/main" xmlns:p="http://schemas.openxmlformats.org/presentationml/2006/main" xmlns:r="http://schemas.openxmlformats.org/officeDocument/2006/relationships" xmlns:p14="http://schemas.microsoft.com/office/powerpoint/2010/main" xmlns:p15="http://schemas.microsoft.com/office/powerpoint/2012/main" xmlns:mc="http://schemas.openxmlformats.org/markup-compatibility/2006" type="blank" preserve="1">
+<p:sldLayout xmlns:a="http://schemas.openxmlformats.org/drawingml/2006/main" xmlns:r="http://schemas.openxmlformats.org/officeDocument/2006/relationships" xmlns:p="http://schemas.openxmlformats.org/presentationml/2006/main" type="blank" preserve="1">
   <p:cSld name="Title, 6 Content">
     <p:spTree>
       <p:nvGrpSpPr>
@@ -972,14 +1165,15 @@
           </a:ln>
         </p:spPr>
         <p:txBody>
-          <a:bodyPr lIns="0" rIns="0" tIns="0" bIns="0" anchor="ctr">
+          <a:bodyPr lIns="0" tIns="0" rIns="0" bIns="0" anchor="ctr">
             <a:noAutofit/>
           </a:bodyPr>
+          <a:lstStyle/>
           <a:p>
             <a:pPr indent="0" algn="ctr">
               <a:buNone/>
             </a:pPr>
-            <a:endParaRPr b="0" lang="pt-BR" sz="4400" spc="-1" strike="noStrike">
+            <a:endParaRPr lang="pt-BR" sz="4400" b="0" strike="noStrike" spc="-1">
               <a:solidFill>
                 <a:srgbClr val="000000"/>
               </a:solidFill>
@@ -1012,9 +1206,10 @@
           </a:ln>
         </p:spPr>
         <p:txBody>
-          <a:bodyPr lIns="0" rIns="0" tIns="0" bIns="0" anchor="t">
+          <a:bodyPr lIns="0" tIns="0" rIns="0" bIns="0" anchor="t">
             <a:normAutofit/>
           </a:bodyPr>
+          <a:lstStyle/>
           <a:p>
             <a:pPr indent="0">
               <a:spcBef>
@@ -1022,7 +1217,7 @@
               </a:spcBef>
               <a:buNone/>
             </a:pPr>
-            <a:endParaRPr b="0" lang="pt-BR" sz="3200" spc="-1" strike="noStrike">
+            <a:endParaRPr lang="pt-BR" sz="3200" b="0" strike="noStrike" spc="-1">
               <a:solidFill>
                 <a:srgbClr val="000000"/>
               </a:solidFill>
@@ -1055,9 +1250,10 @@
           </a:ln>
         </p:spPr>
         <p:txBody>
-          <a:bodyPr lIns="0" rIns="0" tIns="0" bIns="0" anchor="t">
+          <a:bodyPr lIns="0" tIns="0" rIns="0" bIns="0" anchor="t">
             <a:normAutofit/>
           </a:bodyPr>
+          <a:lstStyle/>
           <a:p>
             <a:pPr indent="0">
               <a:spcBef>
@@ -1065,7 +1261,7 @@
               </a:spcBef>
               <a:buNone/>
             </a:pPr>
-            <a:endParaRPr b="0" lang="pt-BR" sz="3200" spc="-1" strike="noStrike">
+            <a:endParaRPr lang="pt-BR" sz="3200" b="0" strike="noStrike" spc="-1">
               <a:solidFill>
                 <a:srgbClr val="000000"/>
               </a:solidFill>
@@ -1098,9 +1294,10 @@
           </a:ln>
         </p:spPr>
         <p:txBody>
-          <a:bodyPr lIns="0" rIns="0" tIns="0" bIns="0" anchor="t">
+          <a:bodyPr lIns="0" tIns="0" rIns="0" bIns="0" anchor="t">
             <a:normAutofit/>
           </a:bodyPr>
+          <a:lstStyle/>
           <a:p>
             <a:pPr indent="0">
               <a:spcBef>
@@ -1108,7 +1305,7 @@
               </a:spcBef>
               <a:buNone/>
             </a:pPr>
-            <a:endParaRPr b="0" lang="pt-BR" sz="3200" spc="-1" strike="noStrike">
+            <a:endParaRPr lang="pt-BR" sz="3200" b="0" strike="noStrike" spc="-1">
               <a:solidFill>
                 <a:srgbClr val="000000"/>
               </a:solidFill>
@@ -1141,9 +1338,10 @@
           </a:ln>
         </p:spPr>
         <p:txBody>
-          <a:bodyPr lIns="0" rIns="0" tIns="0" bIns="0" anchor="t">
+          <a:bodyPr lIns="0" tIns="0" rIns="0" bIns="0" anchor="t">
             <a:normAutofit/>
           </a:bodyPr>
+          <a:lstStyle/>
           <a:p>
             <a:pPr indent="0">
               <a:spcBef>
@@ -1151,7 +1349,7 @@
               </a:spcBef>
               <a:buNone/>
             </a:pPr>
-            <a:endParaRPr b="0" lang="pt-BR" sz="3200" spc="-1" strike="noStrike">
+            <a:endParaRPr lang="pt-BR" sz="3200" b="0" strike="noStrike" spc="-1">
               <a:solidFill>
                 <a:srgbClr val="000000"/>
               </a:solidFill>
@@ -1184,9 +1382,10 @@
           </a:ln>
         </p:spPr>
         <p:txBody>
-          <a:bodyPr lIns="0" rIns="0" tIns="0" bIns="0" anchor="t">
+          <a:bodyPr lIns="0" tIns="0" rIns="0" bIns="0" anchor="t">
             <a:normAutofit/>
           </a:bodyPr>
+          <a:lstStyle/>
           <a:p>
             <a:pPr indent="0">
               <a:spcBef>
@@ -1194,7 +1393,7 @@
               </a:spcBef>
               <a:buNone/>
             </a:pPr>
-            <a:endParaRPr b="0" lang="pt-BR" sz="3200" spc="-1" strike="noStrike">
+            <a:endParaRPr lang="pt-BR" sz="3200" b="0" strike="noStrike" spc="-1">
               <a:solidFill>
                 <a:srgbClr val="000000"/>
               </a:solidFill>
@@ -1227,9 +1426,10 @@
           </a:ln>
         </p:spPr>
         <p:txBody>
-          <a:bodyPr lIns="0" rIns="0" tIns="0" bIns="0" anchor="t">
+          <a:bodyPr lIns="0" tIns="0" rIns="0" bIns="0" anchor="t">
             <a:normAutofit/>
           </a:bodyPr>
+          <a:lstStyle/>
           <a:p>
             <a:pPr indent="0">
               <a:spcBef>
@@ -1237,7 +1437,7 @@
               </a:spcBef>
               <a:buNone/>
             </a:pPr>
-            <a:endParaRPr b="0" lang="pt-BR" sz="3200" spc="-1" strike="noStrike">
+            <a:endParaRPr lang="pt-BR" sz="3200" b="0" strike="noStrike" spc="-1">
               <a:solidFill>
                 <a:srgbClr val="000000"/>
               </a:solidFill>
@@ -1248,11 +1448,14 @@
       </p:sp>
     </p:spTree>
   </p:cSld>
+  <p:clrMapOvr>
+    <a:masterClrMapping/>
+  </p:clrMapOvr>
 </p:sldLayout>
 </file>
 
 <file path=ppt/slideLayouts/slideLayout13.xml><?xml version="1.0" encoding="utf-8"?>
-<p:sldLayout xmlns:a="http://schemas.openxmlformats.org/drawingml/2006/main" xmlns:p="http://schemas.openxmlformats.org/presentationml/2006/main" xmlns:r="http://schemas.openxmlformats.org/officeDocument/2006/relationships" xmlns:p14="http://schemas.microsoft.com/office/powerpoint/2010/main" xmlns:p15="http://schemas.microsoft.com/office/powerpoint/2012/main" xmlns:mc="http://schemas.openxmlformats.org/markup-compatibility/2006" type="blank" preserve="1">
+<p:sldLayout xmlns:a="http://schemas.openxmlformats.org/drawingml/2006/main" xmlns:r="http://schemas.openxmlformats.org/officeDocument/2006/relationships" xmlns:p="http://schemas.openxmlformats.org/presentationml/2006/main" type="blank" preserve="1">
   <p:cSld name="Blank Slide">
     <p:spTree>
       <p:nvGrpSpPr>
@@ -1281,6 +1484,7 @@
         <p:spPr/>
         <p:txBody>
           <a:bodyPr/>
+          <a:lstStyle/>
           <a:p>
             <a:r>
               <a:t>Footer</a:t>
@@ -1301,10 +1505,12 @@
         <p:spPr/>
         <p:txBody>
           <a:bodyPr/>
+          <a:lstStyle/>
           <a:p>
             <a:fld id="{76D1EC43-45B0-4339-B0CA-6D3B808C630C}" type="slidenum">
-              <a:t>&lt;#&gt;</a:t>
+              <a:t>‹nº›</a:t>
             </a:fld>
+            <a:endParaRPr/>
           </a:p>
         </p:txBody>
       </p:sp>
@@ -1321,21 +1527,22 @@
         <p:spPr/>
         <p:txBody>
           <a:bodyPr/>
-          <a:p>
-            <a:r>
-              <a:rPr lang="pt-BR"/>
-              <a:t/>
-            </a:r>
+          <a:lstStyle/>
+          <a:p>
+            <a:endParaRPr/>
           </a:p>
         </p:txBody>
       </p:sp>
     </p:spTree>
   </p:cSld>
+  <p:clrMapOvr>
+    <a:masterClrMapping/>
+  </p:clrMapOvr>
 </p:sldLayout>
 </file>
 
 <file path=ppt/slideLayouts/slideLayout14.xml><?xml version="1.0" encoding="utf-8"?>
-<p:sldLayout xmlns:a="http://schemas.openxmlformats.org/drawingml/2006/main" xmlns:p="http://schemas.openxmlformats.org/presentationml/2006/main" xmlns:r="http://schemas.openxmlformats.org/officeDocument/2006/relationships" xmlns:p14="http://schemas.microsoft.com/office/powerpoint/2010/main" xmlns:p15="http://schemas.microsoft.com/office/powerpoint/2012/main" xmlns:mc="http://schemas.openxmlformats.org/markup-compatibility/2006" type="tx" preserve="1">
+<p:sldLayout xmlns:a="http://schemas.openxmlformats.org/drawingml/2006/main" xmlns:r="http://schemas.openxmlformats.org/officeDocument/2006/relationships" xmlns:p="http://schemas.openxmlformats.org/presentationml/2006/main" type="tx" preserve="1">
   <p:cSld name="Title Slide">
     <p:spTree>
       <p:nvGrpSpPr>
@@ -1375,14 +1582,15 @@
           </a:ln>
         </p:spPr>
         <p:txBody>
-          <a:bodyPr lIns="0" rIns="0" tIns="0" bIns="0" anchor="ctr">
+          <a:bodyPr lIns="0" tIns="0" rIns="0" bIns="0" anchor="ctr">
             <a:noAutofit/>
           </a:bodyPr>
+          <a:lstStyle/>
           <a:p>
             <a:pPr indent="0" algn="ctr">
               <a:buNone/>
             </a:pPr>
-            <a:endParaRPr b="0" lang="pt-BR" sz="4400" spc="-1" strike="noStrike">
+            <a:endParaRPr lang="pt-BR" sz="4400" b="0" strike="noStrike" spc="-1">
               <a:solidFill>
                 <a:srgbClr val="000000"/>
               </a:solidFill>
@@ -1415,14 +1623,15 @@
           </a:ln>
         </p:spPr>
         <p:txBody>
-          <a:bodyPr lIns="0" rIns="0" tIns="0" bIns="0" anchor="ctr">
+          <a:bodyPr lIns="0" tIns="0" rIns="0" bIns="0" anchor="ctr">
             <a:noAutofit/>
           </a:bodyPr>
+          <a:lstStyle/>
           <a:p>
             <a:pPr indent="0" algn="ctr">
               <a:buNone/>
             </a:pPr>
-            <a:endParaRPr b="0" lang="pt-BR" sz="3200" spc="-1" strike="noStrike">
+            <a:endParaRPr lang="pt-BR" sz="3200" b="0" strike="noStrike" spc="-1">
               <a:solidFill>
                 <a:srgbClr val="000000"/>
               </a:solidFill>
@@ -1444,6 +1653,7 @@
         <p:spPr/>
         <p:txBody>
           <a:bodyPr/>
+          <a:lstStyle/>
           <a:p>
             <a:r>
               <a:t>Footer</a:t>
@@ -1464,10 +1674,12 @@
         <p:spPr/>
         <p:txBody>
           <a:bodyPr/>
+          <a:lstStyle/>
           <a:p>
             <a:fld id="{2297F456-AB17-4777-9363-25F8095A3BDC}" type="slidenum">
-              <a:t>&lt;#&gt;</a:t>
+              <a:t>‹nº›</a:t>
             </a:fld>
+            <a:endParaRPr/>
           </a:p>
         </p:txBody>
       </p:sp>
@@ -1484,21 +1696,22 @@
         <p:spPr/>
         <p:txBody>
           <a:bodyPr/>
-          <a:p>
-            <a:r>
-              <a:rPr lang="pt-BR"/>
-              <a:t/>
-            </a:r>
+          <a:lstStyle/>
+          <a:p>
+            <a:endParaRPr/>
           </a:p>
         </p:txBody>
       </p:sp>
     </p:spTree>
   </p:cSld>
+  <p:clrMapOvr>
+    <a:masterClrMapping/>
+  </p:clrMapOvr>
 </p:sldLayout>
 </file>
 
 <file path=ppt/slideLayouts/slideLayout15.xml><?xml version="1.0" encoding="utf-8"?>
-<p:sldLayout xmlns:a="http://schemas.openxmlformats.org/drawingml/2006/main" xmlns:p="http://schemas.openxmlformats.org/presentationml/2006/main" xmlns:r="http://schemas.openxmlformats.org/officeDocument/2006/relationships" xmlns:p14="http://schemas.microsoft.com/office/powerpoint/2010/main" xmlns:p15="http://schemas.microsoft.com/office/powerpoint/2012/main" xmlns:mc="http://schemas.openxmlformats.org/markup-compatibility/2006" type="obj" preserve="1">
+<p:sldLayout xmlns:a="http://schemas.openxmlformats.org/drawingml/2006/main" xmlns:r="http://schemas.openxmlformats.org/officeDocument/2006/relationships" xmlns:p="http://schemas.openxmlformats.org/presentationml/2006/main" type="obj" preserve="1">
   <p:cSld name="Title, Content">
     <p:spTree>
       <p:nvGrpSpPr>
@@ -1538,14 +1751,15 @@
           </a:ln>
         </p:spPr>
         <p:txBody>
-          <a:bodyPr lIns="0" rIns="0" tIns="0" bIns="0" anchor="ctr">
+          <a:bodyPr lIns="0" tIns="0" rIns="0" bIns="0" anchor="ctr">
             <a:noAutofit/>
           </a:bodyPr>
+          <a:lstStyle/>
           <a:p>
             <a:pPr indent="0" algn="ctr">
               <a:buNone/>
             </a:pPr>
-            <a:endParaRPr b="0" lang="pt-BR" sz="4400" spc="-1" strike="noStrike">
+            <a:endParaRPr lang="pt-BR" sz="4400" b="0" strike="noStrike" spc="-1">
               <a:solidFill>
                 <a:srgbClr val="000000"/>
               </a:solidFill>
@@ -1578,9 +1792,10 @@
           </a:ln>
         </p:spPr>
         <p:txBody>
-          <a:bodyPr lIns="0" rIns="0" tIns="0" bIns="0" anchor="t">
+          <a:bodyPr lIns="0" tIns="0" rIns="0" bIns="0" anchor="t">
             <a:normAutofit/>
           </a:bodyPr>
+          <a:lstStyle/>
           <a:p>
             <a:pPr indent="0">
               <a:spcBef>
@@ -1588,7 +1803,7 @@
               </a:spcBef>
               <a:buNone/>
             </a:pPr>
-            <a:endParaRPr b="0" lang="pt-BR" sz="3200" spc="-1" strike="noStrike">
+            <a:endParaRPr lang="pt-BR" sz="3200" b="0" strike="noStrike" spc="-1">
               <a:solidFill>
                 <a:srgbClr val="000000"/>
               </a:solidFill>
@@ -1610,6 +1825,7 @@
         <p:spPr/>
         <p:txBody>
           <a:bodyPr/>
+          <a:lstStyle/>
           <a:p>
             <a:r>
               <a:t>Footer</a:t>
@@ -1630,10 +1846,12 @@
         <p:spPr/>
         <p:txBody>
           <a:bodyPr/>
+          <a:lstStyle/>
           <a:p>
             <a:fld id="{D1474A4F-667E-49D3-84B9-A863D7EB8584}" type="slidenum">
-              <a:t>&lt;#&gt;</a:t>
+              <a:t>‹nº›</a:t>
             </a:fld>
+            <a:endParaRPr/>
           </a:p>
         </p:txBody>
       </p:sp>
@@ -1650,21 +1868,22 @@
         <p:spPr/>
         <p:txBody>
           <a:bodyPr/>
-          <a:p>
-            <a:r>
-              <a:rPr lang="pt-BR"/>
-              <a:t/>
-            </a:r>
+          <a:lstStyle/>
+          <a:p>
+            <a:endParaRPr/>
           </a:p>
         </p:txBody>
       </p:sp>
     </p:spTree>
   </p:cSld>
+  <p:clrMapOvr>
+    <a:masterClrMapping/>
+  </p:clrMapOvr>
 </p:sldLayout>
 </file>
 
 <file path=ppt/slideLayouts/slideLayout16.xml><?xml version="1.0" encoding="utf-8"?>
-<p:sldLayout xmlns:a="http://schemas.openxmlformats.org/drawingml/2006/main" xmlns:p="http://schemas.openxmlformats.org/presentationml/2006/main" xmlns:r="http://schemas.openxmlformats.org/officeDocument/2006/relationships" xmlns:p14="http://schemas.microsoft.com/office/powerpoint/2010/main" xmlns:p15="http://schemas.microsoft.com/office/powerpoint/2012/main" xmlns:mc="http://schemas.openxmlformats.org/markup-compatibility/2006" type="twoObj" preserve="1">
+<p:sldLayout xmlns:a="http://schemas.openxmlformats.org/drawingml/2006/main" xmlns:r="http://schemas.openxmlformats.org/officeDocument/2006/relationships" xmlns:p="http://schemas.openxmlformats.org/presentationml/2006/main" type="twoObj" preserve="1">
   <p:cSld name="Title, 2 Content">
     <p:spTree>
       <p:nvGrpSpPr>
@@ -1704,14 +1923,15 @@
           </a:ln>
         </p:spPr>
         <p:txBody>
-          <a:bodyPr lIns="0" rIns="0" tIns="0" bIns="0" anchor="ctr">
+          <a:bodyPr lIns="0" tIns="0" rIns="0" bIns="0" anchor="ctr">
             <a:noAutofit/>
           </a:bodyPr>
+          <a:lstStyle/>
           <a:p>
             <a:pPr indent="0" algn="ctr">
               <a:buNone/>
             </a:pPr>
-            <a:endParaRPr b="0" lang="pt-BR" sz="4400" spc="-1" strike="noStrike">
+            <a:endParaRPr lang="pt-BR" sz="4400" b="0" strike="noStrike" spc="-1">
               <a:solidFill>
                 <a:srgbClr val="000000"/>
               </a:solidFill>
@@ -1744,9 +1964,10 @@
           </a:ln>
         </p:spPr>
         <p:txBody>
-          <a:bodyPr lIns="0" rIns="0" tIns="0" bIns="0" anchor="t">
+          <a:bodyPr lIns="0" tIns="0" rIns="0" bIns="0" anchor="t">
             <a:normAutofit/>
           </a:bodyPr>
+          <a:lstStyle/>
           <a:p>
             <a:pPr indent="0">
               <a:spcBef>
@@ -1754,7 +1975,7 @@
               </a:spcBef>
               <a:buNone/>
             </a:pPr>
-            <a:endParaRPr b="0" lang="pt-BR" sz="3200" spc="-1" strike="noStrike">
+            <a:endParaRPr lang="pt-BR" sz="3200" b="0" strike="noStrike" spc="-1">
               <a:solidFill>
                 <a:srgbClr val="000000"/>
               </a:solidFill>
@@ -1787,9 +2008,10 @@
           </a:ln>
         </p:spPr>
         <p:txBody>
-          <a:bodyPr lIns="0" rIns="0" tIns="0" bIns="0" anchor="t">
+          <a:bodyPr lIns="0" tIns="0" rIns="0" bIns="0" anchor="t">
             <a:normAutofit/>
           </a:bodyPr>
+          <a:lstStyle/>
           <a:p>
             <a:pPr indent="0">
               <a:spcBef>
@@ -1797,7 +2019,7 @@
               </a:spcBef>
               <a:buNone/>
             </a:pPr>
-            <a:endParaRPr b="0" lang="pt-BR" sz="3200" spc="-1" strike="noStrike">
+            <a:endParaRPr lang="pt-BR" sz="3200" b="0" strike="noStrike" spc="-1">
               <a:solidFill>
                 <a:srgbClr val="000000"/>
               </a:solidFill>
@@ -1819,6 +2041,7 @@
         <p:spPr/>
         <p:txBody>
           <a:bodyPr/>
+          <a:lstStyle/>
           <a:p>
             <a:r>
               <a:t>Footer</a:t>
@@ -1839,10 +2062,12 @@
         <p:spPr/>
         <p:txBody>
           <a:bodyPr/>
+          <a:lstStyle/>
           <a:p>
             <a:fld id="{B4C8A371-3AA6-4C45-8E19-CC491D85CF9A}" type="slidenum">
-              <a:t>&lt;#&gt;</a:t>
+              <a:t>‹nº›</a:t>
             </a:fld>
+            <a:endParaRPr/>
           </a:p>
         </p:txBody>
       </p:sp>
@@ -1859,21 +2084,22 @@
         <p:spPr/>
         <p:txBody>
           <a:bodyPr/>
-          <a:p>
-            <a:r>
-              <a:rPr lang="pt-BR"/>
-              <a:t/>
-            </a:r>
+          <a:lstStyle/>
+          <a:p>
+            <a:endParaRPr/>
           </a:p>
         </p:txBody>
       </p:sp>
     </p:spTree>
   </p:cSld>
+  <p:clrMapOvr>
+    <a:masterClrMapping/>
+  </p:clrMapOvr>
 </p:sldLayout>
 </file>
 
 <file path=ppt/slideLayouts/slideLayout17.xml><?xml version="1.0" encoding="utf-8"?>
-<p:sldLayout xmlns:a="http://schemas.openxmlformats.org/drawingml/2006/main" xmlns:p="http://schemas.openxmlformats.org/presentationml/2006/main" xmlns:r="http://schemas.openxmlformats.org/officeDocument/2006/relationships" xmlns:p14="http://schemas.microsoft.com/office/powerpoint/2010/main" xmlns:p15="http://schemas.microsoft.com/office/powerpoint/2012/main" xmlns:mc="http://schemas.openxmlformats.org/markup-compatibility/2006" type="titleOnly" preserve="1">
+<p:sldLayout xmlns:a="http://schemas.openxmlformats.org/drawingml/2006/main" xmlns:r="http://schemas.openxmlformats.org/officeDocument/2006/relationships" xmlns:p="http://schemas.openxmlformats.org/presentationml/2006/main" type="titleOnly" preserve="1">
   <p:cSld name="Title Only">
     <p:spTree>
       <p:nvGrpSpPr>
@@ -1913,14 +2139,15 @@
           </a:ln>
         </p:spPr>
         <p:txBody>
-          <a:bodyPr lIns="0" rIns="0" tIns="0" bIns="0" anchor="ctr">
+          <a:bodyPr lIns="0" tIns="0" rIns="0" bIns="0" anchor="ctr">
             <a:noAutofit/>
           </a:bodyPr>
+          <a:lstStyle/>
           <a:p>
             <a:pPr indent="0" algn="ctr">
               <a:buNone/>
             </a:pPr>
-            <a:endParaRPr b="0" lang="pt-BR" sz="4400" spc="-1" strike="noStrike">
+            <a:endParaRPr lang="pt-BR" sz="4400" b="0" strike="noStrike" spc="-1">
               <a:solidFill>
                 <a:srgbClr val="000000"/>
               </a:solidFill>
@@ -1942,6 +2169,7 @@
         <p:spPr/>
         <p:txBody>
           <a:bodyPr/>
+          <a:lstStyle/>
           <a:p>
             <a:r>
               <a:t>Footer</a:t>
@@ -1962,10 +2190,12 @@
         <p:spPr/>
         <p:txBody>
           <a:bodyPr/>
+          <a:lstStyle/>
           <a:p>
             <a:fld id="{87049A60-9048-4577-82A5-83B5B1C2C089}" type="slidenum">
-              <a:t>&lt;#&gt;</a:t>
+              <a:t>‹nº›</a:t>
             </a:fld>
+            <a:endParaRPr/>
           </a:p>
         </p:txBody>
       </p:sp>
@@ -1982,21 +2212,22 @@
         <p:spPr/>
         <p:txBody>
           <a:bodyPr/>
-          <a:p>
-            <a:r>
-              <a:rPr lang="pt-BR"/>
-              <a:t/>
-            </a:r>
+          <a:lstStyle/>
+          <a:p>
+            <a:endParaRPr/>
           </a:p>
         </p:txBody>
       </p:sp>
     </p:spTree>
   </p:cSld>
+  <p:clrMapOvr>
+    <a:masterClrMapping/>
+  </p:clrMapOvr>
 </p:sldLayout>
 </file>
 
 <file path=ppt/slideLayouts/slideLayout18.xml><?xml version="1.0" encoding="utf-8"?>
-<p:sldLayout xmlns:a="http://schemas.openxmlformats.org/drawingml/2006/main" xmlns:p="http://schemas.openxmlformats.org/presentationml/2006/main" xmlns:r="http://schemas.openxmlformats.org/officeDocument/2006/relationships" xmlns:p14="http://schemas.microsoft.com/office/powerpoint/2010/main" xmlns:p15="http://schemas.microsoft.com/office/powerpoint/2012/main" xmlns:mc="http://schemas.openxmlformats.org/markup-compatibility/2006" type="objOnly" preserve="1">
+<p:sldLayout xmlns:a="http://schemas.openxmlformats.org/drawingml/2006/main" xmlns:r="http://schemas.openxmlformats.org/officeDocument/2006/relationships" xmlns:p="http://schemas.openxmlformats.org/presentationml/2006/main" type="objOnly" preserve="1">
   <p:cSld name="Centered Text">
     <p:spTree>
       <p:nvGrpSpPr>
@@ -2036,12 +2267,13 @@
           </a:ln>
         </p:spPr>
         <p:txBody>
-          <a:bodyPr lIns="0" rIns="0" tIns="0" bIns="0" anchor="ctr">
+          <a:bodyPr lIns="0" tIns="0" rIns="0" bIns="0" anchor="ctr">
             <a:noAutofit/>
           </a:bodyPr>
+          <a:lstStyle/>
           <a:p>
             <a:pPr algn="ctr"/>
-            <a:endParaRPr b="0" lang="pt-BR" sz="3200" spc="-1" strike="noStrike">
+            <a:endParaRPr lang="pt-BR" sz="3200" b="0" strike="noStrike" spc="-1">
               <a:solidFill>
                 <a:srgbClr val="000000"/>
               </a:solidFill>
@@ -2063,6 +2295,7 @@
         <p:spPr/>
         <p:txBody>
           <a:bodyPr/>
+          <a:lstStyle/>
           <a:p>
             <a:r>
               <a:t>Footer</a:t>
@@ -2083,10 +2316,12 @@
         <p:spPr/>
         <p:txBody>
           <a:bodyPr/>
+          <a:lstStyle/>
           <a:p>
             <a:fld id="{6EF21DEB-A5E4-405A-961C-6134DADFD540}" type="slidenum">
-              <a:t>&lt;#&gt;</a:t>
+              <a:t>‹nº›</a:t>
             </a:fld>
+            <a:endParaRPr/>
           </a:p>
         </p:txBody>
       </p:sp>
@@ -2103,21 +2338,22 @@
         <p:spPr/>
         <p:txBody>
           <a:bodyPr/>
-          <a:p>
-            <a:r>
-              <a:rPr lang="pt-BR"/>
-              <a:t/>
-            </a:r>
+          <a:lstStyle/>
+          <a:p>
+            <a:endParaRPr/>
           </a:p>
         </p:txBody>
       </p:sp>
     </p:spTree>
   </p:cSld>
+  <p:clrMapOvr>
+    <a:masterClrMapping/>
+  </p:clrMapOvr>
 </p:sldLayout>
 </file>
 
 <file path=ppt/slideLayouts/slideLayout19.xml><?xml version="1.0" encoding="utf-8"?>
-<p:sldLayout xmlns:a="http://schemas.openxmlformats.org/drawingml/2006/main" xmlns:p="http://schemas.openxmlformats.org/presentationml/2006/main" xmlns:r="http://schemas.openxmlformats.org/officeDocument/2006/relationships" xmlns:p14="http://schemas.microsoft.com/office/powerpoint/2010/main" xmlns:p15="http://schemas.microsoft.com/office/powerpoint/2012/main" xmlns:mc="http://schemas.openxmlformats.org/markup-compatibility/2006" type="twoObjAndObj" preserve="1">
+<p:sldLayout xmlns:a="http://schemas.openxmlformats.org/drawingml/2006/main" xmlns:r="http://schemas.openxmlformats.org/officeDocument/2006/relationships" xmlns:p="http://schemas.openxmlformats.org/presentationml/2006/main" type="twoObjAndObj" preserve="1">
   <p:cSld name="Title, 2 Content and Content">
     <p:spTree>
       <p:nvGrpSpPr>
@@ -2157,14 +2393,15 @@
           </a:ln>
         </p:spPr>
         <p:txBody>
-          <a:bodyPr lIns="0" rIns="0" tIns="0" bIns="0" anchor="ctr">
+          <a:bodyPr lIns="0" tIns="0" rIns="0" bIns="0" anchor="ctr">
             <a:noAutofit/>
           </a:bodyPr>
+          <a:lstStyle/>
           <a:p>
             <a:pPr indent="0" algn="ctr">
               <a:buNone/>
             </a:pPr>
-            <a:endParaRPr b="0" lang="pt-BR" sz="4400" spc="-1" strike="noStrike">
+            <a:endParaRPr lang="pt-BR" sz="4400" b="0" strike="noStrike" spc="-1">
               <a:solidFill>
                 <a:srgbClr val="000000"/>
               </a:solidFill>
@@ -2197,9 +2434,10 @@
           </a:ln>
         </p:spPr>
         <p:txBody>
-          <a:bodyPr lIns="0" rIns="0" tIns="0" bIns="0" anchor="t">
+          <a:bodyPr lIns="0" tIns="0" rIns="0" bIns="0" anchor="t">
             <a:normAutofit/>
           </a:bodyPr>
+          <a:lstStyle/>
           <a:p>
             <a:pPr indent="0">
               <a:spcBef>
@@ -2207,7 +2445,7 @@
               </a:spcBef>
               <a:buNone/>
             </a:pPr>
-            <a:endParaRPr b="0" lang="pt-BR" sz="3200" spc="-1" strike="noStrike">
+            <a:endParaRPr lang="pt-BR" sz="3200" b="0" strike="noStrike" spc="-1">
               <a:solidFill>
                 <a:srgbClr val="000000"/>
               </a:solidFill>
@@ -2240,9 +2478,10 @@
           </a:ln>
         </p:spPr>
         <p:txBody>
-          <a:bodyPr lIns="0" rIns="0" tIns="0" bIns="0" anchor="t">
+          <a:bodyPr lIns="0" tIns="0" rIns="0" bIns="0" anchor="t">
             <a:normAutofit/>
           </a:bodyPr>
+          <a:lstStyle/>
           <a:p>
             <a:pPr indent="0">
               <a:spcBef>
@@ -2250,7 +2489,7 @@
               </a:spcBef>
               <a:buNone/>
             </a:pPr>
-            <a:endParaRPr b="0" lang="pt-BR" sz="3200" spc="-1" strike="noStrike">
+            <a:endParaRPr lang="pt-BR" sz="3200" b="0" strike="noStrike" spc="-1">
               <a:solidFill>
                 <a:srgbClr val="000000"/>
               </a:solidFill>
@@ -2283,9 +2522,10 @@
           </a:ln>
         </p:spPr>
         <p:txBody>
-          <a:bodyPr lIns="0" rIns="0" tIns="0" bIns="0" anchor="t">
+          <a:bodyPr lIns="0" tIns="0" rIns="0" bIns="0" anchor="t">
             <a:normAutofit/>
           </a:bodyPr>
+          <a:lstStyle/>
           <a:p>
             <a:pPr indent="0">
               <a:spcBef>
@@ -2293,7 +2533,7 @@
               </a:spcBef>
               <a:buNone/>
             </a:pPr>
-            <a:endParaRPr b="0" lang="pt-BR" sz="3200" spc="-1" strike="noStrike">
+            <a:endParaRPr lang="pt-BR" sz="3200" b="0" strike="noStrike" spc="-1">
               <a:solidFill>
                 <a:srgbClr val="000000"/>
               </a:solidFill>
@@ -2315,6 +2555,7 @@
         <p:spPr/>
         <p:txBody>
           <a:bodyPr/>
+          <a:lstStyle/>
           <a:p>
             <a:r>
               <a:t>Footer</a:t>
@@ -2335,10 +2576,12 @@
         <p:spPr/>
         <p:txBody>
           <a:bodyPr/>
+          <a:lstStyle/>
           <a:p>
             <a:fld id="{38435C9C-7784-41E3-A675-C249CE2250EE}" type="slidenum">
-              <a:t>&lt;#&gt;</a:t>
+              <a:t>‹nº›</a:t>
             </a:fld>
+            <a:endParaRPr/>
           </a:p>
         </p:txBody>
       </p:sp>
@@ -2355,21 +2598,22 @@
         <p:spPr/>
         <p:txBody>
           <a:bodyPr/>
-          <a:p>
-            <a:r>
-              <a:rPr lang="pt-BR"/>
-              <a:t/>
-            </a:r>
+          <a:lstStyle/>
+          <a:p>
+            <a:endParaRPr/>
           </a:p>
         </p:txBody>
       </p:sp>
     </p:spTree>
   </p:cSld>
+  <p:clrMapOvr>
+    <a:masterClrMapping/>
+  </p:clrMapOvr>
 </p:sldLayout>
 </file>
 
 <file path=ppt/slideLayouts/slideLayout2.xml><?xml version="1.0" encoding="utf-8"?>
-<p:sldLayout xmlns:a="http://schemas.openxmlformats.org/drawingml/2006/main" xmlns:p="http://schemas.openxmlformats.org/presentationml/2006/main" xmlns:r="http://schemas.openxmlformats.org/officeDocument/2006/relationships" xmlns:p14="http://schemas.microsoft.com/office/powerpoint/2010/main" xmlns:p15="http://schemas.microsoft.com/office/powerpoint/2012/main" xmlns:mc="http://schemas.openxmlformats.org/markup-compatibility/2006" type="tx" preserve="1">
+<p:sldLayout xmlns:a="http://schemas.openxmlformats.org/drawingml/2006/main" xmlns:r="http://schemas.openxmlformats.org/officeDocument/2006/relationships" xmlns:p="http://schemas.openxmlformats.org/presentationml/2006/main" type="tx" preserve="1">
   <p:cSld name="Title Slide">
     <p:spTree>
       <p:nvGrpSpPr>
@@ -2409,14 +2653,15 @@
           </a:ln>
         </p:spPr>
         <p:txBody>
-          <a:bodyPr lIns="0" rIns="0" tIns="0" bIns="0" anchor="ctr">
+          <a:bodyPr lIns="0" tIns="0" rIns="0" bIns="0" anchor="ctr">
             <a:noAutofit/>
           </a:bodyPr>
+          <a:lstStyle/>
           <a:p>
             <a:pPr indent="0" algn="ctr">
               <a:buNone/>
             </a:pPr>
-            <a:endParaRPr b="0" lang="pt-BR" sz="4400" spc="-1" strike="noStrike">
+            <a:endParaRPr lang="pt-BR" sz="4400" b="0" strike="noStrike" spc="-1">
               <a:solidFill>
                 <a:srgbClr val="000000"/>
               </a:solidFill>
@@ -2449,14 +2694,15 @@
           </a:ln>
         </p:spPr>
         <p:txBody>
-          <a:bodyPr lIns="0" rIns="0" tIns="0" bIns="0" anchor="ctr">
+          <a:bodyPr lIns="0" tIns="0" rIns="0" bIns="0" anchor="ctr">
             <a:noAutofit/>
           </a:bodyPr>
+          <a:lstStyle/>
           <a:p>
             <a:pPr indent="0" algn="ctr">
               <a:buNone/>
             </a:pPr>
-            <a:endParaRPr b="0" lang="pt-BR" sz="3200" spc="-1" strike="noStrike">
+            <a:endParaRPr lang="pt-BR" sz="3200" b="0" strike="noStrike" spc="-1">
               <a:solidFill>
                 <a:srgbClr val="000000"/>
               </a:solidFill>
@@ -2467,11 +2713,14 @@
       </p:sp>
     </p:spTree>
   </p:cSld>
+  <p:clrMapOvr>
+    <a:masterClrMapping/>
+  </p:clrMapOvr>
 </p:sldLayout>
 </file>
 
 <file path=ppt/slideLayouts/slideLayout20.xml><?xml version="1.0" encoding="utf-8"?>
-<p:sldLayout xmlns:a="http://schemas.openxmlformats.org/drawingml/2006/main" xmlns:p="http://schemas.openxmlformats.org/presentationml/2006/main" xmlns:r="http://schemas.openxmlformats.org/officeDocument/2006/relationships" xmlns:p14="http://schemas.microsoft.com/office/powerpoint/2010/main" xmlns:p15="http://schemas.microsoft.com/office/powerpoint/2012/main" xmlns:mc="http://schemas.openxmlformats.org/markup-compatibility/2006" type="objAndTwoObj" preserve="1">
+<p:sldLayout xmlns:a="http://schemas.openxmlformats.org/drawingml/2006/main" xmlns:r="http://schemas.openxmlformats.org/officeDocument/2006/relationships" xmlns:p="http://schemas.openxmlformats.org/presentationml/2006/main" type="objAndTwoObj" preserve="1">
   <p:cSld name="Title Content and 2 Content">
     <p:spTree>
       <p:nvGrpSpPr>
@@ -2511,14 +2760,15 @@
           </a:ln>
         </p:spPr>
         <p:txBody>
-          <a:bodyPr lIns="0" rIns="0" tIns="0" bIns="0" anchor="ctr">
+          <a:bodyPr lIns="0" tIns="0" rIns="0" bIns="0" anchor="ctr">
             <a:noAutofit/>
           </a:bodyPr>
+          <a:lstStyle/>
           <a:p>
             <a:pPr indent="0" algn="ctr">
               <a:buNone/>
             </a:pPr>
-            <a:endParaRPr b="0" lang="pt-BR" sz="4400" spc="-1" strike="noStrike">
+            <a:endParaRPr lang="pt-BR" sz="4400" b="0" strike="noStrike" spc="-1">
               <a:solidFill>
                 <a:srgbClr val="000000"/>
               </a:solidFill>
@@ -2551,9 +2801,10 @@
           </a:ln>
         </p:spPr>
         <p:txBody>
-          <a:bodyPr lIns="0" rIns="0" tIns="0" bIns="0" anchor="t">
+          <a:bodyPr lIns="0" tIns="0" rIns="0" bIns="0" anchor="t">
             <a:normAutofit/>
           </a:bodyPr>
+          <a:lstStyle/>
           <a:p>
             <a:pPr indent="0">
               <a:spcBef>
@@ -2561,7 +2812,7 @@
               </a:spcBef>
               <a:buNone/>
             </a:pPr>
-            <a:endParaRPr b="0" lang="pt-BR" sz="3200" spc="-1" strike="noStrike">
+            <a:endParaRPr lang="pt-BR" sz="3200" b="0" strike="noStrike" spc="-1">
               <a:solidFill>
                 <a:srgbClr val="000000"/>
               </a:solidFill>
@@ -2594,9 +2845,10 @@
           </a:ln>
         </p:spPr>
         <p:txBody>
-          <a:bodyPr lIns="0" rIns="0" tIns="0" bIns="0" anchor="t">
+          <a:bodyPr lIns="0" tIns="0" rIns="0" bIns="0" anchor="t">
             <a:normAutofit/>
           </a:bodyPr>
+          <a:lstStyle/>
           <a:p>
             <a:pPr indent="0">
               <a:spcBef>
@@ -2604,7 +2856,7 @@
               </a:spcBef>
               <a:buNone/>
             </a:pPr>
-            <a:endParaRPr b="0" lang="pt-BR" sz="3200" spc="-1" strike="noStrike">
+            <a:endParaRPr lang="pt-BR" sz="3200" b="0" strike="noStrike" spc="-1">
               <a:solidFill>
                 <a:srgbClr val="000000"/>
               </a:solidFill>
@@ -2637,9 +2889,10 @@
           </a:ln>
         </p:spPr>
         <p:txBody>
-          <a:bodyPr lIns="0" rIns="0" tIns="0" bIns="0" anchor="t">
+          <a:bodyPr lIns="0" tIns="0" rIns="0" bIns="0" anchor="t">
             <a:normAutofit/>
           </a:bodyPr>
+          <a:lstStyle/>
           <a:p>
             <a:pPr indent="0">
               <a:spcBef>
@@ -2647,7 +2900,7 @@
               </a:spcBef>
               <a:buNone/>
             </a:pPr>
-            <a:endParaRPr b="0" lang="pt-BR" sz="3200" spc="-1" strike="noStrike">
+            <a:endParaRPr lang="pt-BR" sz="3200" b="0" strike="noStrike" spc="-1">
               <a:solidFill>
                 <a:srgbClr val="000000"/>
               </a:solidFill>
@@ -2669,6 +2922,7 @@
         <p:spPr/>
         <p:txBody>
           <a:bodyPr/>
+          <a:lstStyle/>
           <a:p>
             <a:r>
               <a:t>Footer</a:t>
@@ -2689,10 +2943,12 @@
         <p:spPr/>
         <p:txBody>
           <a:bodyPr/>
+          <a:lstStyle/>
           <a:p>
             <a:fld id="{E92EB2E3-9B4C-4A19-A839-222DD87CB3CD}" type="slidenum">
-              <a:t>&lt;#&gt;</a:t>
+              <a:t>‹nº›</a:t>
             </a:fld>
+            <a:endParaRPr/>
           </a:p>
         </p:txBody>
       </p:sp>
@@ -2709,21 +2965,22 @@
         <p:spPr/>
         <p:txBody>
           <a:bodyPr/>
-          <a:p>
-            <a:r>
-              <a:rPr lang="pt-BR"/>
-              <a:t/>
-            </a:r>
+          <a:lstStyle/>
+          <a:p>
+            <a:endParaRPr/>
           </a:p>
         </p:txBody>
       </p:sp>
     </p:spTree>
   </p:cSld>
+  <p:clrMapOvr>
+    <a:masterClrMapping/>
+  </p:clrMapOvr>
 </p:sldLayout>
 </file>
 
 <file path=ppt/slideLayouts/slideLayout21.xml><?xml version="1.0" encoding="utf-8"?>
-<p:sldLayout xmlns:a="http://schemas.openxmlformats.org/drawingml/2006/main" xmlns:p="http://schemas.openxmlformats.org/presentationml/2006/main" xmlns:r="http://schemas.openxmlformats.org/officeDocument/2006/relationships" xmlns:p14="http://schemas.microsoft.com/office/powerpoint/2010/main" xmlns:p15="http://schemas.microsoft.com/office/powerpoint/2012/main" xmlns:mc="http://schemas.openxmlformats.org/markup-compatibility/2006" type="twoObjOverTx" preserve="1">
+<p:sldLayout xmlns:a="http://schemas.openxmlformats.org/drawingml/2006/main" xmlns:r="http://schemas.openxmlformats.org/officeDocument/2006/relationships" xmlns:p="http://schemas.openxmlformats.org/presentationml/2006/main" type="twoObjOverTx" preserve="1">
   <p:cSld name="Title, 2 Content over Content">
     <p:spTree>
       <p:nvGrpSpPr>
@@ -2763,14 +3020,15 @@
           </a:ln>
         </p:spPr>
         <p:txBody>
-          <a:bodyPr lIns="0" rIns="0" tIns="0" bIns="0" anchor="ctr">
+          <a:bodyPr lIns="0" tIns="0" rIns="0" bIns="0" anchor="ctr">
             <a:noAutofit/>
           </a:bodyPr>
+          <a:lstStyle/>
           <a:p>
             <a:pPr indent="0" algn="ctr">
               <a:buNone/>
             </a:pPr>
-            <a:endParaRPr b="0" lang="pt-BR" sz="4400" spc="-1" strike="noStrike">
+            <a:endParaRPr lang="pt-BR" sz="4400" b="0" strike="noStrike" spc="-1">
               <a:solidFill>
                 <a:srgbClr val="000000"/>
               </a:solidFill>
@@ -2803,9 +3061,10 @@
           </a:ln>
         </p:spPr>
         <p:txBody>
-          <a:bodyPr lIns="0" rIns="0" tIns="0" bIns="0" anchor="t">
+          <a:bodyPr lIns="0" tIns="0" rIns="0" bIns="0" anchor="t">
             <a:normAutofit/>
           </a:bodyPr>
+          <a:lstStyle/>
           <a:p>
             <a:pPr indent="0">
               <a:spcBef>
@@ -2813,7 +3072,7 @@
               </a:spcBef>
               <a:buNone/>
             </a:pPr>
-            <a:endParaRPr b="0" lang="pt-BR" sz="3200" spc="-1" strike="noStrike">
+            <a:endParaRPr lang="pt-BR" sz="3200" b="0" strike="noStrike" spc="-1">
               <a:solidFill>
                 <a:srgbClr val="000000"/>
               </a:solidFill>
@@ -2846,9 +3105,10 @@
           </a:ln>
         </p:spPr>
         <p:txBody>
-          <a:bodyPr lIns="0" rIns="0" tIns="0" bIns="0" anchor="t">
+          <a:bodyPr lIns="0" tIns="0" rIns="0" bIns="0" anchor="t">
             <a:normAutofit/>
           </a:bodyPr>
+          <a:lstStyle/>
           <a:p>
             <a:pPr indent="0">
               <a:spcBef>
@@ -2856,7 +3116,7 @@
               </a:spcBef>
               <a:buNone/>
             </a:pPr>
-            <a:endParaRPr b="0" lang="pt-BR" sz="3200" spc="-1" strike="noStrike">
+            <a:endParaRPr lang="pt-BR" sz="3200" b="0" strike="noStrike" spc="-1">
               <a:solidFill>
                 <a:srgbClr val="000000"/>
               </a:solidFill>
@@ -2889,9 +3149,10 @@
           </a:ln>
         </p:spPr>
         <p:txBody>
-          <a:bodyPr lIns="0" rIns="0" tIns="0" bIns="0" anchor="t">
+          <a:bodyPr lIns="0" tIns="0" rIns="0" bIns="0" anchor="t">
             <a:normAutofit/>
           </a:bodyPr>
+          <a:lstStyle/>
           <a:p>
             <a:pPr indent="0">
               <a:spcBef>
@@ -2899,7 +3160,7 @@
               </a:spcBef>
               <a:buNone/>
             </a:pPr>
-            <a:endParaRPr b="0" lang="pt-BR" sz="3200" spc="-1" strike="noStrike">
+            <a:endParaRPr lang="pt-BR" sz="3200" b="0" strike="noStrike" spc="-1">
               <a:solidFill>
                 <a:srgbClr val="000000"/>
               </a:solidFill>
@@ -2921,6 +3182,7 @@
         <p:spPr/>
         <p:txBody>
           <a:bodyPr/>
+          <a:lstStyle/>
           <a:p>
             <a:r>
               <a:t>Footer</a:t>
@@ -2941,10 +3203,12 @@
         <p:spPr/>
         <p:txBody>
           <a:bodyPr/>
+          <a:lstStyle/>
           <a:p>
             <a:fld id="{C810D4F4-12D7-430A-96E9-08AD466783B4}" type="slidenum">
-              <a:t>&lt;#&gt;</a:t>
+              <a:t>‹nº›</a:t>
             </a:fld>
+            <a:endParaRPr/>
           </a:p>
         </p:txBody>
       </p:sp>
@@ -2961,21 +3225,22 @@
         <p:spPr/>
         <p:txBody>
           <a:bodyPr/>
-          <a:p>
-            <a:r>
-              <a:rPr lang="pt-BR"/>
-              <a:t/>
-            </a:r>
+          <a:lstStyle/>
+          <a:p>
+            <a:endParaRPr/>
           </a:p>
         </p:txBody>
       </p:sp>
     </p:spTree>
   </p:cSld>
+  <p:clrMapOvr>
+    <a:masterClrMapping/>
+  </p:clrMapOvr>
 </p:sldLayout>
 </file>
 
 <file path=ppt/slideLayouts/slideLayout22.xml><?xml version="1.0" encoding="utf-8"?>
-<p:sldLayout xmlns:a="http://schemas.openxmlformats.org/drawingml/2006/main" xmlns:p="http://schemas.openxmlformats.org/presentationml/2006/main" xmlns:r="http://schemas.openxmlformats.org/officeDocument/2006/relationships" xmlns:p14="http://schemas.microsoft.com/office/powerpoint/2010/main" xmlns:p15="http://schemas.microsoft.com/office/powerpoint/2012/main" xmlns:mc="http://schemas.openxmlformats.org/markup-compatibility/2006" type="objOverTx" preserve="1">
+<p:sldLayout xmlns:a="http://schemas.openxmlformats.org/drawingml/2006/main" xmlns:r="http://schemas.openxmlformats.org/officeDocument/2006/relationships" xmlns:p="http://schemas.openxmlformats.org/presentationml/2006/main" type="objOverTx" preserve="1">
   <p:cSld name="Title, Content over Content">
     <p:spTree>
       <p:nvGrpSpPr>
@@ -3015,14 +3280,15 @@
           </a:ln>
         </p:spPr>
         <p:txBody>
-          <a:bodyPr lIns="0" rIns="0" tIns="0" bIns="0" anchor="ctr">
+          <a:bodyPr lIns="0" tIns="0" rIns="0" bIns="0" anchor="ctr">
             <a:noAutofit/>
           </a:bodyPr>
+          <a:lstStyle/>
           <a:p>
             <a:pPr indent="0" algn="ctr">
               <a:buNone/>
             </a:pPr>
-            <a:endParaRPr b="0" lang="pt-BR" sz="4400" spc="-1" strike="noStrike">
+            <a:endParaRPr lang="pt-BR" sz="4400" b="0" strike="noStrike" spc="-1">
               <a:solidFill>
                 <a:srgbClr val="000000"/>
               </a:solidFill>
@@ -3055,9 +3321,10 @@
           </a:ln>
         </p:spPr>
         <p:txBody>
-          <a:bodyPr lIns="0" rIns="0" tIns="0" bIns="0" anchor="t">
+          <a:bodyPr lIns="0" tIns="0" rIns="0" bIns="0" anchor="t">
             <a:normAutofit/>
           </a:bodyPr>
+          <a:lstStyle/>
           <a:p>
             <a:pPr indent="0">
               <a:spcBef>
@@ -3065,7 +3332,7 @@
               </a:spcBef>
               <a:buNone/>
             </a:pPr>
-            <a:endParaRPr b="0" lang="pt-BR" sz="3200" spc="-1" strike="noStrike">
+            <a:endParaRPr lang="pt-BR" sz="3200" b="0" strike="noStrike" spc="-1">
               <a:solidFill>
                 <a:srgbClr val="000000"/>
               </a:solidFill>
@@ -3098,9 +3365,10 @@
           </a:ln>
         </p:spPr>
         <p:txBody>
-          <a:bodyPr lIns="0" rIns="0" tIns="0" bIns="0" anchor="t">
+          <a:bodyPr lIns="0" tIns="0" rIns="0" bIns="0" anchor="t">
             <a:normAutofit/>
           </a:bodyPr>
+          <a:lstStyle/>
           <a:p>
             <a:pPr indent="0">
               <a:spcBef>
@@ -3108,7 +3376,7 @@
               </a:spcBef>
               <a:buNone/>
             </a:pPr>
-            <a:endParaRPr b="0" lang="pt-BR" sz="3200" spc="-1" strike="noStrike">
+            <a:endParaRPr lang="pt-BR" sz="3200" b="0" strike="noStrike" spc="-1">
               <a:solidFill>
                 <a:srgbClr val="000000"/>
               </a:solidFill>
@@ -3130,6 +3398,7 @@
         <p:spPr/>
         <p:txBody>
           <a:bodyPr/>
+          <a:lstStyle/>
           <a:p>
             <a:r>
               <a:t>Footer</a:t>
@@ -3150,10 +3419,12 @@
         <p:spPr/>
         <p:txBody>
           <a:bodyPr/>
+          <a:lstStyle/>
           <a:p>
             <a:fld id="{0467516C-D356-4C21-B030-E4828B33389D}" type="slidenum">
-              <a:t>&lt;#&gt;</a:t>
+              <a:t>‹nº›</a:t>
             </a:fld>
+            <a:endParaRPr/>
           </a:p>
         </p:txBody>
       </p:sp>
@@ -3170,21 +3441,22 @@
         <p:spPr/>
         <p:txBody>
           <a:bodyPr/>
-          <a:p>
-            <a:r>
-              <a:rPr lang="pt-BR"/>
-              <a:t/>
-            </a:r>
+          <a:lstStyle/>
+          <a:p>
+            <a:endParaRPr/>
           </a:p>
         </p:txBody>
       </p:sp>
     </p:spTree>
   </p:cSld>
+  <p:clrMapOvr>
+    <a:masterClrMapping/>
+  </p:clrMapOvr>
 </p:sldLayout>
 </file>
 
 <file path=ppt/slideLayouts/slideLayout23.xml><?xml version="1.0" encoding="utf-8"?>
-<p:sldLayout xmlns:a="http://schemas.openxmlformats.org/drawingml/2006/main" xmlns:p="http://schemas.openxmlformats.org/presentationml/2006/main" xmlns:r="http://schemas.openxmlformats.org/officeDocument/2006/relationships" xmlns:p14="http://schemas.microsoft.com/office/powerpoint/2010/main" xmlns:p15="http://schemas.microsoft.com/office/powerpoint/2012/main" xmlns:mc="http://schemas.openxmlformats.org/markup-compatibility/2006" type="fourObj" preserve="1">
+<p:sldLayout xmlns:a="http://schemas.openxmlformats.org/drawingml/2006/main" xmlns:r="http://schemas.openxmlformats.org/officeDocument/2006/relationships" xmlns:p="http://schemas.openxmlformats.org/presentationml/2006/main" type="fourObj" preserve="1">
   <p:cSld name="Title, 4 Content">
     <p:spTree>
       <p:nvGrpSpPr>
@@ -3224,14 +3496,15 @@
           </a:ln>
         </p:spPr>
         <p:txBody>
-          <a:bodyPr lIns="0" rIns="0" tIns="0" bIns="0" anchor="ctr">
+          <a:bodyPr lIns="0" tIns="0" rIns="0" bIns="0" anchor="ctr">
             <a:noAutofit/>
           </a:bodyPr>
+          <a:lstStyle/>
           <a:p>
             <a:pPr indent="0" algn="ctr">
               <a:buNone/>
             </a:pPr>
-            <a:endParaRPr b="0" lang="pt-BR" sz="4400" spc="-1" strike="noStrike">
+            <a:endParaRPr lang="pt-BR" sz="4400" b="0" strike="noStrike" spc="-1">
               <a:solidFill>
                 <a:srgbClr val="000000"/>
               </a:solidFill>
@@ -3264,9 +3537,10 @@
           </a:ln>
         </p:spPr>
         <p:txBody>
-          <a:bodyPr lIns="0" rIns="0" tIns="0" bIns="0" anchor="t">
+          <a:bodyPr lIns="0" tIns="0" rIns="0" bIns="0" anchor="t">
             <a:normAutofit/>
           </a:bodyPr>
+          <a:lstStyle/>
           <a:p>
             <a:pPr indent="0">
               <a:spcBef>
@@ -3274,7 +3548,7 @@
               </a:spcBef>
               <a:buNone/>
             </a:pPr>
-            <a:endParaRPr b="0" lang="pt-BR" sz="3200" spc="-1" strike="noStrike">
+            <a:endParaRPr lang="pt-BR" sz="3200" b="0" strike="noStrike" spc="-1">
               <a:solidFill>
                 <a:srgbClr val="000000"/>
               </a:solidFill>
@@ -3307,9 +3581,10 @@
           </a:ln>
         </p:spPr>
         <p:txBody>
-          <a:bodyPr lIns="0" rIns="0" tIns="0" bIns="0" anchor="t">
+          <a:bodyPr lIns="0" tIns="0" rIns="0" bIns="0" anchor="t">
             <a:normAutofit/>
           </a:bodyPr>
+          <a:lstStyle/>
           <a:p>
             <a:pPr indent="0">
               <a:spcBef>
@@ -3317,7 +3592,7 @@
               </a:spcBef>
               <a:buNone/>
             </a:pPr>
-            <a:endParaRPr b="0" lang="pt-BR" sz="3200" spc="-1" strike="noStrike">
+            <a:endParaRPr lang="pt-BR" sz="3200" b="0" strike="noStrike" spc="-1">
               <a:solidFill>
                 <a:srgbClr val="000000"/>
               </a:solidFill>
@@ -3350,9 +3625,10 @@
           </a:ln>
         </p:spPr>
         <p:txBody>
-          <a:bodyPr lIns="0" rIns="0" tIns="0" bIns="0" anchor="t">
+          <a:bodyPr lIns="0" tIns="0" rIns="0" bIns="0" anchor="t">
             <a:normAutofit/>
           </a:bodyPr>
+          <a:lstStyle/>
           <a:p>
             <a:pPr indent="0">
               <a:spcBef>
@@ -3360,7 +3636,7 @@
               </a:spcBef>
               <a:buNone/>
             </a:pPr>
-            <a:endParaRPr b="0" lang="pt-BR" sz="3200" spc="-1" strike="noStrike">
+            <a:endParaRPr lang="pt-BR" sz="3200" b="0" strike="noStrike" spc="-1">
               <a:solidFill>
                 <a:srgbClr val="000000"/>
               </a:solidFill>
@@ -3393,9 +3669,10 @@
           </a:ln>
         </p:spPr>
         <p:txBody>
-          <a:bodyPr lIns="0" rIns="0" tIns="0" bIns="0" anchor="t">
+          <a:bodyPr lIns="0" tIns="0" rIns="0" bIns="0" anchor="t">
             <a:normAutofit/>
           </a:bodyPr>
+          <a:lstStyle/>
           <a:p>
             <a:pPr indent="0">
               <a:spcBef>
@@ -3403,7 +3680,7 @@
               </a:spcBef>
               <a:buNone/>
             </a:pPr>
-            <a:endParaRPr b="0" lang="pt-BR" sz="3200" spc="-1" strike="noStrike">
+            <a:endParaRPr lang="pt-BR" sz="3200" b="0" strike="noStrike" spc="-1">
               <a:solidFill>
                 <a:srgbClr val="000000"/>
               </a:solidFill>
@@ -3425,6 +3702,7 @@
         <p:spPr/>
         <p:txBody>
           <a:bodyPr/>
+          <a:lstStyle/>
           <a:p>
             <a:r>
               <a:t>Footer</a:t>
@@ -3445,10 +3723,12 @@
         <p:spPr/>
         <p:txBody>
           <a:bodyPr/>
+          <a:lstStyle/>
           <a:p>
             <a:fld id="{D4FE9B97-E9E7-494A-9BD4-D3489150B966}" type="slidenum">
-              <a:t>&lt;#&gt;</a:t>
+              <a:t>‹nº›</a:t>
             </a:fld>
+            <a:endParaRPr/>
           </a:p>
         </p:txBody>
       </p:sp>
@@ -3465,21 +3745,22 @@
         <p:spPr/>
         <p:txBody>
           <a:bodyPr/>
-          <a:p>
-            <a:r>
-              <a:rPr lang="pt-BR"/>
-              <a:t/>
-            </a:r>
+          <a:lstStyle/>
+          <a:p>
+            <a:endParaRPr/>
           </a:p>
         </p:txBody>
       </p:sp>
     </p:spTree>
   </p:cSld>
+  <p:clrMapOvr>
+    <a:masterClrMapping/>
+  </p:clrMapOvr>
 </p:sldLayout>
 </file>
 
 <file path=ppt/slideLayouts/slideLayout24.xml><?xml version="1.0" encoding="utf-8"?>
-<p:sldLayout xmlns:a="http://schemas.openxmlformats.org/drawingml/2006/main" xmlns:p="http://schemas.openxmlformats.org/presentationml/2006/main" xmlns:r="http://schemas.openxmlformats.org/officeDocument/2006/relationships" xmlns:p14="http://schemas.microsoft.com/office/powerpoint/2010/main" xmlns:p15="http://schemas.microsoft.com/office/powerpoint/2012/main" xmlns:mc="http://schemas.openxmlformats.org/markup-compatibility/2006" type="blank" preserve="1">
+<p:sldLayout xmlns:a="http://schemas.openxmlformats.org/drawingml/2006/main" xmlns:r="http://schemas.openxmlformats.org/officeDocument/2006/relationships" xmlns:p="http://schemas.openxmlformats.org/presentationml/2006/main" type="blank" preserve="1">
   <p:cSld name="Title, 6 Content">
     <p:spTree>
       <p:nvGrpSpPr>
@@ -3519,14 +3800,15 @@
           </a:ln>
         </p:spPr>
         <p:txBody>
-          <a:bodyPr lIns="0" rIns="0" tIns="0" bIns="0" anchor="ctr">
+          <a:bodyPr lIns="0" tIns="0" rIns="0" bIns="0" anchor="ctr">
             <a:noAutofit/>
           </a:bodyPr>
+          <a:lstStyle/>
           <a:p>
             <a:pPr indent="0" algn="ctr">
               <a:buNone/>
             </a:pPr>
-            <a:endParaRPr b="0" lang="pt-BR" sz="4400" spc="-1" strike="noStrike">
+            <a:endParaRPr lang="pt-BR" sz="4400" b="0" strike="noStrike" spc="-1">
               <a:solidFill>
                 <a:srgbClr val="000000"/>
               </a:solidFill>
@@ -3559,9 +3841,10 @@
           </a:ln>
         </p:spPr>
         <p:txBody>
-          <a:bodyPr lIns="0" rIns="0" tIns="0" bIns="0" anchor="t">
+          <a:bodyPr lIns="0" tIns="0" rIns="0" bIns="0" anchor="t">
             <a:normAutofit/>
           </a:bodyPr>
+          <a:lstStyle/>
           <a:p>
             <a:pPr indent="0">
               <a:spcBef>
@@ -3569,7 +3852,7 @@
               </a:spcBef>
               <a:buNone/>
             </a:pPr>
-            <a:endParaRPr b="0" lang="pt-BR" sz="3200" spc="-1" strike="noStrike">
+            <a:endParaRPr lang="pt-BR" sz="3200" b="0" strike="noStrike" spc="-1">
               <a:solidFill>
                 <a:srgbClr val="000000"/>
               </a:solidFill>
@@ -3602,9 +3885,10 @@
           </a:ln>
         </p:spPr>
         <p:txBody>
-          <a:bodyPr lIns="0" rIns="0" tIns="0" bIns="0" anchor="t">
+          <a:bodyPr lIns="0" tIns="0" rIns="0" bIns="0" anchor="t">
             <a:normAutofit/>
           </a:bodyPr>
+          <a:lstStyle/>
           <a:p>
             <a:pPr indent="0">
               <a:spcBef>
@@ -3612,7 +3896,7 @@
               </a:spcBef>
               <a:buNone/>
             </a:pPr>
-            <a:endParaRPr b="0" lang="pt-BR" sz="3200" spc="-1" strike="noStrike">
+            <a:endParaRPr lang="pt-BR" sz="3200" b="0" strike="noStrike" spc="-1">
               <a:solidFill>
                 <a:srgbClr val="000000"/>
               </a:solidFill>
@@ -3645,9 +3929,10 @@
           </a:ln>
         </p:spPr>
         <p:txBody>
-          <a:bodyPr lIns="0" rIns="0" tIns="0" bIns="0" anchor="t">
+          <a:bodyPr lIns="0" tIns="0" rIns="0" bIns="0" anchor="t">
             <a:normAutofit/>
           </a:bodyPr>
+          <a:lstStyle/>
           <a:p>
             <a:pPr indent="0">
               <a:spcBef>
@@ -3655,7 +3940,7 @@
               </a:spcBef>
               <a:buNone/>
             </a:pPr>
-            <a:endParaRPr b="0" lang="pt-BR" sz="3200" spc="-1" strike="noStrike">
+            <a:endParaRPr lang="pt-BR" sz="3200" b="0" strike="noStrike" spc="-1">
               <a:solidFill>
                 <a:srgbClr val="000000"/>
               </a:solidFill>
@@ -3688,9 +3973,10 @@
           </a:ln>
         </p:spPr>
         <p:txBody>
-          <a:bodyPr lIns="0" rIns="0" tIns="0" bIns="0" anchor="t">
+          <a:bodyPr lIns="0" tIns="0" rIns="0" bIns="0" anchor="t">
             <a:normAutofit/>
           </a:bodyPr>
+          <a:lstStyle/>
           <a:p>
             <a:pPr indent="0">
               <a:spcBef>
@@ -3698,7 +3984,7 @@
               </a:spcBef>
               <a:buNone/>
             </a:pPr>
-            <a:endParaRPr b="0" lang="pt-BR" sz="3200" spc="-1" strike="noStrike">
+            <a:endParaRPr lang="pt-BR" sz="3200" b="0" strike="noStrike" spc="-1">
               <a:solidFill>
                 <a:srgbClr val="000000"/>
               </a:solidFill>
@@ -3731,9 +4017,10 @@
           </a:ln>
         </p:spPr>
         <p:txBody>
-          <a:bodyPr lIns="0" rIns="0" tIns="0" bIns="0" anchor="t">
+          <a:bodyPr lIns="0" tIns="0" rIns="0" bIns="0" anchor="t">
             <a:normAutofit/>
           </a:bodyPr>
+          <a:lstStyle/>
           <a:p>
             <a:pPr indent="0">
               <a:spcBef>
@@ -3741,7 +4028,7 @@
               </a:spcBef>
               <a:buNone/>
             </a:pPr>
-            <a:endParaRPr b="0" lang="pt-BR" sz="3200" spc="-1" strike="noStrike">
+            <a:endParaRPr lang="pt-BR" sz="3200" b="0" strike="noStrike" spc="-1">
               <a:solidFill>
                 <a:srgbClr val="000000"/>
               </a:solidFill>
@@ -3774,9 +4061,10 @@
           </a:ln>
         </p:spPr>
         <p:txBody>
-          <a:bodyPr lIns="0" rIns="0" tIns="0" bIns="0" anchor="t">
+          <a:bodyPr lIns="0" tIns="0" rIns="0" bIns="0" anchor="t">
             <a:normAutofit/>
           </a:bodyPr>
+          <a:lstStyle/>
           <a:p>
             <a:pPr indent="0">
               <a:spcBef>
@@ -3784,7 +4072,7 @@
               </a:spcBef>
               <a:buNone/>
             </a:pPr>
-            <a:endParaRPr b="0" lang="pt-BR" sz="3200" spc="-1" strike="noStrike">
+            <a:endParaRPr lang="pt-BR" sz="3200" b="0" strike="noStrike" spc="-1">
               <a:solidFill>
                 <a:srgbClr val="000000"/>
               </a:solidFill>
@@ -3806,6 +4094,7 @@
         <p:spPr/>
         <p:txBody>
           <a:bodyPr/>
+          <a:lstStyle/>
           <a:p>
             <a:r>
               <a:t>Footer</a:t>
@@ -3826,10 +4115,12 @@
         <p:spPr/>
         <p:txBody>
           <a:bodyPr/>
+          <a:lstStyle/>
           <a:p>
             <a:fld id="{FB2BF3E9-1EFA-48D0-92C1-AF62D98A4706}" type="slidenum">
-              <a:t>&lt;#&gt;</a:t>
+              <a:t>‹nº›</a:t>
             </a:fld>
+            <a:endParaRPr/>
           </a:p>
         </p:txBody>
       </p:sp>
@@ -3846,21 +4137,22 @@
         <p:spPr/>
         <p:txBody>
           <a:bodyPr/>
-          <a:p>
-            <a:r>
-              <a:rPr lang="pt-BR"/>
-              <a:t/>
-            </a:r>
+          <a:lstStyle/>
+          <a:p>
+            <a:endParaRPr/>
           </a:p>
         </p:txBody>
       </p:sp>
     </p:spTree>
   </p:cSld>
+  <p:clrMapOvr>
+    <a:masterClrMapping/>
+  </p:clrMapOvr>
 </p:sldLayout>
 </file>
 
 <file path=ppt/slideLayouts/slideLayout3.xml><?xml version="1.0" encoding="utf-8"?>
-<p:sldLayout xmlns:a="http://schemas.openxmlformats.org/drawingml/2006/main" xmlns:p="http://schemas.openxmlformats.org/presentationml/2006/main" xmlns:r="http://schemas.openxmlformats.org/officeDocument/2006/relationships" xmlns:p14="http://schemas.microsoft.com/office/powerpoint/2010/main" xmlns:p15="http://schemas.microsoft.com/office/powerpoint/2012/main" xmlns:mc="http://schemas.openxmlformats.org/markup-compatibility/2006" type="obj" preserve="1">
+<p:sldLayout xmlns:a="http://schemas.openxmlformats.org/drawingml/2006/main" xmlns:r="http://schemas.openxmlformats.org/officeDocument/2006/relationships" xmlns:p="http://schemas.openxmlformats.org/presentationml/2006/main" type="obj" preserve="1">
   <p:cSld name="Title, Content">
     <p:spTree>
       <p:nvGrpSpPr>
@@ -3900,14 +4192,15 @@
           </a:ln>
         </p:spPr>
         <p:txBody>
-          <a:bodyPr lIns="0" rIns="0" tIns="0" bIns="0" anchor="ctr">
+          <a:bodyPr lIns="0" tIns="0" rIns="0" bIns="0" anchor="ctr">
             <a:noAutofit/>
           </a:bodyPr>
+          <a:lstStyle/>
           <a:p>
             <a:pPr indent="0" algn="ctr">
               <a:buNone/>
             </a:pPr>
-            <a:endParaRPr b="0" lang="pt-BR" sz="4400" spc="-1" strike="noStrike">
+            <a:endParaRPr lang="pt-BR" sz="4400" b="0" strike="noStrike" spc="-1">
               <a:solidFill>
                 <a:srgbClr val="000000"/>
               </a:solidFill>
@@ -3940,9 +4233,10 @@
           </a:ln>
         </p:spPr>
         <p:txBody>
-          <a:bodyPr lIns="0" rIns="0" tIns="0" bIns="0" anchor="t">
+          <a:bodyPr lIns="0" tIns="0" rIns="0" bIns="0" anchor="t">
             <a:normAutofit/>
           </a:bodyPr>
+          <a:lstStyle/>
           <a:p>
             <a:pPr indent="0">
               <a:spcBef>
@@ -3950,7 +4244,7 @@
               </a:spcBef>
               <a:buNone/>
             </a:pPr>
-            <a:endParaRPr b="0" lang="pt-BR" sz="3200" spc="-1" strike="noStrike">
+            <a:endParaRPr lang="pt-BR" sz="3200" b="0" strike="noStrike" spc="-1">
               <a:solidFill>
                 <a:srgbClr val="000000"/>
               </a:solidFill>
@@ -3961,11 +4255,14 @@
       </p:sp>
     </p:spTree>
   </p:cSld>
+  <p:clrMapOvr>
+    <a:masterClrMapping/>
+  </p:clrMapOvr>
 </p:sldLayout>
 </file>
 
 <file path=ppt/slideLayouts/slideLayout4.xml><?xml version="1.0" encoding="utf-8"?>
-<p:sldLayout xmlns:a="http://schemas.openxmlformats.org/drawingml/2006/main" xmlns:p="http://schemas.openxmlformats.org/presentationml/2006/main" xmlns:r="http://schemas.openxmlformats.org/officeDocument/2006/relationships" xmlns:p14="http://schemas.microsoft.com/office/powerpoint/2010/main" xmlns:p15="http://schemas.microsoft.com/office/powerpoint/2012/main" xmlns:mc="http://schemas.openxmlformats.org/markup-compatibility/2006" type="twoObj" preserve="1">
+<p:sldLayout xmlns:a="http://schemas.openxmlformats.org/drawingml/2006/main" xmlns:r="http://schemas.openxmlformats.org/officeDocument/2006/relationships" xmlns:p="http://schemas.openxmlformats.org/presentationml/2006/main" type="twoObj" preserve="1">
   <p:cSld name="Title, 2 Content">
     <p:spTree>
       <p:nvGrpSpPr>
@@ -4005,14 +4302,15 @@
           </a:ln>
         </p:spPr>
         <p:txBody>
-          <a:bodyPr lIns="0" rIns="0" tIns="0" bIns="0" anchor="ctr">
+          <a:bodyPr lIns="0" tIns="0" rIns="0" bIns="0" anchor="ctr">
             <a:noAutofit/>
           </a:bodyPr>
+          <a:lstStyle/>
           <a:p>
             <a:pPr indent="0" algn="ctr">
               <a:buNone/>
             </a:pPr>
-            <a:endParaRPr b="0" lang="pt-BR" sz="4400" spc="-1" strike="noStrike">
+            <a:endParaRPr lang="pt-BR" sz="4400" b="0" strike="noStrike" spc="-1">
               <a:solidFill>
                 <a:srgbClr val="000000"/>
               </a:solidFill>
@@ -4045,9 +4343,10 @@
           </a:ln>
         </p:spPr>
         <p:txBody>
-          <a:bodyPr lIns="0" rIns="0" tIns="0" bIns="0" anchor="t">
+          <a:bodyPr lIns="0" tIns="0" rIns="0" bIns="0" anchor="t">
             <a:normAutofit/>
           </a:bodyPr>
+          <a:lstStyle/>
           <a:p>
             <a:pPr indent="0">
               <a:spcBef>
@@ -4055,7 +4354,7 @@
               </a:spcBef>
               <a:buNone/>
             </a:pPr>
-            <a:endParaRPr b="0" lang="pt-BR" sz="3200" spc="-1" strike="noStrike">
+            <a:endParaRPr lang="pt-BR" sz="3200" b="0" strike="noStrike" spc="-1">
               <a:solidFill>
                 <a:srgbClr val="000000"/>
               </a:solidFill>
@@ -4088,9 +4387,10 @@
           </a:ln>
         </p:spPr>
         <p:txBody>
-          <a:bodyPr lIns="0" rIns="0" tIns="0" bIns="0" anchor="t">
+          <a:bodyPr lIns="0" tIns="0" rIns="0" bIns="0" anchor="t">
             <a:normAutofit/>
           </a:bodyPr>
+          <a:lstStyle/>
           <a:p>
             <a:pPr indent="0">
               <a:spcBef>
@@ -4098,7 +4398,7 @@
               </a:spcBef>
               <a:buNone/>
             </a:pPr>
-            <a:endParaRPr b="0" lang="pt-BR" sz="3200" spc="-1" strike="noStrike">
+            <a:endParaRPr lang="pt-BR" sz="3200" b="0" strike="noStrike" spc="-1">
               <a:solidFill>
                 <a:srgbClr val="000000"/>
               </a:solidFill>
@@ -4109,11 +4409,14 @@
       </p:sp>
     </p:spTree>
   </p:cSld>
+  <p:clrMapOvr>
+    <a:masterClrMapping/>
+  </p:clrMapOvr>
 </p:sldLayout>
 </file>
 
 <file path=ppt/slideLayouts/slideLayout5.xml><?xml version="1.0" encoding="utf-8"?>
-<p:sldLayout xmlns:a="http://schemas.openxmlformats.org/drawingml/2006/main" xmlns:p="http://schemas.openxmlformats.org/presentationml/2006/main" xmlns:r="http://schemas.openxmlformats.org/officeDocument/2006/relationships" xmlns:p14="http://schemas.microsoft.com/office/powerpoint/2010/main" xmlns:p15="http://schemas.microsoft.com/office/powerpoint/2012/main" xmlns:mc="http://schemas.openxmlformats.org/markup-compatibility/2006" type="titleOnly" preserve="1">
+<p:sldLayout xmlns:a="http://schemas.openxmlformats.org/drawingml/2006/main" xmlns:r="http://schemas.openxmlformats.org/officeDocument/2006/relationships" xmlns:p="http://schemas.openxmlformats.org/presentationml/2006/main" type="titleOnly" preserve="1">
   <p:cSld name="Title Only">
     <p:spTree>
       <p:nvGrpSpPr>
@@ -4153,14 +4456,15 @@
           </a:ln>
         </p:spPr>
         <p:txBody>
-          <a:bodyPr lIns="0" rIns="0" tIns="0" bIns="0" anchor="ctr">
+          <a:bodyPr lIns="0" tIns="0" rIns="0" bIns="0" anchor="ctr">
             <a:noAutofit/>
           </a:bodyPr>
+          <a:lstStyle/>
           <a:p>
             <a:pPr indent="0" algn="ctr">
               <a:buNone/>
             </a:pPr>
-            <a:endParaRPr b="0" lang="pt-BR" sz="4400" spc="-1" strike="noStrike">
+            <a:endParaRPr lang="pt-BR" sz="4400" b="0" strike="noStrike" spc="-1">
               <a:solidFill>
                 <a:srgbClr val="000000"/>
               </a:solidFill>
@@ -4171,11 +4475,14 @@
       </p:sp>
     </p:spTree>
   </p:cSld>
+  <p:clrMapOvr>
+    <a:masterClrMapping/>
+  </p:clrMapOvr>
 </p:sldLayout>
 </file>
 
 <file path=ppt/slideLayouts/slideLayout6.xml><?xml version="1.0" encoding="utf-8"?>
-<p:sldLayout xmlns:a="http://schemas.openxmlformats.org/drawingml/2006/main" xmlns:p="http://schemas.openxmlformats.org/presentationml/2006/main" xmlns:r="http://schemas.openxmlformats.org/officeDocument/2006/relationships" xmlns:p14="http://schemas.microsoft.com/office/powerpoint/2010/main" xmlns:p15="http://schemas.microsoft.com/office/powerpoint/2012/main" xmlns:mc="http://schemas.openxmlformats.org/markup-compatibility/2006" type="objOnly" preserve="1">
+<p:sldLayout xmlns:a="http://schemas.openxmlformats.org/drawingml/2006/main" xmlns:r="http://schemas.openxmlformats.org/officeDocument/2006/relationships" xmlns:p="http://schemas.openxmlformats.org/presentationml/2006/main" type="objOnly" preserve="1">
   <p:cSld name="Centered Text">
     <p:spTree>
       <p:nvGrpSpPr>
@@ -4215,12 +4522,13 @@
           </a:ln>
         </p:spPr>
         <p:txBody>
-          <a:bodyPr lIns="0" rIns="0" tIns="0" bIns="0" anchor="ctr">
+          <a:bodyPr lIns="0" tIns="0" rIns="0" bIns="0" anchor="ctr">
             <a:noAutofit/>
           </a:bodyPr>
+          <a:lstStyle/>
           <a:p>
             <a:pPr algn="ctr"/>
-            <a:endParaRPr b="0" lang="pt-BR" sz="3200" spc="-1" strike="noStrike">
+            <a:endParaRPr lang="pt-BR" sz="3200" b="0" strike="noStrike" spc="-1">
               <a:solidFill>
                 <a:srgbClr val="000000"/>
               </a:solidFill>
@@ -4231,11 +4539,14 @@
       </p:sp>
     </p:spTree>
   </p:cSld>
+  <p:clrMapOvr>
+    <a:masterClrMapping/>
+  </p:clrMapOvr>
 </p:sldLayout>
 </file>
 
 <file path=ppt/slideLayouts/slideLayout7.xml><?xml version="1.0" encoding="utf-8"?>
-<p:sldLayout xmlns:a="http://schemas.openxmlformats.org/drawingml/2006/main" xmlns:p="http://schemas.openxmlformats.org/presentationml/2006/main" xmlns:r="http://schemas.openxmlformats.org/officeDocument/2006/relationships" xmlns:p14="http://schemas.microsoft.com/office/powerpoint/2010/main" xmlns:p15="http://schemas.microsoft.com/office/powerpoint/2012/main" xmlns:mc="http://schemas.openxmlformats.org/markup-compatibility/2006" type="twoObjAndObj" preserve="1">
+<p:sldLayout xmlns:a="http://schemas.openxmlformats.org/drawingml/2006/main" xmlns:r="http://schemas.openxmlformats.org/officeDocument/2006/relationships" xmlns:p="http://schemas.openxmlformats.org/presentationml/2006/main" type="twoObjAndObj" preserve="1">
   <p:cSld name="Title, 2 Content and Content">
     <p:spTree>
       <p:nvGrpSpPr>
@@ -4275,14 +4586,15 @@
           </a:ln>
         </p:spPr>
         <p:txBody>
-          <a:bodyPr lIns="0" rIns="0" tIns="0" bIns="0" anchor="ctr">
+          <a:bodyPr lIns="0" tIns="0" rIns="0" bIns="0" anchor="ctr">
             <a:noAutofit/>
           </a:bodyPr>
+          <a:lstStyle/>
           <a:p>
             <a:pPr indent="0" algn="ctr">
               <a:buNone/>
             </a:pPr>
-            <a:endParaRPr b="0" lang="pt-BR" sz="4400" spc="-1" strike="noStrike">
+            <a:endParaRPr lang="pt-BR" sz="4400" b="0" strike="noStrike" spc="-1">
               <a:solidFill>
                 <a:srgbClr val="000000"/>
               </a:solidFill>
@@ -4315,9 +4627,10 @@
           </a:ln>
         </p:spPr>
         <p:txBody>
-          <a:bodyPr lIns="0" rIns="0" tIns="0" bIns="0" anchor="t">
+          <a:bodyPr lIns="0" tIns="0" rIns="0" bIns="0" anchor="t">
             <a:normAutofit/>
           </a:bodyPr>
+          <a:lstStyle/>
           <a:p>
             <a:pPr indent="0">
               <a:spcBef>
@@ -4325,7 +4638,7 @@
               </a:spcBef>
               <a:buNone/>
             </a:pPr>
-            <a:endParaRPr b="0" lang="pt-BR" sz="3200" spc="-1" strike="noStrike">
+            <a:endParaRPr lang="pt-BR" sz="3200" b="0" strike="noStrike" spc="-1">
               <a:solidFill>
                 <a:srgbClr val="000000"/>
               </a:solidFill>
@@ -4358,9 +4671,10 @@
           </a:ln>
         </p:spPr>
         <p:txBody>
-          <a:bodyPr lIns="0" rIns="0" tIns="0" bIns="0" anchor="t">
+          <a:bodyPr lIns="0" tIns="0" rIns="0" bIns="0" anchor="t">
             <a:normAutofit/>
           </a:bodyPr>
+          <a:lstStyle/>
           <a:p>
             <a:pPr indent="0">
               <a:spcBef>
@@ -4368,7 +4682,7 @@
               </a:spcBef>
               <a:buNone/>
             </a:pPr>
-            <a:endParaRPr b="0" lang="pt-BR" sz="3200" spc="-1" strike="noStrike">
+            <a:endParaRPr lang="pt-BR" sz="3200" b="0" strike="noStrike" spc="-1">
               <a:solidFill>
                 <a:srgbClr val="000000"/>
               </a:solidFill>
@@ -4401,9 +4715,10 @@
           </a:ln>
         </p:spPr>
         <p:txBody>
-          <a:bodyPr lIns="0" rIns="0" tIns="0" bIns="0" anchor="t">
+          <a:bodyPr lIns="0" tIns="0" rIns="0" bIns="0" anchor="t">
             <a:normAutofit/>
           </a:bodyPr>
+          <a:lstStyle/>
           <a:p>
             <a:pPr indent="0">
               <a:spcBef>
@@ -4411,7 +4726,7 @@
               </a:spcBef>
               <a:buNone/>
             </a:pPr>
-            <a:endParaRPr b="0" lang="pt-BR" sz="3200" spc="-1" strike="noStrike">
+            <a:endParaRPr lang="pt-BR" sz="3200" b="0" strike="noStrike" spc="-1">
               <a:solidFill>
                 <a:srgbClr val="000000"/>
               </a:solidFill>
@@ -4422,11 +4737,14 @@
       </p:sp>
     </p:spTree>
   </p:cSld>
+  <p:clrMapOvr>
+    <a:masterClrMapping/>
+  </p:clrMapOvr>
 </p:sldLayout>
 </file>
 
 <file path=ppt/slideLayouts/slideLayout8.xml><?xml version="1.0" encoding="utf-8"?>
-<p:sldLayout xmlns:a="http://schemas.openxmlformats.org/drawingml/2006/main" xmlns:p="http://schemas.openxmlformats.org/presentationml/2006/main" xmlns:r="http://schemas.openxmlformats.org/officeDocument/2006/relationships" xmlns:p14="http://schemas.microsoft.com/office/powerpoint/2010/main" xmlns:p15="http://schemas.microsoft.com/office/powerpoint/2012/main" xmlns:mc="http://schemas.openxmlformats.org/markup-compatibility/2006" type="objAndTwoObj" preserve="1">
+<p:sldLayout xmlns:a="http://schemas.openxmlformats.org/drawingml/2006/main" xmlns:r="http://schemas.openxmlformats.org/officeDocument/2006/relationships" xmlns:p="http://schemas.openxmlformats.org/presentationml/2006/main" type="objAndTwoObj" preserve="1">
   <p:cSld name="Title Content and 2 Content">
     <p:spTree>
       <p:nvGrpSpPr>
@@ -4466,14 +4784,15 @@
           </a:ln>
         </p:spPr>
         <p:txBody>
-          <a:bodyPr lIns="0" rIns="0" tIns="0" bIns="0" anchor="ctr">
+          <a:bodyPr lIns="0" tIns="0" rIns="0" bIns="0" anchor="ctr">
             <a:noAutofit/>
           </a:bodyPr>
+          <a:lstStyle/>
           <a:p>
             <a:pPr indent="0" algn="ctr">
               <a:buNone/>
             </a:pPr>
-            <a:endParaRPr b="0" lang="pt-BR" sz="4400" spc="-1" strike="noStrike">
+            <a:endParaRPr lang="pt-BR" sz="4400" b="0" strike="noStrike" spc="-1">
               <a:solidFill>
                 <a:srgbClr val="000000"/>
               </a:solidFill>
@@ -4506,9 +4825,10 @@
           </a:ln>
         </p:spPr>
         <p:txBody>
-          <a:bodyPr lIns="0" rIns="0" tIns="0" bIns="0" anchor="t">
+          <a:bodyPr lIns="0" tIns="0" rIns="0" bIns="0" anchor="t">
             <a:normAutofit/>
           </a:bodyPr>
+          <a:lstStyle/>
           <a:p>
             <a:pPr indent="0">
               <a:spcBef>
@@ -4516,7 +4836,7 @@
               </a:spcBef>
               <a:buNone/>
             </a:pPr>
-            <a:endParaRPr b="0" lang="pt-BR" sz="3200" spc="-1" strike="noStrike">
+            <a:endParaRPr lang="pt-BR" sz="3200" b="0" strike="noStrike" spc="-1">
               <a:solidFill>
                 <a:srgbClr val="000000"/>
               </a:solidFill>
@@ -4549,9 +4869,10 @@
           </a:ln>
         </p:spPr>
         <p:txBody>
-          <a:bodyPr lIns="0" rIns="0" tIns="0" bIns="0" anchor="t">
+          <a:bodyPr lIns="0" tIns="0" rIns="0" bIns="0" anchor="t">
             <a:normAutofit/>
           </a:bodyPr>
+          <a:lstStyle/>
           <a:p>
             <a:pPr indent="0">
               <a:spcBef>
@@ -4559,7 +4880,7 @@
               </a:spcBef>
               <a:buNone/>
             </a:pPr>
-            <a:endParaRPr b="0" lang="pt-BR" sz="3200" spc="-1" strike="noStrike">
+            <a:endParaRPr lang="pt-BR" sz="3200" b="0" strike="noStrike" spc="-1">
               <a:solidFill>
                 <a:srgbClr val="000000"/>
               </a:solidFill>
@@ -4592,9 +4913,10 @@
           </a:ln>
         </p:spPr>
         <p:txBody>
-          <a:bodyPr lIns="0" rIns="0" tIns="0" bIns="0" anchor="t">
+          <a:bodyPr lIns="0" tIns="0" rIns="0" bIns="0" anchor="t">
             <a:normAutofit/>
           </a:bodyPr>
+          <a:lstStyle/>
           <a:p>
             <a:pPr indent="0">
               <a:spcBef>
@@ -4602,7 +4924,7 @@
               </a:spcBef>
               <a:buNone/>
             </a:pPr>
-            <a:endParaRPr b="0" lang="pt-BR" sz="3200" spc="-1" strike="noStrike">
+            <a:endParaRPr lang="pt-BR" sz="3200" b="0" strike="noStrike" spc="-1">
               <a:solidFill>
                 <a:srgbClr val="000000"/>
               </a:solidFill>
@@ -4613,11 +4935,14 @@
       </p:sp>
     </p:spTree>
   </p:cSld>
+  <p:clrMapOvr>
+    <a:masterClrMapping/>
+  </p:clrMapOvr>
 </p:sldLayout>
 </file>
 
 <file path=ppt/slideLayouts/slideLayout9.xml><?xml version="1.0" encoding="utf-8"?>
-<p:sldLayout xmlns:a="http://schemas.openxmlformats.org/drawingml/2006/main" xmlns:p="http://schemas.openxmlformats.org/presentationml/2006/main" xmlns:r="http://schemas.openxmlformats.org/officeDocument/2006/relationships" xmlns:p14="http://schemas.microsoft.com/office/powerpoint/2010/main" xmlns:p15="http://schemas.microsoft.com/office/powerpoint/2012/main" xmlns:mc="http://schemas.openxmlformats.org/markup-compatibility/2006" type="twoObjOverTx" preserve="1">
+<p:sldLayout xmlns:a="http://schemas.openxmlformats.org/drawingml/2006/main" xmlns:r="http://schemas.openxmlformats.org/officeDocument/2006/relationships" xmlns:p="http://schemas.openxmlformats.org/presentationml/2006/main" type="twoObjOverTx" preserve="1">
   <p:cSld name="Title, 2 Content over Content">
     <p:spTree>
       <p:nvGrpSpPr>
@@ -4657,14 +4982,15 @@
           </a:ln>
         </p:spPr>
         <p:txBody>
-          <a:bodyPr lIns="0" rIns="0" tIns="0" bIns="0" anchor="ctr">
+          <a:bodyPr lIns="0" tIns="0" rIns="0" bIns="0" anchor="ctr">
             <a:noAutofit/>
           </a:bodyPr>
+          <a:lstStyle/>
           <a:p>
             <a:pPr indent="0" algn="ctr">
               <a:buNone/>
             </a:pPr>
-            <a:endParaRPr b="0" lang="pt-BR" sz="4400" spc="-1" strike="noStrike">
+            <a:endParaRPr lang="pt-BR" sz="4400" b="0" strike="noStrike" spc="-1">
               <a:solidFill>
                 <a:srgbClr val="000000"/>
               </a:solidFill>
@@ -4697,9 +5023,10 @@
           </a:ln>
         </p:spPr>
         <p:txBody>
-          <a:bodyPr lIns="0" rIns="0" tIns="0" bIns="0" anchor="t">
+          <a:bodyPr lIns="0" tIns="0" rIns="0" bIns="0" anchor="t">
             <a:normAutofit/>
           </a:bodyPr>
+          <a:lstStyle/>
           <a:p>
             <a:pPr indent="0">
               <a:spcBef>
@@ -4707,7 +5034,7 @@
               </a:spcBef>
               <a:buNone/>
             </a:pPr>
-            <a:endParaRPr b="0" lang="pt-BR" sz="3200" spc="-1" strike="noStrike">
+            <a:endParaRPr lang="pt-BR" sz="3200" b="0" strike="noStrike" spc="-1">
               <a:solidFill>
                 <a:srgbClr val="000000"/>
               </a:solidFill>
@@ -4740,9 +5067,10 @@
           </a:ln>
         </p:spPr>
         <p:txBody>
-          <a:bodyPr lIns="0" rIns="0" tIns="0" bIns="0" anchor="t">
+          <a:bodyPr lIns="0" tIns="0" rIns="0" bIns="0" anchor="t">
             <a:normAutofit/>
           </a:bodyPr>
+          <a:lstStyle/>
           <a:p>
             <a:pPr indent="0">
               <a:spcBef>
@@ -4750,7 +5078,7 @@
               </a:spcBef>
               <a:buNone/>
             </a:pPr>
-            <a:endParaRPr b="0" lang="pt-BR" sz="3200" spc="-1" strike="noStrike">
+            <a:endParaRPr lang="pt-BR" sz="3200" b="0" strike="noStrike" spc="-1">
               <a:solidFill>
                 <a:srgbClr val="000000"/>
               </a:solidFill>
@@ -4783,9 +5111,10 @@
           </a:ln>
         </p:spPr>
         <p:txBody>
-          <a:bodyPr lIns="0" rIns="0" tIns="0" bIns="0" anchor="t">
+          <a:bodyPr lIns="0" tIns="0" rIns="0" bIns="0" anchor="t">
             <a:normAutofit/>
           </a:bodyPr>
+          <a:lstStyle/>
           <a:p>
             <a:pPr indent="0">
               <a:spcBef>
@@ -4793,7 +5122,7 @@
               </a:spcBef>
               <a:buNone/>
             </a:pPr>
-            <a:endParaRPr b="0" lang="pt-BR" sz="3200" spc="-1" strike="noStrike">
+            <a:endParaRPr lang="pt-BR" sz="3200" b="0" strike="noStrike" spc="-1">
               <a:solidFill>
                 <a:srgbClr val="000000"/>
               </a:solidFill>
@@ -4804,17 +5133,21 @@
       </p:sp>
     </p:spTree>
   </p:cSld>
+  <p:clrMapOvr>
+    <a:masterClrMapping/>
+  </p:clrMapOvr>
 </p:sldLayout>
 </file>
 
 <file path=ppt/slideMasters/slideMaster1.xml><?xml version="1.0" encoding="utf-8"?>
-<p:sldMaster xmlns:a="http://schemas.openxmlformats.org/drawingml/2006/main" xmlns:p="http://schemas.openxmlformats.org/presentationml/2006/main" xmlns:r="http://schemas.openxmlformats.org/officeDocument/2006/relationships" xmlns:p14="http://schemas.microsoft.com/office/powerpoint/2010/main" xmlns:p15="http://schemas.microsoft.com/office/powerpoint/2012/main" xmlns:mc="http://schemas.openxmlformats.org/markup-compatibility/2006">
+<p:sldMaster xmlns:a="http://schemas.openxmlformats.org/drawingml/2006/main" xmlns:r="http://schemas.openxmlformats.org/officeDocument/2006/relationships" xmlns:p="http://schemas.openxmlformats.org/presentationml/2006/main">
   <p:cSld>
     <p:bg>
       <p:bgPr>
         <a:solidFill>
           <a:schemeClr val="lt1"/>
         </a:solidFill>
+        <a:effectLst/>
       </p:bgPr>
     </p:bg>
     <p:spTree>
@@ -4833,7 +5166,7 @@
       </p:grpSpPr>
       <p:sp>
         <p:nvSpPr>
-          <p:cNvPr id="0" name="Google Shape;11;p20"/>
+          <p:cNvPr id="3" name="Google Shape;11;p20"/>
           <p:cNvSpPr/>
           <p:nvPr/>
         </p:nvSpPr>
@@ -4851,6 +5184,7 @@
               <a:gd name="textAreaBottom" fmla="*/ 1210320 h 1203480"/>
             </a:gdLst>
             <a:ahLst/>
+            <a:cxnLst/>
             <a:rect l="textAreaLeft" t="textAreaTop" r="textAreaRight" b="textAreaBottom"/>
             <a:pathLst>
               <a:path w="50808" h="43566">
@@ -4911,32 +5245,39 @@
             </a:pathLst>
           </a:custGeom>
           <a:solidFill>
-            <a:srgbClr val="ff5464"/>
+            <a:srgbClr val="FF5464"/>
           </a:solidFill>
           <a:ln w="0">
             <a:noFill/>
           </a:ln>
         </p:spPr>
         <p:style>
-          <a:lnRef idx="0"/>
-          <a:fillRef idx="0"/>
-          <a:effectRef idx="0"/>
+          <a:lnRef idx="0">
+            <a:scrgbClr r="0" g="0" b="0"/>
+          </a:lnRef>
+          <a:fillRef idx="0">
+            <a:scrgbClr r="0" g="0" b="0"/>
+          </a:fillRef>
+          <a:effectRef idx="0">
+            <a:scrgbClr r="0" g="0" b="0"/>
+          </a:effectRef>
           <a:fontRef idx="minor"/>
         </p:style>
         <p:txBody>
-          <a:bodyPr lIns="90000" rIns="90000" tIns="91440" bIns="91440" anchor="ctr">
+          <a:bodyPr lIns="90000" tIns="91440" rIns="90000" bIns="91440" anchor="ctr">
             <a:noAutofit/>
           </a:bodyPr>
+          <a:lstStyle/>
           <a:p>
             <a:pPr>
               <a:lnSpc>
                 <a:spcPct val="100000"/>
               </a:lnSpc>
               <a:tabLst>
-                <a:tab algn="l" pos="0"/>
+                <a:tab pos="0" algn="l"/>
               </a:tabLst>
             </a:pPr>
-            <a:endParaRPr b="0" lang="pt-BR" sz="1400" spc="-1" strike="noStrike">
+            <a:endParaRPr lang="pt-BR" sz="1400" b="0" strike="noStrike" spc="-1">
               <a:solidFill>
                 <a:srgbClr val="000000"/>
               </a:solidFill>
@@ -4948,7 +5289,7 @@
       </p:sp>
       <p:sp>
         <p:nvSpPr>
-          <p:cNvPr id="1" name="PlaceHolder 1"/>
+          <p:cNvPr id="4" name="PlaceHolder 1"/>
           <p:cNvSpPr>
             <a:spLocks noGrp="1"/>
           </p:cNvSpPr>
@@ -4970,73 +5311,23 @@
           </a:ln>
         </p:spPr>
         <p:txBody>
-          <a:bodyPr lIns="0" rIns="0" tIns="0" bIns="0" anchor="ctr">
+          <a:bodyPr lIns="0" tIns="0" rIns="0" bIns="0" anchor="ctr">
             <a:noAutofit/>
           </a:bodyPr>
+          <a:lstStyle/>
           <a:p>
             <a:pPr indent="0" algn="ctr">
               <a:buNone/>
             </a:pPr>
             <a:r>
-              <a:rPr b="0" lang="pt-BR" sz="4400" spc="-1" strike="noStrike">
+              <a:rPr lang="pt-BR" sz="4400" b="0" strike="noStrike" spc="-1">
                 <a:solidFill>
                   <a:srgbClr val="000000"/>
                 </a:solidFill>
                 <a:latin typeface="Arial"/>
               </a:rPr>
-              <a:t>Click </a:t>
-            </a:r>
-            <a:r>
-              <a:rPr b="0" lang="pt-BR" sz="4400" spc="-1" strike="noStrike">
-                <a:solidFill>
-                  <a:srgbClr val="000000"/>
-                </a:solidFill>
-                <a:latin typeface="Arial"/>
-              </a:rPr>
-              <a:t>to edit </a:t>
-            </a:r>
-            <a:r>
-              <a:rPr b="0" lang="pt-BR" sz="4400" spc="-1" strike="noStrike">
-                <a:solidFill>
-                  <a:srgbClr val="000000"/>
-                </a:solidFill>
-                <a:latin typeface="Arial"/>
-              </a:rPr>
-              <a:t>the </a:t>
-            </a:r>
-            <a:r>
-              <a:rPr b="0" lang="pt-BR" sz="4400" spc="-1" strike="noStrike">
-                <a:solidFill>
-                  <a:srgbClr val="000000"/>
-                </a:solidFill>
-                <a:latin typeface="Arial"/>
-              </a:rPr>
-              <a:t>title </a:t>
-            </a:r>
-            <a:r>
-              <a:rPr b="0" lang="pt-BR" sz="4400" spc="-1" strike="noStrike">
-                <a:solidFill>
-                  <a:srgbClr val="000000"/>
-                </a:solidFill>
-                <a:latin typeface="Arial"/>
-              </a:rPr>
-              <a:t>text </a:t>
-            </a:r>
-            <a:r>
-              <a:rPr b="0" lang="pt-BR" sz="4400" spc="-1" strike="noStrike">
-                <a:solidFill>
-                  <a:srgbClr val="000000"/>
-                </a:solidFill>
-                <a:latin typeface="Arial"/>
-              </a:rPr>
-              <a:t>format</a:t>
-            </a:r>
-            <a:endParaRPr b="0" lang="pt-BR" sz="4400" spc="-1" strike="noStrike">
-              <a:solidFill>
-                <a:srgbClr val="000000"/>
-              </a:solidFill>
-              <a:latin typeface="Arial"/>
-            </a:endParaRPr>
+              <a:t>Click to edit the title text format</a:t>
+            </a:r>
           </a:p>
         </p:txBody>
       </p:sp>
@@ -5064,9 +5355,10 @@
           </a:ln>
         </p:spPr>
         <p:txBody>
-          <a:bodyPr lIns="0" rIns="0" tIns="0" bIns="0" anchor="t">
+          <a:bodyPr lIns="0" tIns="0" rIns="0" bIns="0" anchor="t">
             <a:normAutofit/>
           </a:bodyPr>
+          <a:lstStyle/>
           <a:p>
             <a:pPr marL="432000" indent="-324000">
               <a:spcBef>
@@ -5080,7 +5372,7 @@
               <a:buChar char=""/>
             </a:pPr>
             <a:r>
-              <a:rPr b="0" lang="pt-BR" sz="3200" spc="-1" strike="noStrike">
+              <a:rPr lang="pt-BR" sz="3200" b="0" strike="noStrike" spc="-1">
                 <a:solidFill>
                   <a:srgbClr val="000000"/>
                 </a:solidFill>
@@ -5088,15 +5380,9 @@
               </a:rPr>
               <a:t>Click to edit the outline text format</a:t>
             </a:r>
-            <a:endParaRPr b="0" lang="pt-BR" sz="3200" spc="-1" strike="noStrike">
-              <a:solidFill>
-                <a:srgbClr val="000000"/>
-              </a:solidFill>
-              <a:latin typeface="Arial"/>
-            </a:endParaRPr>
-          </a:p>
-          <a:p>
-            <a:pPr lvl="1" marL="864000" indent="-324000">
+          </a:p>
+          <a:p>
+            <a:pPr marL="864000" lvl="1" indent="-324000">
               <a:spcBef>
                 <a:spcPts val="1134"/>
               </a:spcBef>
@@ -5108,7 +5394,7 @@
               <a:buChar char=""/>
             </a:pPr>
             <a:r>
-              <a:rPr b="0" lang="pt-BR" sz="2800" spc="-1" strike="noStrike">
+              <a:rPr lang="pt-BR" sz="2800" b="0" strike="noStrike" spc="-1">
                 <a:solidFill>
                   <a:srgbClr val="000000"/>
                 </a:solidFill>
@@ -5116,15 +5402,9 @@
               </a:rPr>
               <a:t>Second Outline Level</a:t>
             </a:r>
-            <a:endParaRPr b="0" lang="pt-BR" sz="2800" spc="-1" strike="noStrike">
-              <a:solidFill>
-                <a:srgbClr val="000000"/>
-              </a:solidFill>
-              <a:latin typeface="Arial"/>
-            </a:endParaRPr>
-          </a:p>
-          <a:p>
-            <a:pPr lvl="2" marL="1296000" indent="-288000">
+          </a:p>
+          <a:p>
+            <a:pPr marL="1296000" lvl="2" indent="-288000">
               <a:spcBef>
                 <a:spcPts val="850"/>
               </a:spcBef>
@@ -5136,7 +5416,7 @@
               <a:buChar char=""/>
             </a:pPr>
             <a:r>
-              <a:rPr b="0" lang="pt-BR" sz="2400" spc="-1" strike="noStrike">
+              <a:rPr lang="pt-BR" sz="2400" b="0" strike="noStrike" spc="-1">
                 <a:solidFill>
                   <a:srgbClr val="000000"/>
                 </a:solidFill>
@@ -5144,15 +5424,9 @@
               </a:rPr>
               <a:t>Third Outline Level</a:t>
             </a:r>
-            <a:endParaRPr b="0" lang="pt-BR" sz="2400" spc="-1" strike="noStrike">
-              <a:solidFill>
-                <a:srgbClr val="000000"/>
-              </a:solidFill>
-              <a:latin typeface="Arial"/>
-            </a:endParaRPr>
-          </a:p>
-          <a:p>
-            <a:pPr lvl="3" marL="1728000" indent="-216000">
+          </a:p>
+          <a:p>
+            <a:pPr marL="1728000" lvl="3" indent="-216000">
               <a:spcBef>
                 <a:spcPts val="567"/>
               </a:spcBef>
@@ -5164,7 +5438,7 @@
               <a:buChar char=""/>
             </a:pPr>
             <a:r>
-              <a:rPr b="0" lang="pt-BR" sz="2000" spc="-1" strike="noStrike">
+              <a:rPr lang="pt-BR" sz="2000" b="0" strike="noStrike" spc="-1">
                 <a:solidFill>
                   <a:srgbClr val="000000"/>
                 </a:solidFill>
@@ -5172,15 +5446,9 @@
               </a:rPr>
               <a:t>Fourth Outline Level</a:t>
             </a:r>
-            <a:endParaRPr b="0" lang="pt-BR" sz="2000" spc="-1" strike="noStrike">
-              <a:solidFill>
-                <a:srgbClr val="000000"/>
-              </a:solidFill>
-              <a:latin typeface="Arial"/>
-            </a:endParaRPr>
-          </a:p>
-          <a:p>
-            <a:pPr lvl="4" marL="2160000" indent="-216000">
+          </a:p>
+          <a:p>
+            <a:pPr marL="2160000" lvl="4" indent="-216000">
               <a:spcBef>
                 <a:spcPts val="283"/>
               </a:spcBef>
@@ -5192,7 +5460,7 @@
               <a:buChar char=""/>
             </a:pPr>
             <a:r>
-              <a:rPr b="0" lang="pt-BR" sz="2000" spc="-1" strike="noStrike">
+              <a:rPr lang="pt-BR" sz="2000" b="0" strike="noStrike" spc="-1">
                 <a:solidFill>
                   <a:srgbClr val="000000"/>
                 </a:solidFill>
@@ -5200,15 +5468,9 @@
               </a:rPr>
               <a:t>Fifth Outline Level</a:t>
             </a:r>
-            <a:endParaRPr b="0" lang="pt-BR" sz="2000" spc="-1" strike="noStrike">
-              <a:solidFill>
-                <a:srgbClr val="000000"/>
-              </a:solidFill>
-              <a:latin typeface="Arial"/>
-            </a:endParaRPr>
-          </a:p>
-          <a:p>
-            <a:pPr lvl="5" marL="2592000" indent="-216000">
+          </a:p>
+          <a:p>
+            <a:pPr marL="2592000" lvl="5" indent="-216000">
               <a:spcBef>
                 <a:spcPts val="283"/>
               </a:spcBef>
@@ -5220,7 +5482,7 @@
               <a:buChar char=""/>
             </a:pPr>
             <a:r>
-              <a:rPr b="0" lang="pt-BR" sz="2000" spc="-1" strike="noStrike">
+              <a:rPr lang="pt-BR" sz="2000" b="0" strike="noStrike" spc="-1">
                 <a:solidFill>
                   <a:srgbClr val="000000"/>
                 </a:solidFill>
@@ -5228,15 +5490,9 @@
               </a:rPr>
               <a:t>Sixth Outline Level</a:t>
             </a:r>
-            <a:endParaRPr b="0" lang="pt-BR" sz="2000" spc="-1" strike="noStrike">
-              <a:solidFill>
-                <a:srgbClr val="000000"/>
-              </a:solidFill>
-              <a:latin typeface="Arial"/>
-            </a:endParaRPr>
-          </a:p>
-          <a:p>
-            <a:pPr lvl="6" marL="3024000" indent="-216000">
+          </a:p>
+          <a:p>
+            <a:pPr marL="3024000" lvl="6" indent="-216000">
               <a:spcBef>
                 <a:spcPts val="283"/>
               </a:spcBef>
@@ -5248,7 +5504,7 @@
               <a:buChar char=""/>
             </a:pPr>
             <a:r>
-              <a:rPr b="0" lang="pt-BR" sz="2000" spc="-1" strike="noStrike">
+              <a:rPr lang="pt-BR" sz="2000" b="0" strike="noStrike" spc="-1">
                 <a:solidFill>
                   <a:srgbClr val="000000"/>
                 </a:solidFill>
@@ -5256,43 +5512,318 @@
               </a:rPr>
               <a:t>Seventh Outline Level</a:t>
             </a:r>
-            <a:endParaRPr b="0" lang="pt-BR" sz="2000" spc="-1" strike="noStrike">
-              <a:solidFill>
-                <a:srgbClr val="000000"/>
-              </a:solidFill>
-              <a:latin typeface="Arial"/>
-            </a:endParaRPr>
           </a:p>
         </p:txBody>
       </p:sp>
     </p:spTree>
   </p:cSld>
-  <p:clrMap bg1="lt1" bg2="lt2" tx1="dk1" tx2="dk2" accent1="accent1" accent2="accent2" accent3="accent3" accent4="accent4" accent5="accent5" accent6="accent6" hlink="hlink" folHlink="folHlink"/>
+  <p:clrMap bg1="lt1" tx1="dk1" bg2="lt2" tx2="dk2" accent1="accent1" accent2="accent2" accent3="accent3" accent4="accent4" accent5="accent5" accent6="accent6" hlink="hlink" folHlink="folHlink"/>
   <p:sldLayoutIdLst>
-    <p:sldLayoutId id="2147483649" r:id="rId2"/>
-    <p:sldLayoutId id="2147483650" r:id="rId3"/>
-    <p:sldLayoutId id="2147483651" r:id="rId4"/>
-    <p:sldLayoutId id="2147483652" r:id="rId5"/>
-    <p:sldLayoutId id="2147483653" r:id="rId6"/>
-    <p:sldLayoutId id="2147483654" r:id="rId7"/>
-    <p:sldLayoutId id="2147483655" r:id="rId8"/>
-    <p:sldLayoutId id="2147483656" r:id="rId9"/>
-    <p:sldLayoutId id="2147483657" r:id="rId10"/>
-    <p:sldLayoutId id="2147483658" r:id="rId11"/>
-    <p:sldLayoutId id="2147483659" r:id="rId12"/>
-    <p:sldLayoutId id="2147483660" r:id="rId13"/>
+    <p:sldLayoutId id="2147483649" r:id="rId1"/>
+    <p:sldLayoutId id="2147483650" r:id="rId2"/>
+    <p:sldLayoutId id="2147483651" r:id="rId3"/>
+    <p:sldLayoutId id="2147483652" r:id="rId4"/>
+    <p:sldLayoutId id="2147483653" r:id="rId5"/>
+    <p:sldLayoutId id="2147483654" r:id="rId6"/>
+    <p:sldLayoutId id="2147483655" r:id="rId7"/>
+    <p:sldLayoutId id="2147483656" r:id="rId8"/>
+    <p:sldLayoutId id="2147483657" r:id="rId9"/>
+    <p:sldLayoutId id="2147483658" r:id="rId10"/>
+    <p:sldLayoutId id="2147483659" r:id="rId11"/>
+    <p:sldLayoutId id="2147483660" r:id="rId12"/>
   </p:sldLayoutIdLst>
+  <p:txStyles>
+    <p:titleStyle>
+      <a:lvl1pPr algn="l" defTabSz="914400" rtl="0" eaLnBrk="1" latinLnBrk="0" hangingPunct="1">
+        <a:lnSpc>
+          <a:spcPct val="90000"/>
+        </a:lnSpc>
+        <a:spcBef>
+          <a:spcPct val="0"/>
+        </a:spcBef>
+        <a:buNone/>
+        <a:defRPr sz="4400" kern="1200">
+          <a:solidFill>
+            <a:schemeClr val="tx1"/>
+          </a:solidFill>
+          <a:latin typeface="+mj-lt"/>
+          <a:ea typeface="+mj-ea"/>
+          <a:cs typeface="+mj-cs"/>
+        </a:defRPr>
+      </a:lvl1pPr>
+    </p:titleStyle>
+    <p:bodyStyle>
+      <a:lvl1pPr marL="228600" indent="-228600" algn="l" defTabSz="914400" rtl="0" eaLnBrk="1" latinLnBrk="0" hangingPunct="1">
+        <a:lnSpc>
+          <a:spcPct val="90000"/>
+        </a:lnSpc>
+        <a:spcBef>
+          <a:spcPts val="1000"/>
+        </a:spcBef>
+        <a:buFont typeface="Arial" panose="020B0604020202020204" pitchFamily="34" charset="0"/>
+        <a:buChar char="•"/>
+        <a:defRPr sz="2800" kern="1200">
+          <a:solidFill>
+            <a:schemeClr val="tx1"/>
+          </a:solidFill>
+          <a:latin typeface="+mn-lt"/>
+          <a:ea typeface="+mn-ea"/>
+          <a:cs typeface="+mn-cs"/>
+        </a:defRPr>
+      </a:lvl1pPr>
+      <a:lvl2pPr marL="685800" indent="-228600" algn="l" defTabSz="914400" rtl="0" eaLnBrk="1" latinLnBrk="0" hangingPunct="1">
+        <a:lnSpc>
+          <a:spcPct val="90000"/>
+        </a:lnSpc>
+        <a:spcBef>
+          <a:spcPts val="500"/>
+        </a:spcBef>
+        <a:buFont typeface="Arial" panose="020B0604020202020204" pitchFamily="34" charset="0"/>
+        <a:buChar char="•"/>
+        <a:defRPr sz="2400" kern="1200">
+          <a:solidFill>
+            <a:schemeClr val="tx1"/>
+          </a:solidFill>
+          <a:latin typeface="+mn-lt"/>
+          <a:ea typeface="+mn-ea"/>
+          <a:cs typeface="+mn-cs"/>
+        </a:defRPr>
+      </a:lvl2pPr>
+      <a:lvl3pPr marL="1143000" indent="-228600" algn="l" defTabSz="914400" rtl="0" eaLnBrk="1" latinLnBrk="0" hangingPunct="1">
+        <a:lnSpc>
+          <a:spcPct val="90000"/>
+        </a:lnSpc>
+        <a:spcBef>
+          <a:spcPts val="500"/>
+        </a:spcBef>
+        <a:buFont typeface="Arial" panose="020B0604020202020204" pitchFamily="34" charset="0"/>
+        <a:buChar char="•"/>
+        <a:defRPr sz="2000" kern="1200">
+          <a:solidFill>
+            <a:schemeClr val="tx1"/>
+          </a:solidFill>
+          <a:latin typeface="+mn-lt"/>
+          <a:ea typeface="+mn-ea"/>
+          <a:cs typeface="+mn-cs"/>
+        </a:defRPr>
+      </a:lvl3pPr>
+      <a:lvl4pPr marL="1600200" indent="-228600" algn="l" defTabSz="914400" rtl="0" eaLnBrk="1" latinLnBrk="0" hangingPunct="1">
+        <a:lnSpc>
+          <a:spcPct val="90000"/>
+        </a:lnSpc>
+        <a:spcBef>
+          <a:spcPts val="500"/>
+        </a:spcBef>
+        <a:buFont typeface="Arial" panose="020B0604020202020204" pitchFamily="34" charset="0"/>
+        <a:buChar char="•"/>
+        <a:defRPr sz="1800" kern="1200">
+          <a:solidFill>
+            <a:schemeClr val="tx1"/>
+          </a:solidFill>
+          <a:latin typeface="+mn-lt"/>
+          <a:ea typeface="+mn-ea"/>
+          <a:cs typeface="+mn-cs"/>
+        </a:defRPr>
+      </a:lvl4pPr>
+      <a:lvl5pPr marL="2057400" indent="-228600" algn="l" defTabSz="914400" rtl="0" eaLnBrk="1" latinLnBrk="0" hangingPunct="1">
+        <a:lnSpc>
+          <a:spcPct val="90000"/>
+        </a:lnSpc>
+        <a:spcBef>
+          <a:spcPts val="500"/>
+        </a:spcBef>
+        <a:buFont typeface="Arial" panose="020B0604020202020204" pitchFamily="34" charset="0"/>
+        <a:buChar char="•"/>
+        <a:defRPr sz="1800" kern="1200">
+          <a:solidFill>
+            <a:schemeClr val="tx1"/>
+          </a:solidFill>
+          <a:latin typeface="+mn-lt"/>
+          <a:ea typeface="+mn-ea"/>
+          <a:cs typeface="+mn-cs"/>
+        </a:defRPr>
+      </a:lvl5pPr>
+      <a:lvl6pPr marL="2514600" indent="-228600" algn="l" defTabSz="914400" rtl="0" eaLnBrk="1" latinLnBrk="0" hangingPunct="1">
+        <a:lnSpc>
+          <a:spcPct val="90000"/>
+        </a:lnSpc>
+        <a:spcBef>
+          <a:spcPts val="500"/>
+        </a:spcBef>
+        <a:buFont typeface="Arial" panose="020B0604020202020204" pitchFamily="34" charset="0"/>
+        <a:buChar char="•"/>
+        <a:defRPr sz="1800" kern="1200">
+          <a:solidFill>
+            <a:schemeClr val="tx1"/>
+          </a:solidFill>
+          <a:latin typeface="+mn-lt"/>
+          <a:ea typeface="+mn-ea"/>
+          <a:cs typeface="+mn-cs"/>
+        </a:defRPr>
+      </a:lvl6pPr>
+      <a:lvl7pPr marL="2971800" indent="-228600" algn="l" defTabSz="914400" rtl="0" eaLnBrk="1" latinLnBrk="0" hangingPunct="1">
+        <a:lnSpc>
+          <a:spcPct val="90000"/>
+        </a:lnSpc>
+        <a:spcBef>
+          <a:spcPts val="500"/>
+        </a:spcBef>
+        <a:buFont typeface="Arial" panose="020B0604020202020204" pitchFamily="34" charset="0"/>
+        <a:buChar char="•"/>
+        <a:defRPr sz="1800" kern="1200">
+          <a:solidFill>
+            <a:schemeClr val="tx1"/>
+          </a:solidFill>
+          <a:latin typeface="+mn-lt"/>
+          <a:ea typeface="+mn-ea"/>
+          <a:cs typeface="+mn-cs"/>
+        </a:defRPr>
+      </a:lvl7pPr>
+      <a:lvl8pPr marL="3429000" indent="-228600" algn="l" defTabSz="914400" rtl="0" eaLnBrk="1" latinLnBrk="0" hangingPunct="1">
+        <a:lnSpc>
+          <a:spcPct val="90000"/>
+        </a:lnSpc>
+        <a:spcBef>
+          <a:spcPts val="500"/>
+        </a:spcBef>
+        <a:buFont typeface="Arial" panose="020B0604020202020204" pitchFamily="34" charset="0"/>
+        <a:buChar char="•"/>
+        <a:defRPr sz="1800" kern="1200">
+          <a:solidFill>
+            <a:schemeClr val="tx1"/>
+          </a:solidFill>
+          <a:latin typeface="+mn-lt"/>
+          <a:ea typeface="+mn-ea"/>
+          <a:cs typeface="+mn-cs"/>
+        </a:defRPr>
+      </a:lvl8pPr>
+      <a:lvl9pPr marL="3886200" indent="-228600" algn="l" defTabSz="914400" rtl="0" eaLnBrk="1" latinLnBrk="0" hangingPunct="1">
+        <a:lnSpc>
+          <a:spcPct val="90000"/>
+        </a:lnSpc>
+        <a:spcBef>
+          <a:spcPts val="500"/>
+        </a:spcBef>
+        <a:buFont typeface="Arial" panose="020B0604020202020204" pitchFamily="34" charset="0"/>
+        <a:buChar char="•"/>
+        <a:defRPr sz="1800" kern="1200">
+          <a:solidFill>
+            <a:schemeClr val="tx1"/>
+          </a:solidFill>
+          <a:latin typeface="+mn-lt"/>
+          <a:ea typeface="+mn-ea"/>
+          <a:cs typeface="+mn-cs"/>
+        </a:defRPr>
+      </a:lvl9pPr>
+    </p:bodyStyle>
+    <p:otherStyle>
+      <a:defPPr>
+        <a:defRPr lang="pt-BR"/>
+      </a:defPPr>
+      <a:lvl1pPr marL="0" algn="l" defTabSz="914400" rtl="0" eaLnBrk="1" latinLnBrk="0" hangingPunct="1">
+        <a:defRPr sz="1800" kern="1200">
+          <a:solidFill>
+            <a:schemeClr val="tx1"/>
+          </a:solidFill>
+          <a:latin typeface="+mn-lt"/>
+          <a:ea typeface="+mn-ea"/>
+          <a:cs typeface="+mn-cs"/>
+        </a:defRPr>
+      </a:lvl1pPr>
+      <a:lvl2pPr marL="457200" algn="l" defTabSz="914400" rtl="0" eaLnBrk="1" latinLnBrk="0" hangingPunct="1">
+        <a:defRPr sz="1800" kern="1200">
+          <a:solidFill>
+            <a:schemeClr val="tx1"/>
+          </a:solidFill>
+          <a:latin typeface="+mn-lt"/>
+          <a:ea typeface="+mn-ea"/>
+          <a:cs typeface="+mn-cs"/>
+        </a:defRPr>
+      </a:lvl2pPr>
+      <a:lvl3pPr marL="914400" algn="l" defTabSz="914400" rtl="0" eaLnBrk="1" latinLnBrk="0" hangingPunct="1">
+        <a:defRPr sz="1800" kern="1200">
+          <a:solidFill>
+            <a:schemeClr val="tx1"/>
+          </a:solidFill>
+          <a:latin typeface="+mn-lt"/>
+          <a:ea typeface="+mn-ea"/>
+          <a:cs typeface="+mn-cs"/>
+        </a:defRPr>
+      </a:lvl3pPr>
+      <a:lvl4pPr marL="1371600" algn="l" defTabSz="914400" rtl="0" eaLnBrk="1" latinLnBrk="0" hangingPunct="1">
+        <a:defRPr sz="1800" kern="1200">
+          <a:solidFill>
+            <a:schemeClr val="tx1"/>
+          </a:solidFill>
+          <a:latin typeface="+mn-lt"/>
+          <a:ea typeface="+mn-ea"/>
+          <a:cs typeface="+mn-cs"/>
+        </a:defRPr>
+      </a:lvl4pPr>
+      <a:lvl5pPr marL="1828800" algn="l" defTabSz="914400" rtl="0" eaLnBrk="1" latinLnBrk="0" hangingPunct="1">
+        <a:defRPr sz="1800" kern="1200">
+          <a:solidFill>
+            <a:schemeClr val="tx1"/>
+          </a:solidFill>
+          <a:latin typeface="+mn-lt"/>
+          <a:ea typeface="+mn-ea"/>
+          <a:cs typeface="+mn-cs"/>
+        </a:defRPr>
+      </a:lvl5pPr>
+      <a:lvl6pPr marL="2286000" algn="l" defTabSz="914400" rtl="0" eaLnBrk="1" latinLnBrk="0" hangingPunct="1">
+        <a:defRPr sz="1800" kern="1200">
+          <a:solidFill>
+            <a:schemeClr val="tx1"/>
+          </a:solidFill>
+          <a:latin typeface="+mn-lt"/>
+          <a:ea typeface="+mn-ea"/>
+          <a:cs typeface="+mn-cs"/>
+        </a:defRPr>
+      </a:lvl6pPr>
+      <a:lvl7pPr marL="2743200" algn="l" defTabSz="914400" rtl="0" eaLnBrk="1" latinLnBrk="0" hangingPunct="1">
+        <a:defRPr sz="1800" kern="1200">
+          <a:solidFill>
+            <a:schemeClr val="tx1"/>
+          </a:solidFill>
+          <a:latin typeface="+mn-lt"/>
+          <a:ea typeface="+mn-ea"/>
+          <a:cs typeface="+mn-cs"/>
+        </a:defRPr>
+      </a:lvl7pPr>
+      <a:lvl8pPr marL="3200400" algn="l" defTabSz="914400" rtl="0" eaLnBrk="1" latinLnBrk="0" hangingPunct="1">
+        <a:defRPr sz="1800" kern="1200">
+          <a:solidFill>
+            <a:schemeClr val="tx1"/>
+          </a:solidFill>
+          <a:latin typeface="+mn-lt"/>
+          <a:ea typeface="+mn-ea"/>
+          <a:cs typeface="+mn-cs"/>
+        </a:defRPr>
+      </a:lvl8pPr>
+      <a:lvl9pPr marL="3657600" algn="l" defTabSz="914400" rtl="0" eaLnBrk="1" latinLnBrk="0" hangingPunct="1">
+        <a:defRPr sz="1800" kern="1200">
+          <a:solidFill>
+            <a:schemeClr val="tx1"/>
+          </a:solidFill>
+          <a:latin typeface="+mn-lt"/>
+          <a:ea typeface="+mn-ea"/>
+          <a:cs typeface="+mn-cs"/>
+        </a:defRPr>
+      </a:lvl9pPr>
+    </p:otherStyle>
+  </p:txStyles>
 </p:sldMaster>
 </file>
 
 <file path=ppt/slideMasters/slideMaster2.xml><?xml version="1.0" encoding="utf-8"?>
-<p:sldMaster xmlns:a="http://schemas.openxmlformats.org/drawingml/2006/main" xmlns:p="http://schemas.openxmlformats.org/presentationml/2006/main" xmlns:r="http://schemas.openxmlformats.org/officeDocument/2006/relationships" xmlns:p14="http://schemas.microsoft.com/office/powerpoint/2010/main" xmlns:p15="http://schemas.microsoft.com/office/powerpoint/2012/main" xmlns:mc="http://schemas.openxmlformats.org/markup-compatibility/2006">
+<p:sldMaster xmlns:a="http://schemas.openxmlformats.org/drawingml/2006/main" xmlns:r="http://schemas.openxmlformats.org/officeDocument/2006/relationships" xmlns:p="http://schemas.openxmlformats.org/presentationml/2006/main">
   <p:cSld>
     <p:bg>
       <p:bgPr>
         <a:solidFill>
           <a:schemeClr val="lt1"/>
         </a:solidFill>
+        <a:effectLst/>
       </p:bgPr>
     </p:bg>
     <p:spTree>
@@ -5333,7 +5864,7 @@
           </a:ln>
         </p:spPr>
         <p:txBody>
-          <a:bodyPr lIns="90000" rIns="90000" tIns="-45000" bIns="-45000" anchor="t">
+          <a:bodyPr lIns="90000" tIns="-45000" rIns="90000" bIns="-45000" anchor="t">
             <a:noAutofit/>
           </a:bodyPr>
           <a:lstStyle>
@@ -5343,9 +5874,9 @@
               </a:lnSpc>
               <a:buNone/>
               <a:tabLst>
-                <a:tab algn="l" pos="0"/>
+                <a:tab pos="0" algn="l"/>
               </a:tabLst>
-              <a:defRPr b="0" lang="pt-BR" sz="1400" spc="-1" strike="noStrike">
+              <a:defRPr lang="pt-BR" sz="1400" b="0" strike="noStrike" spc="-1">
                 <a:solidFill>
                   <a:srgbClr val="000000"/>
                 </a:solidFill>
@@ -5361,11 +5892,11 @@
               </a:lnSpc>
               <a:buNone/>
               <a:tabLst>
-                <a:tab algn="l" pos="0"/>
+                <a:tab pos="0" algn="l"/>
               </a:tabLst>
             </a:pPr>
             <a:r>
-              <a:rPr b="0" lang="pt-BR" sz="1400" spc="-1" strike="noStrike">
+              <a:rPr lang="pt-BR" sz="1400" b="0" strike="noStrike" spc="-1">
                 <a:solidFill>
                   <a:srgbClr val="000000"/>
                 </a:solidFill>
@@ -5374,7 +5905,7 @@
               </a:rPr>
               <a:t>&lt;footer&gt;</a:t>
             </a:r>
-            <a:endParaRPr b="0" lang="pt-BR" sz="1400" spc="-1" strike="noStrike">
+            <a:endParaRPr lang="pt-BR" sz="1400" b="0" strike="noStrike" spc="-1">
               <a:solidFill>
                 <a:srgbClr val="000000"/>
               </a:solidFill>
@@ -5407,7 +5938,7 @@
           </a:ln>
         </p:spPr>
         <p:txBody>
-          <a:bodyPr lIns="90000" rIns="90000" tIns="-45000" bIns="-45000" anchor="t">
+          <a:bodyPr lIns="90000" tIns="-45000" rIns="90000" bIns="-45000" anchor="t">
             <a:noAutofit/>
           </a:bodyPr>
           <a:lstStyle>
@@ -5417,9 +5948,9 @@
               </a:lnSpc>
               <a:buNone/>
               <a:tabLst>
-                <a:tab algn="l" pos="0"/>
+                <a:tab pos="0" algn="l"/>
               </a:tabLst>
-              <a:defRPr b="0" lang="pt-BR" sz="1400" spc="-1" strike="noStrike">
+              <a:defRPr lang="pt-BR" sz="1400" b="0" strike="noStrike" spc="-1">
                 <a:solidFill>
                   <a:srgbClr val="000000"/>
                 </a:solidFill>
@@ -5435,20 +5966,20 @@
               </a:lnSpc>
               <a:buNone/>
               <a:tabLst>
-                <a:tab algn="l" pos="0"/>
+                <a:tab pos="0" algn="l"/>
               </a:tabLst>
             </a:pPr>
             <a:fld id="{83A649B7-88CA-440B-BE39-81C25B8E704D}" type="slidenum">
-              <a:rPr b="0" lang="pt-BR" sz="1400" spc="-1" strike="noStrike">
+              <a:rPr lang="pt-BR" sz="1400" b="0" strike="noStrike" spc="-1">
                 <a:solidFill>
                   <a:srgbClr val="000000"/>
                 </a:solidFill>
                 <a:latin typeface="Arial"/>
                 <a:ea typeface="Arial"/>
               </a:rPr>
-              <a:t>&lt;number&gt;</a:t>
+              <a:t>‹nº›</a:t>
             </a:fld>
-            <a:endParaRPr b="0" lang="pt-BR" sz="1400" spc="-1" strike="noStrike">
+            <a:endParaRPr lang="pt-BR" sz="1400" b="0" strike="noStrike" spc="-1">
               <a:solidFill>
                 <a:srgbClr val="000000"/>
               </a:solidFill>
@@ -5481,13 +6012,13 @@
           </a:ln>
         </p:spPr>
         <p:txBody>
-          <a:bodyPr lIns="90000" rIns="90000" tIns="-45000" bIns="-45000" anchor="t">
+          <a:bodyPr lIns="90000" tIns="-45000" rIns="90000" bIns="-45000" anchor="t">
             <a:noAutofit/>
           </a:bodyPr>
           <a:lstStyle>
             <a:lvl1pPr indent="0">
               <a:buNone/>
-              <a:defRPr b="0" lang="pt-BR" sz="1400" spc="-1" strike="noStrike">
+              <a:defRPr lang="pt-BR" sz="1400" b="0" strike="noStrike" spc="-1">
                 <a:solidFill>
                   <a:srgbClr val="000000"/>
                 </a:solidFill>
@@ -5500,7 +6031,7 @@
               <a:buNone/>
             </a:pPr>
             <a:r>
-              <a:rPr b="0" lang="pt-BR" sz="1400" spc="-1" strike="noStrike">
+              <a:rPr lang="pt-BR" sz="1400" b="0" strike="noStrike" spc="-1">
                 <a:solidFill>
                   <a:srgbClr val="000000"/>
                 </a:solidFill>
@@ -5508,12 +6039,6 @@
               </a:rPr>
               <a:t>&lt;date/time&gt;</a:t>
             </a:r>
-            <a:endParaRPr b="0" lang="pt-BR" sz="1400" spc="-1" strike="noStrike">
-              <a:solidFill>
-                <a:srgbClr val="000000"/>
-              </a:solidFill>
-              <a:latin typeface="Times New Roman"/>
-            </a:endParaRPr>
           </a:p>
         </p:txBody>
       </p:sp>
@@ -5541,15 +6066,16 @@
           </a:ln>
         </p:spPr>
         <p:txBody>
-          <a:bodyPr lIns="0" rIns="0" tIns="0" bIns="0" anchor="ctr">
+          <a:bodyPr lIns="0" tIns="0" rIns="0" bIns="0" anchor="ctr">
             <a:noAutofit/>
           </a:bodyPr>
+          <a:lstStyle/>
           <a:p>
             <a:pPr indent="0" algn="ctr">
               <a:buNone/>
             </a:pPr>
             <a:r>
-              <a:rPr b="0" lang="pt-BR" sz="4400" spc="-1" strike="noStrike">
+              <a:rPr lang="pt-BR" sz="4400" b="0" strike="noStrike" spc="-1">
                 <a:solidFill>
                   <a:srgbClr val="000000"/>
                 </a:solidFill>
@@ -5557,12 +6083,6 @@
               </a:rPr>
               <a:t>Click to edit the title text format</a:t>
             </a:r>
-            <a:endParaRPr b="0" lang="pt-BR" sz="4400" spc="-1" strike="noStrike">
-              <a:solidFill>
-                <a:srgbClr val="000000"/>
-              </a:solidFill>
-              <a:latin typeface="Arial"/>
-            </a:endParaRPr>
           </a:p>
         </p:txBody>
       </p:sp>
@@ -5590,9 +6110,10 @@
           </a:ln>
         </p:spPr>
         <p:txBody>
-          <a:bodyPr lIns="0" rIns="0" tIns="0" bIns="0" anchor="t">
+          <a:bodyPr lIns="0" tIns="0" rIns="0" bIns="0" anchor="t">
             <a:normAutofit/>
           </a:bodyPr>
+          <a:lstStyle/>
           <a:p>
             <a:pPr marL="432000" indent="-324000">
               <a:spcBef>
@@ -5606,7 +6127,7 @@
               <a:buChar char=""/>
             </a:pPr>
             <a:r>
-              <a:rPr b="0" lang="pt-BR" sz="3200" spc="-1" strike="noStrike">
+              <a:rPr lang="pt-BR" sz="3200" b="0" strike="noStrike" spc="-1">
                 <a:solidFill>
                   <a:srgbClr val="000000"/>
                 </a:solidFill>
@@ -5614,15 +6135,9 @@
               </a:rPr>
               <a:t>Click to edit the outline text format</a:t>
             </a:r>
-            <a:endParaRPr b="0" lang="pt-BR" sz="3200" spc="-1" strike="noStrike">
-              <a:solidFill>
-                <a:srgbClr val="000000"/>
-              </a:solidFill>
-              <a:latin typeface="Arial"/>
-            </a:endParaRPr>
-          </a:p>
-          <a:p>
-            <a:pPr lvl="1" marL="864000" indent="-324000">
+          </a:p>
+          <a:p>
+            <a:pPr marL="864000" lvl="1" indent="-324000">
               <a:spcBef>
                 <a:spcPts val="1134"/>
               </a:spcBef>
@@ -5634,7 +6149,7 @@
               <a:buChar char=""/>
             </a:pPr>
             <a:r>
-              <a:rPr b="0" lang="pt-BR" sz="2800" spc="-1" strike="noStrike">
+              <a:rPr lang="pt-BR" sz="2800" b="0" strike="noStrike" spc="-1">
                 <a:solidFill>
                   <a:srgbClr val="000000"/>
                 </a:solidFill>
@@ -5642,15 +6157,9 @@
               </a:rPr>
               <a:t>Second Outline Level</a:t>
             </a:r>
-            <a:endParaRPr b="0" lang="pt-BR" sz="2800" spc="-1" strike="noStrike">
-              <a:solidFill>
-                <a:srgbClr val="000000"/>
-              </a:solidFill>
-              <a:latin typeface="Arial"/>
-            </a:endParaRPr>
-          </a:p>
-          <a:p>
-            <a:pPr lvl="2" marL="1296000" indent="-288000">
+          </a:p>
+          <a:p>
+            <a:pPr marL="1296000" lvl="2" indent="-288000">
               <a:spcBef>
                 <a:spcPts val="850"/>
               </a:spcBef>
@@ -5662,7 +6171,7 @@
               <a:buChar char=""/>
             </a:pPr>
             <a:r>
-              <a:rPr b="0" lang="pt-BR" sz="2400" spc="-1" strike="noStrike">
+              <a:rPr lang="pt-BR" sz="2400" b="0" strike="noStrike" spc="-1">
                 <a:solidFill>
                   <a:srgbClr val="000000"/>
                 </a:solidFill>
@@ -5670,15 +6179,9 @@
               </a:rPr>
               <a:t>Third Outline Level</a:t>
             </a:r>
-            <a:endParaRPr b="0" lang="pt-BR" sz="2400" spc="-1" strike="noStrike">
-              <a:solidFill>
-                <a:srgbClr val="000000"/>
-              </a:solidFill>
-              <a:latin typeface="Arial"/>
-            </a:endParaRPr>
-          </a:p>
-          <a:p>
-            <a:pPr lvl="3" marL="1728000" indent="-216000">
+          </a:p>
+          <a:p>
+            <a:pPr marL="1728000" lvl="3" indent="-216000">
               <a:spcBef>
                 <a:spcPts val="567"/>
               </a:spcBef>
@@ -5690,7 +6193,7 @@
               <a:buChar char=""/>
             </a:pPr>
             <a:r>
-              <a:rPr b="0" lang="pt-BR" sz="2000" spc="-1" strike="noStrike">
+              <a:rPr lang="pt-BR" sz="2000" b="0" strike="noStrike" spc="-1">
                 <a:solidFill>
                   <a:srgbClr val="000000"/>
                 </a:solidFill>
@@ -5698,15 +6201,9 @@
               </a:rPr>
               <a:t>Fourth Outline Level</a:t>
             </a:r>
-            <a:endParaRPr b="0" lang="pt-BR" sz="2000" spc="-1" strike="noStrike">
-              <a:solidFill>
-                <a:srgbClr val="000000"/>
-              </a:solidFill>
-              <a:latin typeface="Arial"/>
-            </a:endParaRPr>
-          </a:p>
-          <a:p>
-            <a:pPr lvl="4" marL="2160000" indent="-216000">
+          </a:p>
+          <a:p>
+            <a:pPr marL="2160000" lvl="4" indent="-216000">
               <a:spcBef>
                 <a:spcPts val="283"/>
               </a:spcBef>
@@ -5718,7 +6215,7 @@
               <a:buChar char=""/>
             </a:pPr>
             <a:r>
-              <a:rPr b="0" lang="pt-BR" sz="2000" spc="-1" strike="noStrike">
+              <a:rPr lang="pt-BR" sz="2000" b="0" strike="noStrike" spc="-1">
                 <a:solidFill>
                   <a:srgbClr val="000000"/>
                 </a:solidFill>
@@ -5726,15 +6223,9 @@
               </a:rPr>
               <a:t>Fifth Outline Level</a:t>
             </a:r>
-            <a:endParaRPr b="0" lang="pt-BR" sz="2000" spc="-1" strike="noStrike">
-              <a:solidFill>
-                <a:srgbClr val="000000"/>
-              </a:solidFill>
-              <a:latin typeface="Arial"/>
-            </a:endParaRPr>
-          </a:p>
-          <a:p>
-            <a:pPr lvl="5" marL="2592000" indent="-216000">
+          </a:p>
+          <a:p>
+            <a:pPr marL="2592000" lvl="5" indent="-216000">
               <a:spcBef>
                 <a:spcPts val="283"/>
               </a:spcBef>
@@ -5746,7 +6237,7 @@
               <a:buChar char=""/>
             </a:pPr>
             <a:r>
-              <a:rPr b="0" lang="pt-BR" sz="2000" spc="-1" strike="noStrike">
+              <a:rPr lang="pt-BR" sz="2000" b="0" strike="noStrike" spc="-1">
                 <a:solidFill>
                   <a:srgbClr val="000000"/>
                 </a:solidFill>
@@ -5754,15 +6245,9 @@
               </a:rPr>
               <a:t>Sixth Outline Level</a:t>
             </a:r>
-            <a:endParaRPr b="0" lang="pt-BR" sz="2000" spc="-1" strike="noStrike">
-              <a:solidFill>
-                <a:srgbClr val="000000"/>
-              </a:solidFill>
-              <a:latin typeface="Arial"/>
-            </a:endParaRPr>
-          </a:p>
-          <a:p>
-            <a:pPr lvl="6" marL="3024000" indent="-216000">
+          </a:p>
+          <a:p>
+            <a:pPr marL="3024000" lvl="6" indent="-216000">
               <a:spcBef>
                 <a:spcPts val="283"/>
               </a:spcBef>
@@ -5774,7 +6259,7 @@
               <a:buChar char=""/>
             </a:pPr>
             <a:r>
-              <a:rPr b="0" lang="pt-BR" sz="2000" spc="-1" strike="noStrike">
+              <a:rPr lang="pt-BR" sz="2000" b="0" strike="noStrike" spc="-1">
                 <a:solidFill>
                   <a:srgbClr val="000000"/>
                 </a:solidFill>
@@ -5782,37 +6267,311 @@
               </a:rPr>
               <a:t>Seventh Outline Level</a:t>
             </a:r>
-            <a:endParaRPr b="0" lang="pt-BR" sz="2000" spc="-1" strike="noStrike">
-              <a:solidFill>
-                <a:srgbClr val="000000"/>
-              </a:solidFill>
-              <a:latin typeface="Arial"/>
-            </a:endParaRPr>
           </a:p>
         </p:txBody>
       </p:sp>
     </p:spTree>
   </p:cSld>
-  <p:clrMap bg1="lt1" bg2="lt2" tx1="dk1" tx2="dk2" accent1="accent1" accent2="accent2" accent3="accent3" accent4="accent4" accent5="accent5" accent6="accent6" hlink="hlink" folHlink="folHlink"/>
+  <p:clrMap bg1="lt1" tx1="dk1" bg2="lt2" tx2="dk2" accent1="accent1" accent2="accent2" accent3="accent3" accent4="accent4" accent5="accent5" accent6="accent6" hlink="hlink" folHlink="folHlink"/>
   <p:sldLayoutIdLst>
-    <p:sldLayoutId id="2147483662" r:id="rId2"/>
-    <p:sldLayoutId id="2147483663" r:id="rId3"/>
-    <p:sldLayoutId id="2147483664" r:id="rId4"/>
-    <p:sldLayoutId id="2147483665" r:id="rId5"/>
-    <p:sldLayoutId id="2147483666" r:id="rId6"/>
-    <p:sldLayoutId id="2147483667" r:id="rId7"/>
-    <p:sldLayoutId id="2147483668" r:id="rId8"/>
-    <p:sldLayoutId id="2147483669" r:id="rId9"/>
-    <p:sldLayoutId id="2147483670" r:id="rId10"/>
-    <p:sldLayoutId id="2147483671" r:id="rId11"/>
-    <p:sldLayoutId id="2147483672" r:id="rId12"/>
-    <p:sldLayoutId id="2147483673" r:id="rId13"/>
+    <p:sldLayoutId id="2147483662" r:id="rId1"/>
+    <p:sldLayoutId id="2147483663" r:id="rId2"/>
+    <p:sldLayoutId id="2147483664" r:id="rId3"/>
+    <p:sldLayoutId id="2147483665" r:id="rId4"/>
+    <p:sldLayoutId id="2147483666" r:id="rId5"/>
+    <p:sldLayoutId id="2147483667" r:id="rId6"/>
+    <p:sldLayoutId id="2147483668" r:id="rId7"/>
+    <p:sldLayoutId id="2147483669" r:id="rId8"/>
+    <p:sldLayoutId id="2147483670" r:id="rId9"/>
+    <p:sldLayoutId id="2147483671" r:id="rId10"/>
+    <p:sldLayoutId id="2147483672" r:id="rId11"/>
+    <p:sldLayoutId id="2147483673" r:id="rId12"/>
   </p:sldLayoutIdLst>
+  <p:txStyles>
+    <p:titleStyle>
+      <a:lvl1pPr algn="l" defTabSz="914400" rtl="0" eaLnBrk="1" latinLnBrk="0" hangingPunct="1">
+        <a:lnSpc>
+          <a:spcPct val="90000"/>
+        </a:lnSpc>
+        <a:spcBef>
+          <a:spcPct val="0"/>
+        </a:spcBef>
+        <a:buNone/>
+        <a:defRPr sz="4400" kern="1200">
+          <a:solidFill>
+            <a:schemeClr val="tx1"/>
+          </a:solidFill>
+          <a:latin typeface="+mj-lt"/>
+          <a:ea typeface="+mj-ea"/>
+          <a:cs typeface="+mj-cs"/>
+        </a:defRPr>
+      </a:lvl1pPr>
+    </p:titleStyle>
+    <p:bodyStyle>
+      <a:lvl1pPr marL="228600" indent="-228600" algn="l" defTabSz="914400" rtl="0" eaLnBrk="1" latinLnBrk="0" hangingPunct="1">
+        <a:lnSpc>
+          <a:spcPct val="90000"/>
+        </a:lnSpc>
+        <a:spcBef>
+          <a:spcPts val="1000"/>
+        </a:spcBef>
+        <a:buFont typeface="Arial" panose="020B0604020202020204" pitchFamily="34" charset="0"/>
+        <a:buChar char="•"/>
+        <a:defRPr sz="2800" kern="1200">
+          <a:solidFill>
+            <a:schemeClr val="tx1"/>
+          </a:solidFill>
+          <a:latin typeface="+mn-lt"/>
+          <a:ea typeface="+mn-ea"/>
+          <a:cs typeface="+mn-cs"/>
+        </a:defRPr>
+      </a:lvl1pPr>
+      <a:lvl2pPr marL="685800" indent="-228600" algn="l" defTabSz="914400" rtl="0" eaLnBrk="1" latinLnBrk="0" hangingPunct="1">
+        <a:lnSpc>
+          <a:spcPct val="90000"/>
+        </a:lnSpc>
+        <a:spcBef>
+          <a:spcPts val="500"/>
+        </a:spcBef>
+        <a:buFont typeface="Arial" panose="020B0604020202020204" pitchFamily="34" charset="0"/>
+        <a:buChar char="•"/>
+        <a:defRPr sz="2400" kern="1200">
+          <a:solidFill>
+            <a:schemeClr val="tx1"/>
+          </a:solidFill>
+          <a:latin typeface="+mn-lt"/>
+          <a:ea typeface="+mn-ea"/>
+          <a:cs typeface="+mn-cs"/>
+        </a:defRPr>
+      </a:lvl2pPr>
+      <a:lvl3pPr marL="1143000" indent="-228600" algn="l" defTabSz="914400" rtl="0" eaLnBrk="1" latinLnBrk="0" hangingPunct="1">
+        <a:lnSpc>
+          <a:spcPct val="90000"/>
+        </a:lnSpc>
+        <a:spcBef>
+          <a:spcPts val="500"/>
+        </a:spcBef>
+        <a:buFont typeface="Arial" panose="020B0604020202020204" pitchFamily="34" charset="0"/>
+        <a:buChar char="•"/>
+        <a:defRPr sz="2000" kern="1200">
+          <a:solidFill>
+            <a:schemeClr val="tx1"/>
+          </a:solidFill>
+          <a:latin typeface="+mn-lt"/>
+          <a:ea typeface="+mn-ea"/>
+          <a:cs typeface="+mn-cs"/>
+        </a:defRPr>
+      </a:lvl3pPr>
+      <a:lvl4pPr marL="1600200" indent="-228600" algn="l" defTabSz="914400" rtl="0" eaLnBrk="1" latinLnBrk="0" hangingPunct="1">
+        <a:lnSpc>
+          <a:spcPct val="90000"/>
+        </a:lnSpc>
+        <a:spcBef>
+          <a:spcPts val="500"/>
+        </a:spcBef>
+        <a:buFont typeface="Arial" panose="020B0604020202020204" pitchFamily="34" charset="0"/>
+        <a:buChar char="•"/>
+        <a:defRPr sz="1800" kern="1200">
+          <a:solidFill>
+            <a:schemeClr val="tx1"/>
+          </a:solidFill>
+          <a:latin typeface="+mn-lt"/>
+          <a:ea typeface="+mn-ea"/>
+          <a:cs typeface="+mn-cs"/>
+        </a:defRPr>
+      </a:lvl4pPr>
+      <a:lvl5pPr marL="2057400" indent="-228600" algn="l" defTabSz="914400" rtl="0" eaLnBrk="1" latinLnBrk="0" hangingPunct="1">
+        <a:lnSpc>
+          <a:spcPct val="90000"/>
+        </a:lnSpc>
+        <a:spcBef>
+          <a:spcPts val="500"/>
+        </a:spcBef>
+        <a:buFont typeface="Arial" panose="020B0604020202020204" pitchFamily="34" charset="0"/>
+        <a:buChar char="•"/>
+        <a:defRPr sz="1800" kern="1200">
+          <a:solidFill>
+            <a:schemeClr val="tx1"/>
+          </a:solidFill>
+          <a:latin typeface="+mn-lt"/>
+          <a:ea typeface="+mn-ea"/>
+          <a:cs typeface="+mn-cs"/>
+        </a:defRPr>
+      </a:lvl5pPr>
+      <a:lvl6pPr marL="2514600" indent="-228600" algn="l" defTabSz="914400" rtl="0" eaLnBrk="1" latinLnBrk="0" hangingPunct="1">
+        <a:lnSpc>
+          <a:spcPct val="90000"/>
+        </a:lnSpc>
+        <a:spcBef>
+          <a:spcPts val="500"/>
+        </a:spcBef>
+        <a:buFont typeface="Arial" panose="020B0604020202020204" pitchFamily="34" charset="0"/>
+        <a:buChar char="•"/>
+        <a:defRPr sz="1800" kern="1200">
+          <a:solidFill>
+            <a:schemeClr val="tx1"/>
+          </a:solidFill>
+          <a:latin typeface="+mn-lt"/>
+          <a:ea typeface="+mn-ea"/>
+          <a:cs typeface="+mn-cs"/>
+        </a:defRPr>
+      </a:lvl6pPr>
+      <a:lvl7pPr marL="2971800" indent="-228600" algn="l" defTabSz="914400" rtl="0" eaLnBrk="1" latinLnBrk="0" hangingPunct="1">
+        <a:lnSpc>
+          <a:spcPct val="90000"/>
+        </a:lnSpc>
+        <a:spcBef>
+          <a:spcPts val="500"/>
+        </a:spcBef>
+        <a:buFont typeface="Arial" panose="020B0604020202020204" pitchFamily="34" charset="0"/>
+        <a:buChar char="•"/>
+        <a:defRPr sz="1800" kern="1200">
+          <a:solidFill>
+            <a:schemeClr val="tx1"/>
+          </a:solidFill>
+          <a:latin typeface="+mn-lt"/>
+          <a:ea typeface="+mn-ea"/>
+          <a:cs typeface="+mn-cs"/>
+        </a:defRPr>
+      </a:lvl7pPr>
+      <a:lvl8pPr marL="3429000" indent="-228600" algn="l" defTabSz="914400" rtl="0" eaLnBrk="1" latinLnBrk="0" hangingPunct="1">
+        <a:lnSpc>
+          <a:spcPct val="90000"/>
+        </a:lnSpc>
+        <a:spcBef>
+          <a:spcPts val="500"/>
+        </a:spcBef>
+        <a:buFont typeface="Arial" panose="020B0604020202020204" pitchFamily="34" charset="0"/>
+        <a:buChar char="•"/>
+        <a:defRPr sz="1800" kern="1200">
+          <a:solidFill>
+            <a:schemeClr val="tx1"/>
+          </a:solidFill>
+          <a:latin typeface="+mn-lt"/>
+          <a:ea typeface="+mn-ea"/>
+          <a:cs typeface="+mn-cs"/>
+        </a:defRPr>
+      </a:lvl8pPr>
+      <a:lvl9pPr marL="3886200" indent="-228600" algn="l" defTabSz="914400" rtl="0" eaLnBrk="1" latinLnBrk="0" hangingPunct="1">
+        <a:lnSpc>
+          <a:spcPct val="90000"/>
+        </a:lnSpc>
+        <a:spcBef>
+          <a:spcPts val="500"/>
+        </a:spcBef>
+        <a:buFont typeface="Arial" panose="020B0604020202020204" pitchFamily="34" charset="0"/>
+        <a:buChar char="•"/>
+        <a:defRPr sz="1800" kern="1200">
+          <a:solidFill>
+            <a:schemeClr val="tx1"/>
+          </a:solidFill>
+          <a:latin typeface="+mn-lt"/>
+          <a:ea typeface="+mn-ea"/>
+          <a:cs typeface="+mn-cs"/>
+        </a:defRPr>
+      </a:lvl9pPr>
+    </p:bodyStyle>
+    <p:otherStyle>
+      <a:defPPr>
+        <a:defRPr lang="pt-BR"/>
+      </a:defPPr>
+      <a:lvl1pPr marL="0" algn="l" defTabSz="914400" rtl="0" eaLnBrk="1" latinLnBrk="0" hangingPunct="1">
+        <a:defRPr sz="1800" kern="1200">
+          <a:solidFill>
+            <a:schemeClr val="tx1"/>
+          </a:solidFill>
+          <a:latin typeface="+mn-lt"/>
+          <a:ea typeface="+mn-ea"/>
+          <a:cs typeface="+mn-cs"/>
+        </a:defRPr>
+      </a:lvl1pPr>
+      <a:lvl2pPr marL="457200" algn="l" defTabSz="914400" rtl="0" eaLnBrk="1" latinLnBrk="0" hangingPunct="1">
+        <a:defRPr sz="1800" kern="1200">
+          <a:solidFill>
+            <a:schemeClr val="tx1"/>
+          </a:solidFill>
+          <a:latin typeface="+mn-lt"/>
+          <a:ea typeface="+mn-ea"/>
+          <a:cs typeface="+mn-cs"/>
+        </a:defRPr>
+      </a:lvl2pPr>
+      <a:lvl3pPr marL="914400" algn="l" defTabSz="914400" rtl="0" eaLnBrk="1" latinLnBrk="0" hangingPunct="1">
+        <a:defRPr sz="1800" kern="1200">
+          <a:solidFill>
+            <a:schemeClr val="tx1"/>
+          </a:solidFill>
+          <a:latin typeface="+mn-lt"/>
+          <a:ea typeface="+mn-ea"/>
+          <a:cs typeface="+mn-cs"/>
+        </a:defRPr>
+      </a:lvl3pPr>
+      <a:lvl4pPr marL="1371600" algn="l" defTabSz="914400" rtl="0" eaLnBrk="1" latinLnBrk="0" hangingPunct="1">
+        <a:defRPr sz="1800" kern="1200">
+          <a:solidFill>
+            <a:schemeClr val="tx1"/>
+          </a:solidFill>
+          <a:latin typeface="+mn-lt"/>
+          <a:ea typeface="+mn-ea"/>
+          <a:cs typeface="+mn-cs"/>
+        </a:defRPr>
+      </a:lvl4pPr>
+      <a:lvl5pPr marL="1828800" algn="l" defTabSz="914400" rtl="0" eaLnBrk="1" latinLnBrk="0" hangingPunct="1">
+        <a:defRPr sz="1800" kern="1200">
+          <a:solidFill>
+            <a:schemeClr val="tx1"/>
+          </a:solidFill>
+          <a:latin typeface="+mn-lt"/>
+          <a:ea typeface="+mn-ea"/>
+          <a:cs typeface="+mn-cs"/>
+        </a:defRPr>
+      </a:lvl5pPr>
+      <a:lvl6pPr marL="2286000" algn="l" defTabSz="914400" rtl="0" eaLnBrk="1" latinLnBrk="0" hangingPunct="1">
+        <a:defRPr sz="1800" kern="1200">
+          <a:solidFill>
+            <a:schemeClr val="tx1"/>
+          </a:solidFill>
+          <a:latin typeface="+mn-lt"/>
+          <a:ea typeface="+mn-ea"/>
+          <a:cs typeface="+mn-cs"/>
+        </a:defRPr>
+      </a:lvl6pPr>
+      <a:lvl7pPr marL="2743200" algn="l" defTabSz="914400" rtl="0" eaLnBrk="1" latinLnBrk="0" hangingPunct="1">
+        <a:defRPr sz="1800" kern="1200">
+          <a:solidFill>
+            <a:schemeClr val="tx1"/>
+          </a:solidFill>
+          <a:latin typeface="+mn-lt"/>
+          <a:ea typeface="+mn-ea"/>
+          <a:cs typeface="+mn-cs"/>
+        </a:defRPr>
+      </a:lvl7pPr>
+      <a:lvl8pPr marL="3200400" algn="l" defTabSz="914400" rtl="0" eaLnBrk="1" latinLnBrk="0" hangingPunct="1">
+        <a:defRPr sz="1800" kern="1200">
+          <a:solidFill>
+            <a:schemeClr val="tx1"/>
+          </a:solidFill>
+          <a:latin typeface="+mn-lt"/>
+          <a:ea typeface="+mn-ea"/>
+          <a:cs typeface="+mn-cs"/>
+        </a:defRPr>
+      </a:lvl8pPr>
+      <a:lvl9pPr marL="3657600" algn="l" defTabSz="914400" rtl="0" eaLnBrk="1" latinLnBrk="0" hangingPunct="1">
+        <a:defRPr sz="1800" kern="1200">
+          <a:solidFill>
+            <a:schemeClr val="tx1"/>
+          </a:solidFill>
+          <a:latin typeface="+mn-lt"/>
+          <a:ea typeface="+mn-ea"/>
+          <a:cs typeface="+mn-cs"/>
+        </a:defRPr>
+      </a:lvl9pPr>
+    </p:otherStyle>
+  </p:txStyles>
 </p:sldMaster>
 </file>
 
 <file path=ppt/slides/slide1.xml><?xml version="1.0" encoding="utf-8"?>
-<p:sld xmlns:a="http://schemas.openxmlformats.org/drawingml/2006/main" xmlns:p="http://schemas.openxmlformats.org/presentationml/2006/main" xmlns:r="http://schemas.openxmlformats.org/officeDocument/2006/relationships" xmlns:p14="http://schemas.microsoft.com/office/powerpoint/2010/main" xmlns:p15="http://schemas.microsoft.com/office/powerpoint/2012/main" xmlns:mc="http://schemas.openxmlformats.org/markup-compatibility/2006">
+<p:sld xmlns:a="http://schemas.openxmlformats.org/drawingml/2006/main" xmlns:r="http://schemas.openxmlformats.org/officeDocument/2006/relationships" xmlns:p="http://schemas.openxmlformats.org/presentationml/2006/main">
   <p:cSld>
     <p:spTree>
       <p:nvGrpSpPr>
@@ -5852,9 +6611,10 @@
           </a:ln>
         </p:spPr>
         <p:txBody>
-          <a:bodyPr lIns="0" rIns="0" tIns="91440" bIns="91440" anchor="t">
+          <a:bodyPr lIns="0" tIns="91440" rIns="0" bIns="91440" anchor="t">
             <a:noAutofit/>
           </a:bodyPr>
+          <a:lstStyle/>
           <a:p>
             <a:pPr indent="0">
               <a:lnSpc>
@@ -5862,13 +6622,13 @@
               </a:lnSpc>
               <a:buNone/>
               <a:tabLst>
-                <a:tab algn="l" pos="0"/>
+                <a:tab pos="0" algn="l"/>
               </a:tabLst>
             </a:pPr>
             <a:r>
-              <a:rPr b="1" lang="pt-BR" sz="2000" spc="-1" strike="noStrike">
-                <a:solidFill>
-                  <a:srgbClr val="ffc000"/>
+              <a:rPr lang="pt-BR" sz="2000" b="1" strike="noStrike" spc="-1">
+                <a:solidFill>
+                  <a:srgbClr val="FFC000"/>
                 </a:solidFill>
                 <a:latin typeface="Trebuchet MS"/>
                 <a:ea typeface="Overpass"/>
@@ -5879,7 +6639,7 @@
               <a:rPr sz="2000"/>
             </a:br>
             <a:r>
-              <a:rPr b="1" lang="pt-BR" sz="2000" spc="-1" strike="noStrike">
+              <a:rPr lang="pt-BR" sz="2000" b="1" strike="noStrike" spc="-1">
                 <a:solidFill>
                   <a:schemeClr val="dk1"/>
                 </a:solidFill>
@@ -5888,7 +6648,7 @@
               </a:rPr>
               <a:t>DESENVOLVIMENTO WEB</a:t>
             </a:r>
-            <a:endParaRPr b="0" lang="pt-BR" sz="2000" spc="-1" strike="noStrike">
+            <a:endParaRPr lang="pt-BR" sz="2000" b="0" strike="noStrike" spc="-1">
               <a:solidFill>
                 <a:srgbClr val="000000"/>
               </a:solidFill>
@@ -5921,9 +6681,10 @@
           </a:ln>
         </p:spPr>
         <p:txBody>
-          <a:bodyPr lIns="0" rIns="0" tIns="91440" bIns="91440" anchor="t">
+          <a:bodyPr lIns="0" tIns="91440" rIns="0" bIns="91440" anchor="t">
             <a:noAutofit/>
           </a:bodyPr>
+          <a:lstStyle/>
           <a:p>
             <a:pPr marL="228600" indent="0">
               <a:lnSpc>
@@ -5934,11 +6695,11 @@
               </a:spcBef>
               <a:buNone/>
               <a:tabLst>
-                <a:tab algn="l" pos="0"/>
+                <a:tab pos="0" algn="l"/>
               </a:tabLst>
             </a:pPr>
             <a:r>
-              <a:rPr b="0" lang="pt-BR" sz="2600" spc="-1" strike="noStrike">
+              <a:rPr lang="pt-BR" sz="2600" b="0" strike="noStrike" spc="-1">
                 <a:solidFill>
                   <a:schemeClr val="dk2"/>
                 </a:solidFill>
@@ -5948,7 +6709,7 @@
               <a:t>Prof. Daniel Mesquita </a:t>
             </a:r>
             <a:r>
-              <a:rPr b="0" lang="pt-BR" sz="1200" spc="-1" strike="noStrike">
+              <a:rPr lang="pt-BR" sz="1200" b="0" strike="noStrike" spc="-1">
                 <a:solidFill>
                   <a:schemeClr val="dk2"/>
                 </a:solidFill>
@@ -5958,7 +6719,7 @@
               <a:t>        </a:t>
             </a:r>
             <a:r>
-              <a:rPr b="0" lang="pt-BR" sz="1200" spc="-1" strike="noStrike" u="sng">
+              <a:rPr lang="pt-BR" sz="1200" b="0" u="sng" strike="noStrike" spc="-1">
                 <a:solidFill>
                   <a:schemeClr val="hlink"/>
                 </a:solidFill>
@@ -5968,7 +6729,7 @@
               </a:rPr>
               <a:t>danielme17@gmail.com</a:t>
             </a:r>
-            <a:endParaRPr b="0" lang="pt-BR" sz="1200" spc="-1" strike="noStrike">
+            <a:endParaRPr lang="pt-BR" sz="1200" b="0" strike="noStrike" spc="-1">
               <a:solidFill>
                 <a:srgbClr val="000000"/>
               </a:solidFill>
@@ -5993,7 +6754,7 @@
           </a:prstGeom>
           <a:ln w="28575">
             <a:solidFill>
-              <a:srgbClr val="f8931d"/>
+              <a:srgbClr val="F8931D"/>
             </a:solidFill>
             <a:round/>
           </a:ln>
@@ -6019,26 +6780,33 @@
           </a:ln>
         </p:spPr>
         <p:style>
-          <a:lnRef idx="0"/>
-          <a:fillRef idx="0"/>
-          <a:effectRef idx="0"/>
+          <a:lnRef idx="0">
+            <a:scrgbClr r="0" g="0" b="0"/>
+          </a:lnRef>
+          <a:fillRef idx="0">
+            <a:scrgbClr r="0" g="0" b="0"/>
+          </a:fillRef>
+          <a:effectRef idx="0">
+            <a:scrgbClr r="0" g="0" b="0"/>
+          </a:effectRef>
           <a:fontRef idx="minor"/>
         </p:style>
         <p:txBody>
-          <a:bodyPr lIns="90000" rIns="90000" tIns="91440" bIns="91440" anchor="t">
+          <a:bodyPr lIns="90000" tIns="91440" rIns="90000" bIns="91440" anchor="t">
             <a:noAutofit/>
           </a:bodyPr>
+          <a:lstStyle/>
           <a:p>
             <a:pPr>
               <a:lnSpc>
                 <a:spcPct val="100000"/>
               </a:lnSpc>
               <a:tabLst>
-                <a:tab algn="l" pos="0"/>
+                <a:tab pos="0" algn="l"/>
               </a:tabLst>
             </a:pPr>
             <a:r>
-              <a:rPr b="1" lang="pt-BR" sz="2000" spc="-1" strike="noStrike">
+              <a:rPr lang="pt-BR" sz="2000" b="1" strike="noStrike" spc="-1">
                 <a:solidFill>
                   <a:schemeClr val="dk1"/>
                 </a:solidFill>
@@ -6047,7 +6815,7 @@
               </a:rPr>
               <a:t>AULA 17</a:t>
             </a:r>
-            <a:endParaRPr b="0" lang="pt-BR" sz="2000" spc="-1" strike="noStrike">
+            <a:endParaRPr lang="pt-BR" sz="2000" b="0" strike="noStrike" spc="-1">
               <a:solidFill>
                 <a:srgbClr val="000000"/>
               </a:solidFill>
@@ -6076,26 +6844,33 @@
           </a:ln>
         </p:spPr>
         <p:style>
-          <a:lnRef idx="0"/>
-          <a:fillRef idx="0"/>
-          <a:effectRef idx="0"/>
+          <a:lnRef idx="0">
+            <a:scrgbClr r="0" g="0" b="0"/>
+          </a:lnRef>
+          <a:fillRef idx="0">
+            <a:scrgbClr r="0" g="0" b="0"/>
+          </a:fillRef>
+          <a:effectRef idx="0">
+            <a:scrgbClr r="0" g="0" b="0"/>
+          </a:effectRef>
           <a:fontRef idx="minor"/>
         </p:style>
         <p:txBody>
-          <a:bodyPr lIns="90000" rIns="90000" tIns="91440" bIns="91440" anchor="t">
+          <a:bodyPr lIns="90000" tIns="91440" rIns="90000" bIns="91440" anchor="t">
             <a:noAutofit/>
           </a:bodyPr>
+          <a:lstStyle/>
           <a:p>
             <a:pPr>
               <a:lnSpc>
                 <a:spcPct val="100000"/>
               </a:lnSpc>
               <a:tabLst>
-                <a:tab algn="l" pos="0"/>
+                <a:tab pos="0" algn="l"/>
               </a:tabLst>
             </a:pPr>
             <a:r>
-              <a:rPr b="1" lang="pt-BR" sz="2000" spc="-1" strike="noStrike">
+              <a:rPr lang="pt-BR" sz="2000" b="1" strike="noStrike" spc="-1">
                 <a:solidFill>
                   <a:schemeClr val="dk1"/>
                 </a:solidFill>
@@ -6107,7 +6882,7 @@
             <a:br>
               <a:rPr sz="2000"/>
             </a:br>
-            <a:endParaRPr b="0" lang="pt-BR" sz="2000" spc="-1" strike="noStrike">
+            <a:endParaRPr lang="pt-BR" sz="2000" b="0" strike="noStrike" spc="-1">
               <a:solidFill>
                 <a:srgbClr val="000000"/>
               </a:solidFill>
@@ -6136,15 +6911,22 @@
           </a:ln>
         </p:spPr>
         <p:style>
-          <a:lnRef idx="0"/>
-          <a:fillRef idx="0"/>
-          <a:effectRef idx="0"/>
+          <a:lnRef idx="0">
+            <a:scrgbClr r="0" g="0" b="0"/>
+          </a:lnRef>
+          <a:fillRef idx="0">
+            <a:scrgbClr r="0" g="0" b="0"/>
+          </a:fillRef>
+          <a:effectRef idx="0">
+            <a:scrgbClr r="0" g="0" b="0"/>
+          </a:effectRef>
           <a:fontRef idx="minor"/>
         </p:style>
         <p:txBody>
-          <a:bodyPr lIns="0" rIns="0" tIns="0" bIns="0" anchor="t">
+          <a:bodyPr lIns="0" tIns="0" rIns="0" bIns="0" anchor="t">
             <a:normAutofit/>
           </a:bodyPr>
+          <a:lstStyle/>
           <a:p>
             <a:pPr marL="432000" indent="-324000">
               <a:lnSpc>
@@ -6161,7 +6943,7 @@
               <a:buChar char=""/>
             </a:pPr>
             <a:r>
-              <a:rPr b="0" lang="pt-BR" sz="1400" spc="-1" strike="noStrike">
+              <a:rPr lang="pt-BR" sz="1400" b="0" strike="noStrike" spc="-1">
                 <a:solidFill>
                   <a:srgbClr val="000000"/>
                 </a:solidFill>
@@ -6170,7 +6952,7 @@
               </a:rPr>
               <a:t>Não seja 'o melhor do mundo', seja 'melhor que você ontem'.</a:t>
             </a:r>
-            <a:endParaRPr b="0" lang="pt-BR" sz="1400" spc="-1" strike="noStrike">
+            <a:endParaRPr lang="pt-BR" sz="1400" b="0" strike="noStrike" spc="-1">
               <a:solidFill>
                 <a:srgbClr val="000000"/>
               </a:solidFill>
@@ -6193,7 +6975,7 @@
               <a:buChar char=""/>
             </a:pPr>
             <a:r>
-              <a:rPr b="0" lang="pt-BR" sz="1400" spc="-1" strike="noStrike">
+              <a:rPr lang="pt-BR" sz="1400" b="0" strike="noStrike" spc="-1">
                 <a:solidFill>
                   <a:srgbClr val="000000"/>
                 </a:solidFill>
@@ -6202,7 +6984,7 @@
               </a:rPr>
               <a:t>Lembre-se: até o Windows já foi reiniciado milhões de vezes. Respire e recomece.</a:t>
             </a:r>
-            <a:endParaRPr b="0" lang="pt-BR" sz="1400" spc="-1" strike="noStrike">
+            <a:endParaRPr lang="pt-BR" sz="1400" b="0" strike="noStrike" spc="-1">
               <a:solidFill>
                 <a:srgbClr val="000000"/>
               </a:solidFill>
@@ -6225,7 +7007,7 @@
               <a:buChar char=""/>
             </a:pPr>
             <a:r>
-              <a:rPr b="0" lang="pt-BR" sz="1400" spc="-1" strike="noStrike">
+              <a:rPr lang="pt-BR" sz="1400" b="0" strike="noStrike" spc="-1">
                 <a:solidFill>
                   <a:srgbClr val="000000"/>
                 </a:solidFill>
@@ -6234,7 +7016,7 @@
               </a:rPr>
               <a:t>Como se come um elefante? Um commit por vez.</a:t>
             </a:r>
-            <a:endParaRPr b="0" lang="pt-BR" sz="1400" spc="-1" strike="noStrike">
+            <a:endParaRPr lang="pt-BR" sz="1400" b="0" strike="noStrike" spc="-1">
               <a:solidFill>
                 <a:srgbClr val="000000"/>
               </a:solidFill>
@@ -6245,19 +7027,14 @@
       </p:sp>
     </p:spTree>
   </p:cSld>
-  <mc:AlternateContent>
-    <mc:Choice Requires="p14">
-      <p:transition spd="slow" p14:dur="2000"/>
-    </mc:Choice>
-    <mc:Fallback>
-      <p:transition spd="slow"/>
-    </mc:Fallback>
-  </mc:AlternateContent>
+  <p:clrMapOvr>
+    <a:masterClrMapping/>
+  </p:clrMapOvr>
 </p:sld>
 </file>
 
 <file path=ppt/slides/slide2.xml><?xml version="1.0" encoding="utf-8"?>
-<p:sld xmlns:a="http://schemas.openxmlformats.org/drawingml/2006/main" xmlns:p="http://schemas.openxmlformats.org/presentationml/2006/main" xmlns:r="http://schemas.openxmlformats.org/officeDocument/2006/relationships" xmlns:p14="http://schemas.microsoft.com/office/powerpoint/2010/main" xmlns:p15="http://schemas.microsoft.com/office/powerpoint/2012/main" xmlns:mc="http://schemas.openxmlformats.org/markup-compatibility/2006">
+<p:sld xmlns:a="http://schemas.openxmlformats.org/drawingml/2006/main" xmlns:r="http://schemas.openxmlformats.org/officeDocument/2006/relationships" xmlns:p="http://schemas.openxmlformats.org/presentationml/2006/main">
   <p:cSld>
     <p:spTree>
       <p:nvGrpSpPr>
@@ -6275,12 +7052,12 @@
       </p:grpSpPr>
       <p:pic>
         <p:nvPicPr>
-          <p:cNvPr id="92" name="Imagem 3" descr=""/>
+          <p:cNvPr id="92" name="Imagem 3"/>
           <p:cNvPicPr/>
           <p:nvPr/>
         </p:nvPicPr>
         <p:blipFill>
-          <a:blip r:embed="rId1"/>
+          <a:blip r:embed="rId2"/>
           <a:stretch/>
         </p:blipFill>
         <p:spPr>
@@ -6305,7 +7082,7 @@
         <p:spPr>
           <a:xfrm>
             <a:off x="180000" y="1080000"/>
-            <a:ext cx="8100000" cy="6396840"/>
+            <a:ext cx="7378200" cy="3567856"/>
           </a:xfrm>
           <a:prstGeom prst="rect">
             <a:avLst/>
@@ -6316,15 +7093,695 @@
           </a:ln>
         </p:spPr>
         <p:style>
-          <a:lnRef idx="0"/>
-          <a:fillRef idx="0"/>
-          <a:effectRef idx="0"/>
+          <a:lnRef idx="0">
+            <a:scrgbClr r="0" g="0" b="0"/>
+          </a:lnRef>
+          <a:fillRef idx="0">
+            <a:scrgbClr r="0" g="0" b="0"/>
+          </a:fillRef>
+          <a:effectRef idx="0">
+            <a:scrgbClr r="0" g="0" b="0"/>
+          </a:effectRef>
           <a:fontRef idx="minor"/>
         </p:style>
         <p:txBody>
-          <a:bodyPr lIns="90000" rIns="90000" tIns="45000" bIns="45000" anchor="t">
+          <a:bodyPr wrap="square" lIns="90000" tIns="45000" rIns="90000" bIns="45000" anchor="t">
             <a:spAutoFit/>
           </a:bodyPr>
+          <a:lstStyle/>
+          <a:p>
+            <a:pPr marL="432000" lvl="1" indent="-216000" algn="just">
+              <a:lnSpc>
+                <a:spcPct val="115000"/>
+              </a:lnSpc>
+              <a:buClr>
+                <a:srgbClr val="000000"/>
+              </a:buClr>
+              <a:buSzPct val="45000"/>
+              <a:buFont typeface="Wingdings" charset="2"/>
+              <a:buChar char=""/>
+            </a:pPr>
+            <a:r>
+              <a:rPr lang="pt-BR" sz="1800" b="0" strike="noStrike" spc="-1" dirty="0">
+                <a:solidFill>
+                  <a:srgbClr val="01498E"/>
+                </a:solidFill>
+                <a:latin typeface="Arial"/>
+              </a:rPr>
+              <a:t>Setup inicial:</a:t>
+            </a:r>
+          </a:p>
+          <a:p>
+            <a:pPr marL="889200" lvl="2" indent="-216000" algn="just">
+              <a:lnSpc>
+                <a:spcPct val="115000"/>
+              </a:lnSpc>
+              <a:buClr>
+                <a:srgbClr val="000000"/>
+              </a:buClr>
+              <a:buSzPct val="45000"/>
+              <a:buFont typeface="Wingdings" charset="2"/>
+              <a:buChar char=""/>
+            </a:pPr>
+            <a:r>
+              <a:rPr lang="pt-BR" b="0" strike="noStrike" spc="-1" dirty="0">
+                <a:solidFill>
+                  <a:srgbClr val="01498E"/>
+                </a:solidFill>
+                <a:latin typeface="Arial"/>
+              </a:rPr>
+              <a:t>Copiar </a:t>
+            </a:r>
+            <a:r>
+              <a:rPr lang="pt-BR" b="0" strike="noStrike" spc="-1">
+                <a:solidFill>
+                  <a:srgbClr val="01498E"/>
+                </a:solidFill>
+                <a:latin typeface="Arial"/>
+              </a:rPr>
+              <a:t>o pen-drive </a:t>
+            </a:r>
+            <a:r>
+              <a:rPr lang="pt-BR" b="0" strike="noStrike" spc="-1" dirty="0">
+                <a:solidFill>
+                  <a:srgbClr val="01498E"/>
+                </a:solidFill>
+                <a:latin typeface="Arial"/>
+              </a:rPr>
+              <a:t>do professor</a:t>
+            </a:r>
+          </a:p>
+          <a:p>
+            <a:pPr marL="889200" lvl="2" indent="-216000" algn="just">
+              <a:lnSpc>
+                <a:spcPct val="115000"/>
+              </a:lnSpc>
+              <a:buClr>
+                <a:srgbClr val="000000"/>
+              </a:buClr>
+              <a:buSzPct val="45000"/>
+              <a:buFont typeface="Wingdings" charset="2"/>
+              <a:buChar char=""/>
+            </a:pPr>
+            <a:r>
+              <a:rPr lang="pt-BR" b="0" strike="noStrike" spc="-1" dirty="0">
+                <a:solidFill>
+                  <a:srgbClr val="01498E"/>
+                </a:solidFill>
+                <a:latin typeface="Arial"/>
+              </a:rPr>
+              <a:t>Instalar o </a:t>
+            </a:r>
+            <a:r>
+              <a:rPr lang="pt-BR" b="0" strike="noStrike" spc="-1" dirty="0" err="1">
+                <a:solidFill>
+                  <a:srgbClr val="01498E"/>
+                </a:solidFill>
+                <a:latin typeface="Arial"/>
+              </a:rPr>
+              <a:t>ollama</a:t>
+            </a:r>
+            <a:endParaRPr lang="pt-BR" spc="-1" dirty="0">
+              <a:solidFill>
+                <a:srgbClr val="01498E"/>
+              </a:solidFill>
+              <a:latin typeface="Arial"/>
+            </a:endParaRPr>
+          </a:p>
+          <a:p>
+            <a:pPr marL="889200" lvl="2" indent="-216000" algn="just">
+              <a:lnSpc>
+                <a:spcPct val="115000"/>
+              </a:lnSpc>
+              <a:buClr>
+                <a:srgbClr val="000000"/>
+              </a:buClr>
+              <a:buSzPct val="45000"/>
+              <a:buFont typeface="Wingdings" charset="2"/>
+              <a:buChar char=""/>
+            </a:pPr>
+            <a:r>
+              <a:rPr lang="pt-BR" b="0" strike="noStrike" spc="-1" dirty="0">
+                <a:solidFill>
+                  <a:srgbClr val="01498E"/>
+                </a:solidFill>
+                <a:latin typeface="Arial"/>
+              </a:rPr>
+              <a:t>Copiar a pasta models para $</a:t>
+            </a:r>
+            <a:r>
+              <a:rPr lang="pt-BR" b="0" strike="noStrike" spc="-1" dirty="0" err="1">
+                <a:solidFill>
+                  <a:srgbClr val="01498E"/>
+                </a:solidFill>
+                <a:latin typeface="Arial"/>
+              </a:rPr>
+              <a:t>user</a:t>
+            </a:r>
+            <a:r>
+              <a:rPr lang="pt-BR" b="0" strike="noStrike" spc="-1" dirty="0">
+                <a:solidFill>
+                  <a:srgbClr val="01498E"/>
+                </a:solidFill>
+                <a:latin typeface="Arial"/>
+              </a:rPr>
+              <a:t>\.</a:t>
+            </a:r>
+            <a:r>
+              <a:rPr lang="pt-BR" b="0" strike="noStrike" spc="-1" dirty="0" err="1">
+                <a:solidFill>
+                  <a:srgbClr val="01498E"/>
+                </a:solidFill>
+                <a:latin typeface="Arial"/>
+              </a:rPr>
+              <a:t>ollama</a:t>
+            </a:r>
+            <a:endParaRPr lang="pt-BR" b="0" strike="noStrike" spc="-1" dirty="0">
+              <a:solidFill>
+                <a:srgbClr val="01498E"/>
+              </a:solidFill>
+              <a:latin typeface="Arial"/>
+            </a:endParaRPr>
+          </a:p>
+          <a:p>
+            <a:pPr marL="889200" lvl="2" indent="-216000" algn="just">
+              <a:lnSpc>
+                <a:spcPct val="115000"/>
+              </a:lnSpc>
+              <a:buClr>
+                <a:srgbClr val="000000"/>
+              </a:buClr>
+              <a:buSzPct val="45000"/>
+              <a:buFont typeface="Wingdings" charset="2"/>
+              <a:buChar char=""/>
+            </a:pPr>
+            <a:r>
+              <a:rPr lang="pt-BR" spc="-1" dirty="0">
+                <a:solidFill>
+                  <a:srgbClr val="01498E"/>
+                </a:solidFill>
+                <a:latin typeface="Arial"/>
+              </a:rPr>
+              <a:t>Executar </a:t>
+            </a:r>
+            <a:r>
+              <a:rPr lang="pt-BR" spc="-1" dirty="0" err="1">
+                <a:solidFill>
+                  <a:srgbClr val="01498E"/>
+                </a:solidFill>
+                <a:latin typeface="Arial"/>
+              </a:rPr>
+              <a:t>ollama</a:t>
+            </a:r>
+            <a:r>
+              <a:rPr lang="pt-BR" spc="-1" dirty="0">
+                <a:solidFill>
+                  <a:srgbClr val="01498E"/>
+                </a:solidFill>
+                <a:latin typeface="Arial"/>
+              </a:rPr>
+              <a:t> </a:t>
+            </a:r>
+            <a:r>
+              <a:rPr lang="pt-BR" spc="-1" dirty="0" err="1">
+                <a:solidFill>
+                  <a:srgbClr val="01498E"/>
+                </a:solidFill>
+                <a:latin typeface="Arial"/>
+              </a:rPr>
+              <a:t>run</a:t>
+            </a:r>
+            <a:r>
+              <a:rPr lang="pt-BR" spc="-1" dirty="0">
+                <a:solidFill>
+                  <a:srgbClr val="01498E"/>
+                </a:solidFill>
+                <a:latin typeface="Arial"/>
+              </a:rPr>
+              <a:t> </a:t>
+            </a:r>
+            <a:r>
+              <a:rPr lang="pt-BR" b="0" strike="noStrike" spc="-1" dirty="0">
+                <a:solidFill>
+                  <a:srgbClr val="01498E"/>
+                </a:solidFill>
+                <a:latin typeface="Arial"/>
+              </a:rPr>
+              <a:t>deepseek-r1:14b</a:t>
+            </a:r>
+            <a:r>
+              <a:rPr lang="pt-BR" spc="-1" dirty="0">
+                <a:solidFill>
+                  <a:srgbClr val="01498E"/>
+                </a:solidFill>
+                <a:latin typeface="Arial"/>
+              </a:rPr>
+              <a:t> </a:t>
+            </a:r>
+          </a:p>
+          <a:p>
+            <a:pPr marL="889200" lvl="2" indent="-216000" algn="just">
+              <a:lnSpc>
+                <a:spcPct val="115000"/>
+              </a:lnSpc>
+              <a:buClr>
+                <a:srgbClr val="000000"/>
+              </a:buClr>
+              <a:buSzPct val="45000"/>
+              <a:buFont typeface="Wingdings" charset="2"/>
+              <a:buChar char=""/>
+            </a:pPr>
+            <a:endParaRPr lang="pt-BR" b="0" strike="noStrike" spc="-1" dirty="0">
+              <a:solidFill>
+                <a:srgbClr val="01498E"/>
+              </a:solidFill>
+              <a:latin typeface="Arial"/>
+            </a:endParaRPr>
+          </a:p>
+          <a:p>
+            <a:pPr marL="432000" lvl="1" indent="-216000" algn="just">
+              <a:lnSpc>
+                <a:spcPct val="115000"/>
+              </a:lnSpc>
+              <a:buClr>
+                <a:srgbClr val="000000"/>
+              </a:buClr>
+              <a:buSzPct val="45000"/>
+              <a:buFont typeface="Wingdings" charset="2"/>
+              <a:buChar char=""/>
+            </a:pPr>
+            <a:r>
+              <a:rPr lang="pt-BR" spc="-1" dirty="0">
+                <a:solidFill>
+                  <a:srgbClr val="01498E"/>
+                </a:solidFill>
+                <a:latin typeface="Arial"/>
+              </a:rPr>
+              <a:t>Criar um modelo personalizado (exemplo no </a:t>
+            </a:r>
+            <a:r>
+              <a:rPr lang="pt-BR" spc="-1" dirty="0" err="1">
+                <a:solidFill>
+                  <a:srgbClr val="01498E"/>
+                </a:solidFill>
+                <a:latin typeface="Arial"/>
+              </a:rPr>
+              <a:t>repo</a:t>
+            </a:r>
+            <a:r>
+              <a:rPr lang="pt-BR" spc="-1" dirty="0">
+                <a:solidFill>
+                  <a:srgbClr val="01498E"/>
+                </a:solidFill>
+                <a:latin typeface="Arial"/>
+              </a:rPr>
+              <a:t>)</a:t>
+            </a:r>
+          </a:p>
+          <a:p>
+            <a:pPr marL="889200" lvl="2" indent="-216000" algn="just">
+              <a:lnSpc>
+                <a:spcPct val="115000"/>
+              </a:lnSpc>
+              <a:buClr>
+                <a:srgbClr val="000000"/>
+              </a:buClr>
+              <a:buSzPct val="45000"/>
+              <a:buFont typeface="Wingdings" charset="2"/>
+              <a:buChar char=""/>
+            </a:pPr>
+            <a:r>
+              <a:rPr lang="pt-BR" b="0" strike="noStrike" spc="-1" dirty="0" err="1">
+                <a:solidFill>
+                  <a:srgbClr val="01498E"/>
+                </a:solidFill>
+                <a:latin typeface="Arial"/>
+              </a:rPr>
+              <a:t>ollama</a:t>
+            </a:r>
+            <a:r>
+              <a:rPr lang="pt-BR" b="0" strike="noStrike" spc="-1" dirty="0">
+                <a:solidFill>
+                  <a:srgbClr val="01498E"/>
+                </a:solidFill>
+                <a:latin typeface="Arial"/>
+              </a:rPr>
+              <a:t> </a:t>
+            </a:r>
+            <a:r>
+              <a:rPr lang="pt-BR" b="0" strike="noStrike" spc="-1" dirty="0" err="1">
+                <a:solidFill>
+                  <a:srgbClr val="01498E"/>
+                </a:solidFill>
+                <a:latin typeface="Arial"/>
+              </a:rPr>
+              <a:t>create</a:t>
+            </a:r>
+            <a:r>
+              <a:rPr lang="pt-BR" b="0" strike="noStrike" spc="-1" dirty="0">
+                <a:solidFill>
+                  <a:srgbClr val="01498E"/>
+                </a:solidFill>
+                <a:latin typeface="Arial"/>
+              </a:rPr>
+              <a:t> </a:t>
+            </a:r>
+            <a:r>
+              <a:rPr lang="pt-BR" b="0" strike="noStrike" spc="-1" dirty="0" err="1">
+                <a:solidFill>
+                  <a:srgbClr val="01498E"/>
+                </a:solidFill>
+                <a:latin typeface="Arial"/>
+              </a:rPr>
+              <a:t>mario</a:t>
+            </a:r>
+            <a:r>
+              <a:rPr lang="pt-BR" b="0" strike="noStrike" spc="-1" dirty="0">
+                <a:solidFill>
+                  <a:srgbClr val="01498E"/>
+                </a:solidFill>
+                <a:latin typeface="Arial"/>
+              </a:rPr>
+              <a:t> -f ./</a:t>
+            </a:r>
+            <a:r>
+              <a:rPr lang="pt-BR" b="0" strike="noStrike" spc="-1" dirty="0" err="1">
+                <a:solidFill>
+                  <a:srgbClr val="01498E"/>
+                </a:solidFill>
+                <a:latin typeface="Arial"/>
+              </a:rPr>
+              <a:t>Modelfile.exemplo</a:t>
+            </a:r>
+            <a:endParaRPr lang="pt-BR" b="0" strike="noStrike" spc="-1" dirty="0">
+              <a:solidFill>
+                <a:srgbClr val="01498E"/>
+              </a:solidFill>
+              <a:latin typeface="Arial"/>
+            </a:endParaRPr>
+          </a:p>
+          <a:p>
+            <a:pPr marL="889200" lvl="2" indent="-216000" algn="just">
+              <a:lnSpc>
+                <a:spcPct val="115000"/>
+              </a:lnSpc>
+              <a:buClr>
+                <a:srgbClr val="000000"/>
+              </a:buClr>
+              <a:buSzPct val="45000"/>
+              <a:buFont typeface="Wingdings" charset="2"/>
+              <a:buChar char=""/>
+            </a:pPr>
+            <a:r>
+              <a:rPr lang="pt-BR" b="0" strike="noStrike" spc="-1" dirty="0" err="1">
+                <a:solidFill>
+                  <a:srgbClr val="01498E"/>
+                </a:solidFill>
+                <a:latin typeface="Arial"/>
+              </a:rPr>
+              <a:t>ollama</a:t>
+            </a:r>
+            <a:r>
+              <a:rPr lang="pt-BR" b="0" strike="noStrike" spc="-1" dirty="0">
+                <a:solidFill>
+                  <a:srgbClr val="01498E"/>
+                </a:solidFill>
+                <a:latin typeface="Arial"/>
+              </a:rPr>
+              <a:t> </a:t>
+            </a:r>
+            <a:r>
+              <a:rPr lang="pt-BR" b="0" strike="noStrike" spc="-1" dirty="0" err="1">
+                <a:solidFill>
+                  <a:srgbClr val="01498E"/>
+                </a:solidFill>
+                <a:latin typeface="Arial"/>
+              </a:rPr>
+              <a:t>run</a:t>
+            </a:r>
+            <a:r>
+              <a:rPr lang="pt-BR" b="0" strike="noStrike" spc="-1" dirty="0">
+                <a:solidFill>
+                  <a:srgbClr val="01498E"/>
+                </a:solidFill>
+                <a:latin typeface="Arial"/>
+              </a:rPr>
+              <a:t> </a:t>
+            </a:r>
+            <a:r>
+              <a:rPr lang="pt-BR" b="0" strike="noStrike" spc="-1" dirty="0" err="1">
+                <a:solidFill>
+                  <a:srgbClr val="01498E"/>
+                </a:solidFill>
+                <a:latin typeface="Arial"/>
+              </a:rPr>
+              <a:t>mario</a:t>
+            </a:r>
+            <a:endParaRPr lang="pt-BR" b="0" strike="noStrike" spc="-1" dirty="0">
+              <a:solidFill>
+                <a:srgbClr val="01498E"/>
+              </a:solidFill>
+              <a:latin typeface="Arial"/>
+            </a:endParaRPr>
+          </a:p>
+          <a:p>
+            <a:pPr marL="216000" algn="just">
+              <a:lnSpc>
+                <a:spcPct val="115000"/>
+              </a:lnSpc>
+            </a:pPr>
+            <a:endParaRPr lang="pt-BR" sz="1800" b="0" u="sng" strike="noStrike" spc="-1" dirty="0">
+              <a:solidFill>
+                <a:srgbClr val="000000"/>
+              </a:solidFill>
+              <a:latin typeface="Arial"/>
+            </a:endParaRPr>
+          </a:p>
+          <a:p>
+            <a:pPr marL="216000" algn="just">
+              <a:lnSpc>
+                <a:spcPct val="115000"/>
+              </a:lnSpc>
+            </a:pPr>
+            <a:endParaRPr lang="pt-BR" sz="1800" b="0" strike="noStrike" spc="-1" dirty="0">
+              <a:solidFill>
+                <a:srgbClr val="000000"/>
+              </a:solidFill>
+              <a:latin typeface="Arial"/>
+            </a:endParaRPr>
+          </a:p>
+        </p:txBody>
+      </p:sp>
+      <p:sp>
+        <p:nvSpPr>
+          <p:cNvPr id="94" name="Título 3"/>
+          <p:cNvSpPr/>
+          <p:nvPr/>
+        </p:nvSpPr>
+        <p:spPr>
+          <a:xfrm>
+            <a:off x="291960" y="32040"/>
+            <a:ext cx="7448040" cy="896760"/>
+          </a:xfrm>
+          <a:prstGeom prst="rect">
+            <a:avLst/>
+          </a:prstGeom>
+          <a:noFill/>
+          <a:ln w="0">
+            <a:noFill/>
+          </a:ln>
+        </p:spPr>
+        <p:style>
+          <a:lnRef idx="0">
+            <a:scrgbClr r="0" g="0" b="0"/>
+          </a:lnRef>
+          <a:fillRef idx="0">
+            <a:scrgbClr r="0" g="0" b="0"/>
+          </a:fillRef>
+          <a:effectRef idx="0">
+            <a:scrgbClr r="0" g="0" b="0"/>
+          </a:effectRef>
+          <a:fontRef idx="minor"/>
+        </p:style>
+        <p:txBody>
+          <a:bodyPr lIns="90000" tIns="91440" rIns="90000" bIns="91440" anchor="t">
+            <a:noAutofit/>
+          </a:bodyPr>
+          <a:lstStyle/>
+          <a:p>
+            <a:pPr>
+              <a:lnSpc>
+                <a:spcPct val="100000"/>
+              </a:lnSpc>
+            </a:pPr>
+            <a:r>
+              <a:rPr lang="pt-BR" sz="5400" b="1" strike="noStrike" spc="-1">
+                <a:solidFill>
+                  <a:srgbClr val="002060"/>
+                </a:solidFill>
+                <a:latin typeface="Overpass"/>
+                <a:ea typeface="Overpass"/>
+              </a:rPr>
+              <a:t>Local LLM + Py</a:t>
+            </a:r>
+            <a:endParaRPr lang="pt-BR" sz="5400" b="0" strike="noStrike" spc="-1">
+              <a:solidFill>
+                <a:srgbClr val="000000"/>
+              </a:solidFill>
+              <a:latin typeface="Arial"/>
+            </a:endParaRPr>
+          </a:p>
+        </p:txBody>
+      </p:sp>
+      <p:sp>
+        <p:nvSpPr>
+          <p:cNvPr id="95" name="CaixaDeTexto 7"/>
+          <p:cNvSpPr/>
+          <p:nvPr/>
+        </p:nvSpPr>
+        <p:spPr>
+          <a:xfrm>
+            <a:off x="442080" y="4140000"/>
+            <a:ext cx="7849440" cy="364320"/>
+          </a:xfrm>
+          <a:prstGeom prst="rect">
+            <a:avLst/>
+          </a:prstGeom>
+          <a:noFill/>
+          <a:ln w="0">
+            <a:noFill/>
+          </a:ln>
+        </p:spPr>
+        <p:style>
+          <a:lnRef idx="0">
+            <a:scrgbClr r="0" g="0" b="0"/>
+          </a:lnRef>
+          <a:fillRef idx="0">
+            <a:scrgbClr r="0" g="0" b="0"/>
+          </a:fillRef>
+          <a:effectRef idx="0">
+            <a:scrgbClr r="0" g="0" b="0"/>
+          </a:effectRef>
+          <a:fontRef idx="minor"/>
+        </p:style>
+        <p:txBody>
+          <a:bodyPr lIns="90000" tIns="45000" rIns="90000" bIns="45000" anchor="t">
+            <a:spAutoFit/>
+          </a:bodyPr>
+          <a:lstStyle/>
+          <a:p>
+            <a:endParaRPr lang="pt-BR" sz="1800" b="0" strike="noStrike" spc="-1">
+              <a:solidFill>
+                <a:srgbClr val="000000"/>
+              </a:solidFill>
+              <a:latin typeface="Arial"/>
+              <a:ea typeface="DejaVu Sans"/>
+            </a:endParaRPr>
+          </a:p>
+        </p:txBody>
+      </p:sp>
+    </p:spTree>
+  </p:cSld>
+  <p:clrMapOvr>
+    <a:masterClrMapping/>
+  </p:clrMapOvr>
+</p:sld>
+</file>
+
+<file path=ppt/slides/slide3.xml><?xml version="1.0" encoding="utf-8"?>
+<p:sld xmlns:a="http://schemas.openxmlformats.org/drawingml/2006/main" xmlns:r="http://schemas.openxmlformats.org/officeDocument/2006/relationships" xmlns:p="http://schemas.openxmlformats.org/presentationml/2006/main">
+  <p:cSld>
+    <p:spTree>
+      <p:nvGrpSpPr>
+        <p:cNvPr id="1" name="">
+          <a:extLst>
+            <a:ext uri="{FF2B5EF4-FFF2-40B4-BE49-F238E27FC236}">
+              <a16:creationId xmlns:a16="http://schemas.microsoft.com/office/drawing/2014/main" id="{3E61E6A6-3ABC-41D3-F4A4-D403FE13F88A}"/>
+            </a:ext>
+          </a:extLst>
+        </p:cNvPr>
+        <p:cNvGrpSpPr/>
+        <p:nvPr/>
+      </p:nvGrpSpPr>
+      <p:grpSpPr>
+        <a:xfrm>
+          <a:off x="0" y="0"/>
+          <a:ext cx="0" cy="0"/>
+          <a:chOff x="0" y="0"/>
+          <a:chExt cx="0" cy="0"/>
+        </a:xfrm>
+      </p:grpSpPr>
+      <p:pic>
+        <p:nvPicPr>
+          <p:cNvPr id="92" name="Imagem 3">
+            <a:extLst>
+              <a:ext uri="{FF2B5EF4-FFF2-40B4-BE49-F238E27FC236}">
+                <a16:creationId xmlns:a16="http://schemas.microsoft.com/office/drawing/2014/main" id="{4A1D47A0-DF17-677D-7217-C0E598E4E846}"/>
+              </a:ext>
+            </a:extLst>
+          </p:cNvPr>
+          <p:cNvPicPr/>
+          <p:nvPr/>
+        </p:nvPicPr>
+        <p:blipFill>
+          <a:blip r:embed="rId2"/>
+          <a:stretch/>
+        </p:blipFill>
+        <p:spPr>
+          <a:xfrm rot="5400000">
+            <a:off x="7670160" y="800640"/>
+            <a:ext cx="2970720" cy="3194640"/>
+          </a:xfrm>
+          <a:prstGeom prst="rect">
+            <a:avLst/>
+          </a:prstGeom>
+          <a:ln w="0">
+            <a:noFill/>
+          </a:ln>
+        </p:spPr>
+      </p:pic>
+      <p:sp>
+        <p:nvSpPr>
+          <p:cNvPr id="93" name="CaixaDeTexto 6">
+            <a:extLst>
+              <a:ext uri="{FF2B5EF4-FFF2-40B4-BE49-F238E27FC236}">
+                <a16:creationId xmlns:a16="http://schemas.microsoft.com/office/drawing/2014/main" id="{EECEAE14-FBFE-98B3-B875-905EE8A85004}"/>
+              </a:ext>
+            </a:extLst>
+          </p:cNvPr>
+          <p:cNvSpPr/>
+          <p:nvPr/>
+        </p:nvSpPr>
+        <p:spPr>
+          <a:xfrm>
+            <a:off x="180000" y="1080000"/>
+            <a:ext cx="7378200" cy="6396840"/>
+          </a:xfrm>
+          <a:prstGeom prst="rect">
+            <a:avLst/>
+          </a:prstGeom>
+          <a:noFill/>
+          <a:ln w="0">
+            <a:noFill/>
+          </a:ln>
+        </p:spPr>
+        <p:style>
+          <a:lnRef idx="0">
+            <a:scrgbClr r="0" g="0" b="0"/>
+          </a:lnRef>
+          <a:fillRef idx="0">
+            <a:scrgbClr r="0" g="0" b="0"/>
+          </a:fillRef>
+          <a:effectRef idx="0">
+            <a:scrgbClr r="0" g="0" b="0"/>
+          </a:effectRef>
+          <a:fontRef idx="minor"/>
+        </p:style>
+        <p:txBody>
+          <a:bodyPr wrap="square" lIns="90000" tIns="45000" rIns="90000" bIns="45000" anchor="t">
+            <a:spAutoFit/>
+          </a:bodyPr>
+          <a:lstStyle/>
           <a:p>
             <a:pPr marL="216000" indent="-216000" algn="just">
               <a:lnSpc>
@@ -6337,34 +7794,24 @@
               <a:buChar char="●"/>
             </a:pPr>
             <a:r>
-              <a:rPr b="0" lang="pt-BR" sz="1800" spc="-1" strike="noStrike">
-                <a:solidFill>
-                  <a:srgbClr val="01498e"/>
+              <a:rPr lang="pt-BR" sz="1800" b="0" strike="noStrike" spc="-1" dirty="0">
+                <a:solidFill>
+                  <a:srgbClr val="01498E"/>
                 </a:solidFill>
                 <a:latin typeface="Arial"/>
                 <a:ea typeface="Calibri"/>
               </a:rPr>
-              <a:t>Objetivo, baixar um modelo (deep-seek14b), personalizar um agente </a:t>
-            </a:r>
-            <a:r>
-              <a:rPr b="0" lang="pt-BR" sz="1800" spc="-1" strike="noStrike">
-                <a:solidFill>
-                  <a:srgbClr val="01498e"/>
-                </a:solidFill>
-                <a:latin typeface="Arial"/>
-                <a:ea typeface="Calibri"/>
-              </a:rPr>
-              <a:t>que responda de acordo com seu papel</a:t>
-            </a:r>
-            <a:endParaRPr b="0" lang="pt-BR" sz="1800" spc="-1" strike="noStrike">
-              <a:solidFill>
-                <a:srgbClr val="000000"/>
-              </a:solidFill>
-              <a:latin typeface="Arial"/>
-            </a:endParaRPr>
-          </a:p>
-          <a:p>
-            <a:pPr lvl="1" marL="432000" indent="-216000" algn="just">
+              <a:t>Objetivo, baixar um modelo (deep-seek14b) personalizar um agente que responda de acordo com seu papel</a:t>
+            </a:r>
+            <a:endParaRPr lang="pt-BR" sz="1800" b="0" strike="noStrike" spc="-1" dirty="0">
+              <a:solidFill>
+                <a:srgbClr val="000000"/>
+              </a:solidFill>
+              <a:latin typeface="Arial"/>
+            </a:endParaRPr>
+          </a:p>
+          <a:p>
+            <a:pPr marL="432000" lvl="1" indent="-216000" algn="just">
               <a:lnSpc>
                 <a:spcPct val="115000"/>
               </a:lnSpc>
@@ -6376,34 +7823,34 @@
               <a:buChar char=""/>
             </a:pPr>
             <a:r>
-              <a:rPr b="0" lang="pt-BR" sz="1800" spc="-1" strike="noStrike">
-                <a:solidFill>
-                  <a:srgbClr val="01498e"/>
+              <a:rPr lang="pt-BR" sz="1800" b="0" strike="noStrike" spc="-1" dirty="0" err="1">
+                <a:solidFill>
+                  <a:srgbClr val="01498E"/>
                 </a:solidFill>
                 <a:latin typeface="Arial"/>
                 <a:ea typeface="Calibri"/>
               </a:rPr>
-              <a:t>Ex: Um assistente da empresa ReuniON que responde todas as </a:t>
-            </a:r>
-            <a:r>
-              <a:rPr b="0" lang="pt-BR" sz="1800" spc="-1" strike="noStrike">
-                <a:solidFill>
-                  <a:srgbClr val="01498e"/>
+              <a:t>Ex</a:t>
+            </a:r>
+            <a:r>
+              <a:rPr lang="pt-BR" sz="1800" b="0" strike="noStrike" spc="-1" dirty="0">
+                <a:solidFill>
+                  <a:srgbClr val="01498E"/>
                 </a:solidFill>
                 <a:latin typeface="Arial"/>
                 <a:ea typeface="Calibri"/>
               </a:rPr>
-              <a:t>perguntas de acordo com a documentação do software</a:t>
-            </a:r>
-            <a:endParaRPr b="0" lang="pt-BR" sz="1800" spc="-1" strike="noStrike">
-              <a:solidFill>
-                <a:srgbClr val="000000"/>
-              </a:solidFill>
-              <a:latin typeface="Arial"/>
-            </a:endParaRPr>
-          </a:p>
-          <a:p>
-            <a:pPr lvl="1" marL="432000" indent="-216000" algn="just">
+              <a:t>: Um assistente da empresa que responde todas as perguntas de acordo com a documentação do software</a:t>
+            </a:r>
+            <a:endParaRPr lang="pt-BR" sz="1800" b="0" strike="noStrike" spc="-1" dirty="0">
+              <a:solidFill>
+                <a:srgbClr val="000000"/>
+              </a:solidFill>
+              <a:latin typeface="Arial"/>
+            </a:endParaRPr>
+          </a:p>
+          <a:p>
+            <a:pPr marL="432000" lvl="1" indent="-216000" algn="just">
               <a:lnSpc>
                 <a:spcPct val="115000"/>
               </a:lnSpc>
@@ -6415,24 +7862,24 @@
               <a:buChar char=""/>
             </a:pPr>
             <a:r>
-              <a:rPr b="0" lang="pt-BR" sz="1800" spc="-1" strike="noStrike">
-                <a:solidFill>
-                  <a:srgbClr val="01498e"/>
+              <a:rPr lang="pt-BR" sz="1800" b="0" strike="noStrike" spc="-1" dirty="0">
+                <a:solidFill>
+                  <a:srgbClr val="01498E"/>
                 </a:solidFill>
                 <a:latin typeface="Arial"/>
                 <a:ea typeface="Calibri"/>
               </a:rPr>
               <a:t>Ex2: Simular o debate entre dois agentes um a favor outro contra</a:t>
             </a:r>
-            <a:endParaRPr b="0" lang="pt-BR" sz="1800" spc="-1" strike="noStrike">
-              <a:solidFill>
-                <a:srgbClr val="000000"/>
-              </a:solidFill>
-              <a:latin typeface="Arial"/>
-            </a:endParaRPr>
-          </a:p>
-          <a:p>
-            <a:pPr lvl="1" marL="432000" indent="-216000" algn="just">
+            <a:endParaRPr lang="pt-BR" sz="1800" b="0" strike="noStrike" spc="-1" dirty="0">
+              <a:solidFill>
+                <a:srgbClr val="000000"/>
+              </a:solidFill>
+              <a:latin typeface="Arial"/>
+            </a:endParaRPr>
+          </a:p>
+          <a:p>
+            <a:pPr marL="432000" lvl="1" indent="-216000" algn="just">
               <a:lnSpc>
                 <a:spcPct val="115000"/>
               </a:lnSpc>
@@ -6444,24 +7891,54 @@
               <a:buChar char=""/>
             </a:pPr>
             <a:r>
-              <a:rPr b="0" lang="pt-BR" sz="1800" spc="-1" strike="noStrike">
-                <a:solidFill>
-                  <a:srgbClr val="01498e"/>
+              <a:rPr lang="pt-BR" sz="1800" b="0" strike="noStrike" spc="-1" dirty="0">
+                <a:solidFill>
+                  <a:srgbClr val="01498E"/>
                 </a:solidFill>
                 <a:latin typeface="Arial"/>
                 <a:ea typeface="Calibri"/>
               </a:rPr>
-              <a:t>Ex3: Simular um fluxograma agentico de uma software-house</a:t>
-            </a:r>
-            <a:endParaRPr b="0" lang="pt-BR" sz="1800" spc="-1" strike="noStrike">
-              <a:solidFill>
-                <a:srgbClr val="000000"/>
-              </a:solidFill>
-              <a:latin typeface="Arial"/>
-            </a:endParaRPr>
-          </a:p>
-          <a:p>
-            <a:pPr lvl="1" marL="432000" indent="-216000" algn="just">
+              <a:t>Ex3: Simular um fluxograma </a:t>
+            </a:r>
+            <a:r>
+              <a:rPr lang="pt-BR" sz="1800" b="0" strike="noStrike" spc="-1" dirty="0" err="1">
+                <a:solidFill>
+                  <a:srgbClr val="01498E"/>
+                </a:solidFill>
+                <a:latin typeface="Arial"/>
+                <a:ea typeface="Calibri"/>
+              </a:rPr>
+              <a:t>agentico</a:t>
+            </a:r>
+            <a:r>
+              <a:rPr lang="pt-BR" sz="1800" b="0" strike="noStrike" spc="-1" dirty="0">
+                <a:solidFill>
+                  <a:srgbClr val="01498E"/>
+                </a:solidFill>
+                <a:latin typeface="Arial"/>
+                <a:ea typeface="Calibri"/>
+              </a:rPr>
+              <a:t> de uma software </a:t>
+            </a:r>
+            <a:r>
+              <a:rPr lang="pt-BR" sz="1800" b="0" strike="noStrike" spc="-1" dirty="0" err="1">
+                <a:solidFill>
+                  <a:srgbClr val="01498E"/>
+                </a:solidFill>
+                <a:latin typeface="Arial"/>
+                <a:ea typeface="Calibri"/>
+              </a:rPr>
+              <a:t>house</a:t>
+            </a:r>
+            <a:endParaRPr lang="pt-BR" sz="1800" b="0" strike="noStrike" spc="-1" dirty="0">
+              <a:solidFill>
+                <a:srgbClr val="000000"/>
+              </a:solidFill>
+              <a:latin typeface="Arial"/>
+            </a:endParaRPr>
+          </a:p>
+          <a:p>
+            <a:pPr marL="432000" lvl="1" indent="-216000" algn="just">
               <a:lnSpc>
                 <a:spcPct val="115000"/>
               </a:lnSpc>
@@ -6472,7 +7949,7 @@
               <a:buFont typeface="Wingdings" charset="2"/>
               <a:buChar char=""/>
             </a:pPr>
-            <a:endParaRPr b="0" lang="pt-BR" sz="1800" spc="-1" strike="noStrike">
+            <a:endParaRPr lang="pt-BR" sz="1800" b="0" strike="noStrike" spc="-1" dirty="0">
               <a:solidFill>
                 <a:srgbClr val="000000"/>
               </a:solidFill>
@@ -6491,24 +7968,24 @@
               <a:buChar char="●"/>
             </a:pPr>
             <a:r>
-              <a:rPr b="0" lang="pt-BR" sz="1800" spc="-1" strike="noStrike">
-                <a:solidFill>
-                  <a:srgbClr val="01498e"/>
+              <a:rPr lang="pt-BR" sz="1800" b="0" strike="noStrike" spc="-1" dirty="0">
+                <a:solidFill>
+                  <a:srgbClr val="01498E"/>
                 </a:solidFill>
                 <a:latin typeface="Arial"/>
                 <a:ea typeface="Calibri"/>
               </a:rPr>
               <a:t>Dicas</a:t>
             </a:r>
-            <a:endParaRPr b="0" lang="pt-BR" sz="1800" spc="-1" strike="noStrike">
-              <a:solidFill>
-                <a:srgbClr val="000000"/>
-              </a:solidFill>
-              <a:latin typeface="Arial"/>
-            </a:endParaRPr>
-          </a:p>
-          <a:p>
-            <a:pPr lvl="1" marL="432000" indent="-216000" algn="just">
+            <a:endParaRPr lang="pt-BR" sz="1800" b="0" strike="noStrike" spc="-1" dirty="0">
+              <a:solidFill>
+                <a:srgbClr val="000000"/>
+              </a:solidFill>
+              <a:latin typeface="Arial"/>
+            </a:endParaRPr>
+          </a:p>
+          <a:p>
+            <a:pPr marL="432000" lvl="1" indent="-216000" algn="just">
               <a:lnSpc>
                 <a:spcPct val="115000"/>
               </a:lnSpc>
@@ -6520,24 +7997,44 @@
               <a:buChar char=""/>
             </a:pPr>
             <a:r>
-              <a:rPr b="0" lang="pt-BR" sz="1800" spc="-1" strike="noStrike">
-                <a:solidFill>
-                  <a:srgbClr val="01498e"/>
+              <a:rPr lang="pt-BR" sz="1800" b="0" strike="noStrike" spc="-1" dirty="0">
+                <a:solidFill>
+                  <a:srgbClr val="01498E"/>
                 </a:solidFill>
                 <a:latin typeface="Arial"/>
                 <a:ea typeface="Calibri"/>
               </a:rPr>
-              <a:t>Use langchain para fluxos mais complexos de agentes.</a:t>
-            </a:r>
-            <a:endParaRPr b="0" lang="pt-BR" sz="1800" spc="-1" strike="noStrike">
-              <a:solidFill>
-                <a:srgbClr val="000000"/>
-              </a:solidFill>
-              <a:latin typeface="Arial"/>
-            </a:endParaRPr>
-          </a:p>
-          <a:p>
-            <a:pPr lvl="1" marL="432000" indent="-216000" algn="just">
+              <a:t>Use </a:t>
+            </a:r>
+            <a:r>
+              <a:rPr lang="pt-BR" sz="1800" b="0" strike="noStrike" spc="-1" dirty="0" err="1">
+                <a:solidFill>
+                  <a:srgbClr val="01498E"/>
+                </a:solidFill>
+                <a:latin typeface="Arial"/>
+                <a:ea typeface="Calibri"/>
+              </a:rPr>
+              <a:t>langchain</a:t>
+            </a:r>
+            <a:r>
+              <a:rPr lang="pt-BR" sz="1800" b="0" strike="noStrike" spc="-1" dirty="0">
+                <a:solidFill>
+                  <a:srgbClr val="01498E"/>
+                </a:solidFill>
+                <a:latin typeface="Arial"/>
+                <a:ea typeface="Calibri"/>
+              </a:rPr>
+              <a:t> para fluxos mais complexos de agentes.</a:t>
+            </a:r>
+            <a:endParaRPr lang="pt-BR" sz="1800" b="0" strike="noStrike" spc="-1" dirty="0">
+              <a:solidFill>
+                <a:srgbClr val="000000"/>
+              </a:solidFill>
+              <a:latin typeface="Arial"/>
+            </a:endParaRPr>
+          </a:p>
+          <a:p>
+            <a:pPr marL="432000" lvl="1" indent="-216000" algn="just">
               <a:lnSpc>
                 <a:spcPct val="115000"/>
               </a:lnSpc>
@@ -6549,24 +8046,64 @@
               <a:buChar char=""/>
             </a:pPr>
             <a:r>
-              <a:rPr b="0" lang="pt-BR" sz="1800" spc="-1" strike="noStrike">
-                <a:solidFill>
-                  <a:srgbClr val="01498e"/>
+              <a:rPr lang="pt-BR" sz="1800" b="0" strike="noStrike" spc="-1" dirty="0">
+                <a:solidFill>
+                  <a:srgbClr val="01498E"/>
                 </a:solidFill>
                 <a:latin typeface="Arial"/>
                 <a:ea typeface="Calibri"/>
               </a:rPr>
-              <a:t>Experimente diferentes parâmetros (temperature, max_tokens).</a:t>
-            </a:r>
-            <a:endParaRPr b="0" lang="pt-BR" sz="1800" spc="-1" strike="noStrike">
-              <a:solidFill>
-                <a:srgbClr val="000000"/>
-              </a:solidFill>
-              <a:latin typeface="Arial"/>
-            </a:endParaRPr>
-          </a:p>
-          <a:p>
-            <a:pPr lvl="1" marL="432000" indent="-216000" algn="just">
+              <a:t>Experimente diferentes parâmetros (</a:t>
+            </a:r>
+            <a:r>
+              <a:rPr lang="pt-BR" sz="1800" b="0" strike="noStrike" spc="-1" dirty="0" err="1">
+                <a:solidFill>
+                  <a:srgbClr val="01498E"/>
+                </a:solidFill>
+                <a:latin typeface="Arial"/>
+                <a:ea typeface="Calibri"/>
+              </a:rPr>
+              <a:t>temperature</a:t>
+            </a:r>
+            <a:r>
+              <a:rPr lang="pt-BR" sz="1800" b="0" strike="noStrike" spc="-1" dirty="0">
+                <a:solidFill>
+                  <a:srgbClr val="01498E"/>
+                </a:solidFill>
+                <a:latin typeface="Arial"/>
+                <a:ea typeface="Calibri"/>
+              </a:rPr>
+              <a:t>, </a:t>
+            </a:r>
+            <a:r>
+              <a:rPr lang="pt-BR" sz="1800" b="0" strike="noStrike" spc="-1" dirty="0" err="1">
+                <a:solidFill>
+                  <a:srgbClr val="01498E"/>
+                </a:solidFill>
+                <a:latin typeface="Arial"/>
+                <a:ea typeface="Calibri"/>
+              </a:rPr>
+              <a:t>max_tokens</a:t>
+            </a:r>
+            <a:r>
+              <a:rPr lang="pt-BR" sz="1800" b="0" strike="noStrike" spc="-1" dirty="0">
+                <a:solidFill>
+                  <a:srgbClr val="01498E"/>
+                </a:solidFill>
+                <a:latin typeface="Arial"/>
+                <a:ea typeface="Calibri"/>
+              </a:rPr>
+              <a:t>).</a:t>
+            </a:r>
+            <a:endParaRPr lang="pt-BR" sz="1800" b="0" strike="noStrike" spc="-1" dirty="0">
+              <a:solidFill>
+                <a:srgbClr val="000000"/>
+              </a:solidFill>
+              <a:latin typeface="Arial"/>
+            </a:endParaRPr>
+          </a:p>
+          <a:p>
+            <a:pPr marL="432000" lvl="1" indent="-216000" algn="just">
               <a:lnSpc>
                 <a:spcPct val="115000"/>
               </a:lnSpc>
@@ -6578,24 +8115,44 @@
               <a:buChar char=""/>
             </a:pPr>
             <a:r>
-              <a:rPr b="0" lang="pt-BR" sz="1800" spc="-1" strike="noStrike">
-                <a:solidFill>
-                  <a:srgbClr val="01498e"/>
+              <a:rPr lang="pt-BR" sz="1800" b="0" strike="noStrike" spc="-1" dirty="0">
+                <a:solidFill>
+                  <a:srgbClr val="01498E"/>
                 </a:solidFill>
                 <a:latin typeface="Arial"/>
                 <a:ea typeface="Calibri"/>
               </a:rPr>
-              <a:t>Adicione logging para depurar o fluxo entre agentes.</a:t>
-            </a:r>
-            <a:endParaRPr b="0" lang="pt-BR" sz="1800" spc="-1" strike="noStrike">
-              <a:solidFill>
-                <a:srgbClr val="000000"/>
-              </a:solidFill>
-              <a:latin typeface="Arial"/>
-            </a:endParaRPr>
-          </a:p>
-          <a:p>
-            <a:pPr lvl="1" marL="432000" indent="-216000" algn="just">
+              <a:t>Adicione </a:t>
+            </a:r>
+            <a:r>
+              <a:rPr lang="pt-BR" sz="1800" b="0" strike="noStrike" spc="-1" dirty="0" err="1">
+                <a:solidFill>
+                  <a:srgbClr val="01498E"/>
+                </a:solidFill>
+                <a:latin typeface="Arial"/>
+                <a:ea typeface="Calibri"/>
+              </a:rPr>
+              <a:t>logging</a:t>
+            </a:r>
+            <a:r>
+              <a:rPr lang="pt-BR" sz="1800" b="0" strike="noStrike" spc="-1" dirty="0">
+                <a:solidFill>
+                  <a:srgbClr val="01498E"/>
+                </a:solidFill>
+                <a:latin typeface="Arial"/>
+                <a:ea typeface="Calibri"/>
+              </a:rPr>
+              <a:t> para depurar o fluxo entre agentes.</a:t>
+            </a:r>
+            <a:endParaRPr lang="pt-BR" sz="1800" b="0" strike="noStrike" spc="-1" dirty="0">
+              <a:solidFill>
+                <a:srgbClr val="000000"/>
+              </a:solidFill>
+              <a:latin typeface="Arial"/>
+            </a:endParaRPr>
+          </a:p>
+          <a:p>
+            <a:pPr marL="432000" lvl="1" indent="-216000" algn="just">
               <a:lnSpc>
                 <a:spcPct val="115000"/>
               </a:lnSpc>
@@ -6607,24 +8164,24 @@
               <a:buChar char=""/>
             </a:pPr>
             <a:r>
-              <a:rPr b="0" lang="pt-BR" sz="1800" spc="-1" strike="noStrike">
-                <a:solidFill>
-                  <a:srgbClr val="01498e"/>
+              <a:rPr lang="pt-BR" sz="1800" b="0" strike="noStrike" spc="-1" dirty="0">
+                <a:solidFill>
+                  <a:srgbClr val="01498E"/>
                 </a:solidFill>
                 <a:latin typeface="Arial"/>
                 <a:ea typeface="Calibri"/>
               </a:rPr>
               <a:t>Alguns esboços na pasta Ativ01</a:t>
             </a:r>
-            <a:endParaRPr b="0" lang="pt-BR" sz="1800" spc="-1" strike="noStrike">
-              <a:solidFill>
-                <a:srgbClr val="000000"/>
-              </a:solidFill>
-              <a:latin typeface="Arial"/>
-            </a:endParaRPr>
-          </a:p>
-          <a:p>
-            <a:pPr lvl="1" marL="432000" indent="-216000" algn="just">
+            <a:endParaRPr lang="pt-BR" sz="1800" b="0" strike="noStrike" spc="-1" dirty="0">
+              <a:solidFill>
+                <a:srgbClr val="000000"/>
+              </a:solidFill>
+              <a:latin typeface="Arial"/>
+            </a:endParaRPr>
+          </a:p>
+          <a:p>
+            <a:pPr marL="432000" lvl="1" indent="-216000" algn="just">
               <a:lnSpc>
                 <a:spcPct val="115000"/>
               </a:lnSpc>
@@ -6635,7 +8192,7 @@
               <a:buFont typeface="Wingdings" charset="2"/>
               <a:buChar char=""/>
             </a:pPr>
-            <a:endParaRPr b="0" lang="pt-BR" sz="1800" spc="-1" strike="noStrike">
+            <a:endParaRPr lang="pt-BR" sz="1800" b="0" strike="noStrike" spc="-1" dirty="0">
               <a:solidFill>
                 <a:srgbClr val="000000"/>
               </a:solidFill>
@@ -6648,7 +8205,7 @@
                 <a:spcPct val="115000"/>
               </a:lnSpc>
             </a:pPr>
-            <a:endParaRPr b="0" lang="pt-BR" sz="1800" spc="-1" strike="noStrike">
+            <a:endParaRPr lang="pt-BR" sz="1800" b="0" strike="noStrike" spc="-1" dirty="0">
               <a:solidFill>
                 <a:srgbClr val="000000"/>
               </a:solidFill>
@@ -6661,7 +8218,7 @@
                 <a:spcPct val="115000"/>
               </a:lnSpc>
             </a:pPr>
-            <a:endParaRPr b="0" lang="pt-BR" sz="1800" spc="-1" strike="noStrike">
+            <a:endParaRPr lang="pt-BR" sz="1800" b="0" strike="noStrike" spc="-1" dirty="0">
               <a:solidFill>
                 <a:srgbClr val="000000"/>
               </a:solidFill>
@@ -6674,7 +8231,7 @@
                 <a:spcPct val="115000"/>
               </a:lnSpc>
             </a:pPr>
-            <a:endParaRPr b="0" lang="pt-BR" sz="1800" spc="-1" strike="noStrike">
+            <a:endParaRPr lang="pt-BR" sz="1800" b="0" strike="noStrike" spc="-1" dirty="0">
               <a:solidFill>
                 <a:srgbClr val="000000"/>
               </a:solidFill>
@@ -6687,7 +8244,7 @@
                 <a:spcPct val="115000"/>
               </a:lnSpc>
             </a:pPr>
-            <a:endParaRPr b="0" lang="pt-BR" sz="1800" spc="-1" strike="noStrike">
+            <a:endParaRPr lang="pt-BR" sz="1800" b="0" strike="noStrike" spc="-1" dirty="0">
               <a:solidFill>
                 <a:srgbClr val="000000"/>
               </a:solidFill>
@@ -6700,7 +8257,7 @@
                 <a:spcPct val="115000"/>
               </a:lnSpc>
             </a:pPr>
-            <a:endParaRPr b="0" lang="pt-BR" sz="1800" spc="-1" strike="noStrike">
+            <a:endParaRPr lang="pt-BR" sz="1800" b="0" strike="noStrike" spc="-1" dirty="0">
               <a:solidFill>
                 <a:srgbClr val="000000"/>
               </a:solidFill>
@@ -6713,7 +8270,7 @@
                 <a:spcPct val="115000"/>
               </a:lnSpc>
             </a:pPr>
-            <a:endParaRPr b="0" lang="pt-BR" sz="1800" spc="-1" strike="noStrike">
+            <a:endParaRPr lang="pt-BR" sz="1800" b="0" strike="noStrike" spc="-1" dirty="0">
               <a:solidFill>
                 <a:srgbClr val="000000"/>
               </a:solidFill>
@@ -6726,18 +8283,24 @@
                 <a:spcPct val="115000"/>
               </a:lnSpc>
             </a:pPr>
-            <a:endParaRPr b="0" lang="pt-BR" sz="1800" spc="-1" strike="noStrike">
-              <a:solidFill>
-                <a:srgbClr val="000000"/>
-              </a:solidFill>
-              <a:latin typeface="Arial"/>
-            </a:endParaRPr>
-          </a:p>
-        </p:txBody>
-      </p:sp>
-      <p:sp>
-        <p:nvSpPr>
-          <p:cNvPr id="94" name="Título 3"/>
+            <a:endParaRPr lang="pt-BR" sz="1800" b="0" strike="noStrike" spc="-1" dirty="0">
+              <a:solidFill>
+                <a:srgbClr val="000000"/>
+              </a:solidFill>
+              <a:latin typeface="Arial"/>
+            </a:endParaRPr>
+          </a:p>
+        </p:txBody>
+      </p:sp>
+      <p:sp>
+        <p:nvSpPr>
+          <p:cNvPr id="94" name="Título 3">
+            <a:extLst>
+              <a:ext uri="{FF2B5EF4-FFF2-40B4-BE49-F238E27FC236}">
+                <a16:creationId xmlns:a16="http://schemas.microsoft.com/office/drawing/2014/main" id="{5E2F850E-5172-793A-0301-5829B35D10F2}"/>
+              </a:ext>
+            </a:extLst>
+          </p:cNvPr>
           <p:cNvSpPr/>
           <p:nvPr/>
         </p:nvSpPr>
@@ -6755,15 +8318,22 @@
           </a:ln>
         </p:spPr>
         <p:style>
-          <a:lnRef idx="0"/>
-          <a:fillRef idx="0"/>
-          <a:effectRef idx="0"/>
+          <a:lnRef idx="0">
+            <a:scrgbClr r="0" g="0" b="0"/>
+          </a:lnRef>
+          <a:fillRef idx="0">
+            <a:scrgbClr r="0" g="0" b="0"/>
+          </a:fillRef>
+          <a:effectRef idx="0">
+            <a:scrgbClr r="0" g="0" b="0"/>
+          </a:effectRef>
           <a:fontRef idx="minor"/>
         </p:style>
         <p:txBody>
-          <a:bodyPr lIns="90000" rIns="90000" tIns="91440" bIns="91440" anchor="t">
+          <a:bodyPr lIns="90000" tIns="91440" rIns="90000" bIns="91440" anchor="t">
             <a:noAutofit/>
           </a:bodyPr>
+          <a:lstStyle/>
           <a:p>
             <a:pPr>
               <a:lnSpc>
@@ -6771,27 +8341,43 @@
               </a:lnSpc>
             </a:pPr>
             <a:r>
-              <a:rPr b="1" lang="pt-BR" sz="5400" spc="-1" strike="noStrike">
+              <a:rPr lang="pt-BR" sz="5400" b="1" strike="noStrike" spc="-1" dirty="0">
                 <a:solidFill>
                   <a:srgbClr val="002060"/>
                 </a:solidFill>
                 <a:latin typeface="Overpass"/>
                 <a:ea typeface="Overpass"/>
               </a:rPr>
-              <a:t>Local LLM + Py</a:t>
-            </a:r>
-            <a:endParaRPr b="0" lang="pt-BR" sz="5400" spc="-1" strike="noStrike">
-              <a:solidFill>
-                <a:srgbClr val="000000"/>
-              </a:solidFill>
-              <a:latin typeface="Arial"/>
-            </a:endParaRPr>
-          </a:p>
-        </p:txBody>
-      </p:sp>
-      <p:sp>
-        <p:nvSpPr>
-          <p:cNvPr id="95" name="CaixaDeTexto 7"/>
+              <a:t>Local LLM + </a:t>
+            </a:r>
+            <a:r>
+              <a:rPr lang="pt-BR" sz="5400" b="1" strike="noStrike" spc="-1" dirty="0" err="1">
+                <a:solidFill>
+                  <a:srgbClr val="002060"/>
+                </a:solidFill>
+                <a:latin typeface="Overpass"/>
+                <a:ea typeface="Overpass"/>
+              </a:rPr>
+              <a:t>Py</a:t>
+            </a:r>
+            <a:endParaRPr lang="pt-BR" sz="5400" b="0" strike="noStrike" spc="-1" dirty="0">
+              <a:solidFill>
+                <a:srgbClr val="000000"/>
+              </a:solidFill>
+              <a:latin typeface="Arial"/>
+            </a:endParaRPr>
+          </a:p>
+        </p:txBody>
+      </p:sp>
+      <p:sp>
+        <p:nvSpPr>
+          <p:cNvPr id="95" name="CaixaDeTexto 7">
+            <a:extLst>
+              <a:ext uri="{FF2B5EF4-FFF2-40B4-BE49-F238E27FC236}">
+                <a16:creationId xmlns:a16="http://schemas.microsoft.com/office/drawing/2014/main" id="{1D1CEFF4-3D64-5E99-AAA4-9FDB6684476D}"/>
+              </a:ext>
+            </a:extLst>
+          </p:cNvPr>
           <p:cNvSpPr/>
           <p:nvPr/>
         </p:nvSpPr>
@@ -6809,17 +8395,24 @@
           </a:ln>
         </p:spPr>
         <p:style>
-          <a:lnRef idx="0"/>
-          <a:fillRef idx="0"/>
-          <a:effectRef idx="0"/>
+          <a:lnRef idx="0">
+            <a:scrgbClr r="0" g="0" b="0"/>
+          </a:lnRef>
+          <a:fillRef idx="0">
+            <a:scrgbClr r="0" g="0" b="0"/>
+          </a:fillRef>
+          <a:effectRef idx="0">
+            <a:scrgbClr r="0" g="0" b="0"/>
+          </a:effectRef>
           <a:fontRef idx="minor"/>
         </p:style>
         <p:txBody>
-          <a:bodyPr lIns="90000" rIns="90000" tIns="45000" bIns="45000" anchor="t">
+          <a:bodyPr lIns="90000" tIns="45000" rIns="90000" bIns="45000" anchor="t">
             <a:spAutoFit/>
           </a:bodyPr>
-          <a:p>
-            <a:endParaRPr b="0" lang="pt-BR" sz="1800" spc="-1" strike="noStrike">
+          <a:lstStyle/>
+          <a:p>
+            <a:endParaRPr lang="pt-BR" sz="1800" b="0" strike="noStrike" spc="-1">
               <a:solidFill>
                 <a:srgbClr val="000000"/>
               </a:solidFill>
@@ -6830,20 +8423,476 @@
         </p:txBody>
       </p:sp>
     </p:spTree>
+    <p:extLst>
+      <p:ext uri="{BB962C8B-B14F-4D97-AF65-F5344CB8AC3E}">
+        <p14:creationId xmlns:p14="http://schemas.microsoft.com/office/powerpoint/2010/main" val="2003998927"/>
+      </p:ext>
+    </p:extLst>
   </p:cSld>
-  <mc:AlternateContent>
-    <mc:Choice Requires="p14">
-      <p:transition spd="slow" p14:dur="2000"/>
-    </mc:Choice>
-    <mc:Fallback>
-      <p:transition spd="slow"/>
-    </mc:Fallback>
-  </mc:AlternateContent>
+  <p:clrMapOvr>
+    <a:masterClrMapping/>
+  </p:clrMapOvr>
 </p:sld>
 </file>
 
-<file path=ppt/slides/slide3.xml><?xml version="1.0" encoding="utf-8"?>
-<p:sld xmlns:a="http://schemas.openxmlformats.org/drawingml/2006/main" xmlns:p="http://schemas.openxmlformats.org/presentationml/2006/main" xmlns:r="http://schemas.openxmlformats.org/officeDocument/2006/relationships" xmlns:p14="http://schemas.microsoft.com/office/powerpoint/2010/main" xmlns:p15="http://schemas.microsoft.com/office/powerpoint/2012/main" xmlns:mc="http://schemas.openxmlformats.org/markup-compatibility/2006">
+<file path=ppt/slides/slide4.xml><?xml version="1.0" encoding="utf-8"?>
+<p:sld xmlns:a="http://schemas.openxmlformats.org/drawingml/2006/main" xmlns:r="http://schemas.openxmlformats.org/officeDocument/2006/relationships" xmlns:p="http://schemas.openxmlformats.org/presentationml/2006/main">
+  <p:cSld>
+    <p:spTree>
+      <p:nvGrpSpPr>
+        <p:cNvPr id="1" name="">
+          <a:extLst>
+            <a:ext uri="{FF2B5EF4-FFF2-40B4-BE49-F238E27FC236}">
+              <a16:creationId xmlns:a16="http://schemas.microsoft.com/office/drawing/2014/main" id="{4E2525F8-1B33-7241-8CDF-649EAF09DB1A}"/>
+            </a:ext>
+          </a:extLst>
+        </p:cNvPr>
+        <p:cNvGrpSpPr/>
+        <p:nvPr/>
+      </p:nvGrpSpPr>
+      <p:grpSpPr>
+        <a:xfrm>
+          <a:off x="0" y="0"/>
+          <a:ext cx="0" cy="0"/>
+          <a:chOff x="0" y="0"/>
+          <a:chExt cx="0" cy="0"/>
+        </a:xfrm>
+      </p:grpSpPr>
+      <p:pic>
+        <p:nvPicPr>
+          <p:cNvPr id="92" name="Imagem 3">
+            <a:extLst>
+              <a:ext uri="{FF2B5EF4-FFF2-40B4-BE49-F238E27FC236}">
+                <a16:creationId xmlns:a16="http://schemas.microsoft.com/office/drawing/2014/main" id="{B810F636-6465-6B3A-42B0-9BC8DF781590}"/>
+              </a:ext>
+            </a:extLst>
+          </p:cNvPr>
+          <p:cNvPicPr/>
+          <p:nvPr/>
+        </p:nvPicPr>
+        <p:blipFill>
+          <a:blip r:embed="rId2"/>
+          <a:stretch/>
+        </p:blipFill>
+        <p:spPr>
+          <a:xfrm rot="5400000">
+            <a:off x="7670160" y="800640"/>
+            <a:ext cx="2970720" cy="3194640"/>
+          </a:xfrm>
+          <a:prstGeom prst="rect">
+            <a:avLst/>
+          </a:prstGeom>
+          <a:ln w="0">
+            <a:noFill/>
+          </a:ln>
+        </p:spPr>
+      </p:pic>
+      <p:sp>
+        <p:nvSpPr>
+          <p:cNvPr id="93" name="CaixaDeTexto 6">
+            <a:extLst>
+              <a:ext uri="{FF2B5EF4-FFF2-40B4-BE49-F238E27FC236}">
+                <a16:creationId xmlns:a16="http://schemas.microsoft.com/office/drawing/2014/main" id="{CCC9E39A-E378-17BB-6CB3-318AEFFA2AD8}"/>
+              </a:ext>
+            </a:extLst>
+          </p:cNvPr>
+          <p:cNvSpPr/>
+          <p:nvPr/>
+        </p:nvSpPr>
+        <p:spPr>
+          <a:xfrm>
+            <a:off x="180000" y="1080000"/>
+            <a:ext cx="7378200" cy="3567856"/>
+          </a:xfrm>
+          <a:prstGeom prst="rect">
+            <a:avLst/>
+          </a:prstGeom>
+          <a:noFill/>
+          <a:ln w="0">
+            <a:noFill/>
+          </a:ln>
+        </p:spPr>
+        <p:style>
+          <a:lnRef idx="0">
+            <a:scrgbClr r="0" g="0" b="0"/>
+          </a:lnRef>
+          <a:fillRef idx="0">
+            <a:scrgbClr r="0" g="0" b="0"/>
+          </a:fillRef>
+          <a:effectRef idx="0">
+            <a:scrgbClr r="0" g="0" b="0"/>
+          </a:effectRef>
+          <a:fontRef idx="minor"/>
+        </p:style>
+        <p:txBody>
+          <a:bodyPr wrap="square" lIns="90000" tIns="45000" rIns="90000" bIns="45000" anchor="t">
+            <a:spAutoFit/>
+          </a:bodyPr>
+          <a:lstStyle/>
+          <a:p>
+            <a:pPr marL="216000" indent="-216000" algn="just">
+              <a:lnSpc>
+                <a:spcPct val="115000"/>
+              </a:lnSpc>
+              <a:buClr>
+                <a:srgbClr val="000000"/>
+              </a:buClr>
+              <a:buFont typeface="Arial"/>
+              <a:buChar char="●"/>
+            </a:pPr>
+            <a:r>
+              <a:rPr lang="pt-BR" sz="1800" b="0" strike="noStrike" spc="-1" dirty="0">
+                <a:solidFill>
+                  <a:srgbClr val="01498E"/>
+                </a:solidFill>
+                <a:latin typeface="Arial"/>
+                <a:ea typeface="Calibri"/>
+              </a:rPr>
+              <a:t>Utilizar </a:t>
+            </a:r>
+            <a:r>
+              <a:rPr lang="pt-BR" sz="1800" b="0" strike="noStrike" spc="-1" dirty="0" err="1">
+                <a:solidFill>
+                  <a:srgbClr val="01498E"/>
+                </a:solidFill>
+                <a:latin typeface="Arial"/>
+                <a:ea typeface="Calibri"/>
+              </a:rPr>
+              <a:t>fill</a:t>
+            </a:r>
+            <a:r>
+              <a:rPr lang="pt-BR" sz="1800" b="0" strike="noStrike" spc="-1" dirty="0">
+                <a:solidFill>
+                  <a:srgbClr val="01498E"/>
+                </a:solidFill>
+                <a:latin typeface="Arial"/>
+                <a:ea typeface="Calibri"/>
+              </a:rPr>
+              <a:t>-</a:t>
+            </a:r>
+            <a:r>
+              <a:rPr lang="pt-BR" sz="1800" b="0" strike="noStrike" spc="-1" dirty="0" err="1">
+                <a:solidFill>
+                  <a:srgbClr val="01498E"/>
+                </a:solidFill>
+                <a:latin typeface="Arial"/>
+                <a:ea typeface="Calibri"/>
+              </a:rPr>
+              <a:t>in</a:t>
+            </a:r>
+            <a:r>
+              <a:rPr lang="pt-BR" spc="-1" dirty="0" err="1">
+                <a:solidFill>
+                  <a:srgbClr val="01498E"/>
+                </a:solidFill>
+                <a:latin typeface="Arial"/>
+                <a:ea typeface="Calibri"/>
+              </a:rPr>
+              <a:t>-middle</a:t>
+            </a:r>
+            <a:endParaRPr lang="pt-BR" spc="-1" dirty="0">
+              <a:solidFill>
+                <a:srgbClr val="01498E"/>
+              </a:solidFill>
+              <a:latin typeface="Arial"/>
+              <a:ea typeface="Calibri"/>
+            </a:endParaRPr>
+          </a:p>
+          <a:p>
+            <a:pPr marL="673200" lvl="1" indent="-216000" algn="just">
+              <a:lnSpc>
+                <a:spcPct val="115000"/>
+              </a:lnSpc>
+              <a:buClr>
+                <a:srgbClr val="000000"/>
+              </a:buClr>
+              <a:buFont typeface="Arial"/>
+              <a:buChar char="●"/>
+            </a:pPr>
+            <a:r>
+              <a:rPr lang="pt-BR" b="0" strike="noStrike" spc="-1" dirty="0">
+                <a:solidFill>
+                  <a:srgbClr val="01498E"/>
+                </a:solidFill>
+                <a:latin typeface="Arial"/>
+                <a:ea typeface="Calibri"/>
+              </a:rPr>
+              <a:t>Usando a extensão</a:t>
+            </a:r>
+            <a:r>
+              <a:rPr lang="pt-BR" spc="-1" dirty="0">
+                <a:solidFill>
+                  <a:srgbClr val="01498E"/>
+                </a:solidFill>
+                <a:latin typeface="Arial"/>
+                <a:ea typeface="Calibri"/>
+              </a:rPr>
+              <a:t> Continue é possível configurar uma LLM para auto preencher do  VS CODE (modelo precisa suportar)</a:t>
+            </a:r>
+            <a:endParaRPr lang="pt-BR" b="0" strike="noStrike" spc="-1" dirty="0">
+              <a:solidFill>
+                <a:srgbClr val="000000"/>
+              </a:solidFill>
+              <a:latin typeface="Arial"/>
+            </a:endParaRPr>
+          </a:p>
+          <a:p>
+            <a:pPr marL="432000" lvl="1" indent="-216000" algn="just">
+              <a:lnSpc>
+                <a:spcPct val="115000"/>
+              </a:lnSpc>
+              <a:buClr>
+                <a:srgbClr val="000000"/>
+              </a:buClr>
+              <a:buSzPct val="45000"/>
+              <a:buFont typeface="Wingdings" charset="2"/>
+              <a:buChar char=""/>
+            </a:pPr>
+            <a:endParaRPr lang="pt-BR" sz="1800" b="0" strike="noStrike" spc="-1" dirty="0">
+              <a:solidFill>
+                <a:srgbClr val="000000"/>
+              </a:solidFill>
+              <a:latin typeface="Arial"/>
+            </a:endParaRPr>
+          </a:p>
+          <a:p>
+            <a:pPr algn="just">
+              <a:lnSpc>
+                <a:spcPct val="115000"/>
+              </a:lnSpc>
+            </a:pPr>
+            <a:endParaRPr lang="pt-BR" sz="1800" b="0" strike="noStrike" spc="-1" dirty="0">
+              <a:solidFill>
+                <a:srgbClr val="000000"/>
+              </a:solidFill>
+              <a:latin typeface="Arial"/>
+            </a:endParaRPr>
+          </a:p>
+          <a:p>
+            <a:pPr algn="just">
+              <a:lnSpc>
+                <a:spcPct val="115000"/>
+              </a:lnSpc>
+            </a:pPr>
+            <a:endParaRPr lang="pt-BR" sz="1800" b="0" u="sng" strike="noStrike" spc="-1" dirty="0">
+              <a:solidFill>
+                <a:srgbClr val="000000"/>
+              </a:solidFill>
+              <a:latin typeface="Arial"/>
+            </a:endParaRPr>
+          </a:p>
+          <a:p>
+            <a:pPr algn="just">
+              <a:lnSpc>
+                <a:spcPct val="115000"/>
+              </a:lnSpc>
+            </a:pPr>
+            <a:endParaRPr lang="pt-BR" sz="1800" b="0" strike="noStrike" spc="-1" dirty="0">
+              <a:solidFill>
+                <a:srgbClr val="000000"/>
+              </a:solidFill>
+              <a:latin typeface="Arial"/>
+            </a:endParaRPr>
+          </a:p>
+          <a:p>
+            <a:pPr algn="just">
+              <a:lnSpc>
+                <a:spcPct val="115000"/>
+              </a:lnSpc>
+            </a:pPr>
+            <a:endParaRPr lang="pt-BR" sz="1800" b="0" strike="noStrike" spc="-1" dirty="0">
+              <a:solidFill>
+                <a:srgbClr val="000000"/>
+              </a:solidFill>
+              <a:latin typeface="Arial"/>
+            </a:endParaRPr>
+          </a:p>
+          <a:p>
+            <a:pPr algn="just">
+              <a:lnSpc>
+                <a:spcPct val="115000"/>
+              </a:lnSpc>
+            </a:pPr>
+            <a:endParaRPr lang="pt-BR" sz="1800" b="0" strike="noStrike" spc="-1" dirty="0">
+              <a:solidFill>
+                <a:srgbClr val="000000"/>
+              </a:solidFill>
+              <a:latin typeface="Arial"/>
+            </a:endParaRPr>
+          </a:p>
+          <a:p>
+            <a:pPr marL="216000" algn="just">
+              <a:lnSpc>
+                <a:spcPct val="115000"/>
+              </a:lnSpc>
+            </a:pPr>
+            <a:endParaRPr lang="pt-BR" sz="1800" b="0" strike="noStrike" spc="-1" dirty="0">
+              <a:solidFill>
+                <a:srgbClr val="000000"/>
+              </a:solidFill>
+              <a:latin typeface="Arial"/>
+            </a:endParaRPr>
+          </a:p>
+          <a:p>
+            <a:pPr marL="216000" algn="just">
+              <a:lnSpc>
+                <a:spcPct val="115000"/>
+              </a:lnSpc>
+            </a:pPr>
+            <a:endParaRPr lang="pt-BR" sz="1800" b="0" strike="noStrike" spc="-1" dirty="0">
+              <a:solidFill>
+                <a:srgbClr val="000000"/>
+              </a:solidFill>
+              <a:latin typeface="Arial"/>
+            </a:endParaRPr>
+          </a:p>
+        </p:txBody>
+      </p:sp>
+      <p:sp>
+        <p:nvSpPr>
+          <p:cNvPr id="94" name="Título 3">
+            <a:extLst>
+              <a:ext uri="{FF2B5EF4-FFF2-40B4-BE49-F238E27FC236}">
+                <a16:creationId xmlns:a16="http://schemas.microsoft.com/office/drawing/2014/main" id="{97A6089C-2D21-5F46-5D3C-8D047D0F5C2C}"/>
+              </a:ext>
+            </a:extLst>
+          </p:cNvPr>
+          <p:cNvSpPr/>
+          <p:nvPr/>
+        </p:nvSpPr>
+        <p:spPr>
+          <a:xfrm>
+            <a:off x="291960" y="32040"/>
+            <a:ext cx="7448040" cy="896760"/>
+          </a:xfrm>
+          <a:prstGeom prst="rect">
+            <a:avLst/>
+          </a:prstGeom>
+          <a:noFill/>
+          <a:ln w="0">
+            <a:noFill/>
+          </a:ln>
+        </p:spPr>
+        <p:style>
+          <a:lnRef idx="0">
+            <a:scrgbClr r="0" g="0" b="0"/>
+          </a:lnRef>
+          <a:fillRef idx="0">
+            <a:scrgbClr r="0" g="0" b="0"/>
+          </a:fillRef>
+          <a:effectRef idx="0">
+            <a:scrgbClr r="0" g="0" b="0"/>
+          </a:effectRef>
+          <a:fontRef idx="minor"/>
+        </p:style>
+        <p:txBody>
+          <a:bodyPr lIns="90000" tIns="91440" rIns="90000" bIns="91440" anchor="t">
+            <a:noAutofit/>
+          </a:bodyPr>
+          <a:lstStyle/>
+          <a:p>
+            <a:pPr>
+              <a:lnSpc>
+                <a:spcPct val="100000"/>
+              </a:lnSpc>
+            </a:pPr>
+            <a:r>
+              <a:rPr lang="pt-BR" sz="5400" b="1" strike="noStrike" spc="-1" dirty="0">
+                <a:solidFill>
+                  <a:srgbClr val="002060"/>
+                </a:solidFill>
+                <a:latin typeface="Overpass"/>
+                <a:ea typeface="Overpass"/>
+              </a:rPr>
+              <a:t>Local LLM + </a:t>
+            </a:r>
+            <a:r>
+              <a:rPr lang="pt-BR" sz="5400" b="1" strike="noStrike" spc="-1" dirty="0" err="1">
+                <a:solidFill>
+                  <a:srgbClr val="002060"/>
+                </a:solidFill>
+                <a:latin typeface="Overpass"/>
+                <a:ea typeface="Overpass"/>
+              </a:rPr>
+              <a:t>Py</a:t>
+            </a:r>
+            <a:endParaRPr lang="pt-BR" sz="5400" b="0" strike="noStrike" spc="-1" dirty="0">
+              <a:solidFill>
+                <a:srgbClr val="000000"/>
+              </a:solidFill>
+              <a:latin typeface="Arial"/>
+            </a:endParaRPr>
+          </a:p>
+        </p:txBody>
+      </p:sp>
+      <p:sp>
+        <p:nvSpPr>
+          <p:cNvPr id="95" name="CaixaDeTexto 7">
+            <a:extLst>
+              <a:ext uri="{FF2B5EF4-FFF2-40B4-BE49-F238E27FC236}">
+                <a16:creationId xmlns:a16="http://schemas.microsoft.com/office/drawing/2014/main" id="{E1E5B048-DDFB-610D-1885-61AFAD004231}"/>
+              </a:ext>
+            </a:extLst>
+          </p:cNvPr>
+          <p:cNvSpPr/>
+          <p:nvPr/>
+        </p:nvSpPr>
+        <p:spPr>
+          <a:xfrm>
+            <a:off x="442080" y="4140000"/>
+            <a:ext cx="7849440" cy="364320"/>
+          </a:xfrm>
+          <a:prstGeom prst="rect">
+            <a:avLst/>
+          </a:prstGeom>
+          <a:noFill/>
+          <a:ln w="0">
+            <a:noFill/>
+          </a:ln>
+        </p:spPr>
+        <p:style>
+          <a:lnRef idx="0">
+            <a:scrgbClr r="0" g="0" b="0"/>
+          </a:lnRef>
+          <a:fillRef idx="0">
+            <a:scrgbClr r="0" g="0" b="0"/>
+          </a:fillRef>
+          <a:effectRef idx="0">
+            <a:scrgbClr r="0" g="0" b="0"/>
+          </a:effectRef>
+          <a:fontRef idx="minor"/>
+        </p:style>
+        <p:txBody>
+          <a:bodyPr lIns="90000" tIns="45000" rIns="90000" bIns="45000" anchor="t">
+            <a:spAutoFit/>
+          </a:bodyPr>
+          <a:lstStyle/>
+          <a:p>
+            <a:endParaRPr lang="pt-BR" sz="1800" b="0" strike="noStrike" spc="-1">
+              <a:solidFill>
+                <a:srgbClr val="000000"/>
+              </a:solidFill>
+              <a:latin typeface="Arial"/>
+              <a:ea typeface="DejaVu Sans"/>
+            </a:endParaRPr>
+          </a:p>
+        </p:txBody>
+      </p:sp>
+    </p:spTree>
+    <p:extLst>
+      <p:ext uri="{BB962C8B-B14F-4D97-AF65-F5344CB8AC3E}">
+        <p14:creationId xmlns:p14="http://schemas.microsoft.com/office/powerpoint/2010/main" val="1943117467"/>
+      </p:ext>
+    </p:extLst>
+  </p:cSld>
+  <p:clrMapOvr>
+    <a:masterClrMapping/>
+  </p:clrMapOvr>
+</p:sld>
+</file>
+
+<file path=ppt/slides/slide5.xml><?xml version="1.0" encoding="utf-8"?>
+<p:sld xmlns:a="http://schemas.openxmlformats.org/drawingml/2006/main" xmlns:r="http://schemas.openxmlformats.org/officeDocument/2006/relationships" xmlns:p="http://schemas.openxmlformats.org/presentationml/2006/main">
   <p:cSld>
     <p:spTree>
       <p:nvGrpSpPr>
@@ -6861,12 +8910,12 @@
       </p:grpSpPr>
       <p:pic>
         <p:nvPicPr>
-          <p:cNvPr id="96" name="Imagem 1" descr=""/>
+          <p:cNvPr id="96" name="Imagem 1"/>
           <p:cNvPicPr/>
           <p:nvPr/>
         </p:nvPicPr>
         <p:blipFill>
-          <a:blip r:embed="rId1"/>
+          <a:blip r:embed="rId2"/>
           <a:stretch/>
         </p:blipFill>
         <p:spPr>
@@ -6902,15 +8951,22 @@
           </a:ln>
         </p:spPr>
         <p:style>
-          <a:lnRef idx="0"/>
-          <a:fillRef idx="0"/>
-          <a:effectRef idx="0"/>
+          <a:lnRef idx="0">
+            <a:scrgbClr r="0" g="0" b="0"/>
+          </a:lnRef>
+          <a:fillRef idx="0">
+            <a:scrgbClr r="0" g="0" b="0"/>
+          </a:fillRef>
+          <a:effectRef idx="0">
+            <a:scrgbClr r="0" g="0" b="0"/>
+          </a:effectRef>
           <a:fontRef idx="minor"/>
         </p:style>
         <p:txBody>
-          <a:bodyPr lIns="90000" rIns="90000" tIns="45000" bIns="45000" anchor="t">
+          <a:bodyPr lIns="90000" tIns="45000" rIns="90000" bIns="45000" anchor="t">
             <a:spAutoFit/>
           </a:bodyPr>
+          <a:lstStyle/>
           <a:p>
             <a:pPr marL="216000" indent="-216000" algn="just">
               <a:lnSpc>
@@ -6923,16 +8979,16 @@
               <a:buChar char="●"/>
             </a:pPr>
             <a:r>
-              <a:rPr b="0" lang="pt-BR" sz="1800" spc="-1" strike="noStrike">
-                <a:solidFill>
-                  <a:srgbClr val="01498e"/>
+              <a:rPr lang="pt-BR" sz="1800" b="0" strike="noStrike" spc="-1">
+                <a:solidFill>
+                  <a:srgbClr val="01498E"/>
                 </a:solidFill>
                 <a:latin typeface="Arial"/>
                 <a:ea typeface="Calibri"/>
               </a:rPr>
               <a:t>ReuniON (Juan, Gabriel)</a:t>
             </a:r>
-            <a:endParaRPr b="0" lang="pt-BR" sz="1800" spc="-1" strike="noStrike">
+            <a:endParaRPr lang="pt-BR" sz="1800" b="0" strike="noStrike" spc="-1">
               <a:solidFill>
                 <a:srgbClr val="000000"/>
               </a:solidFill>
@@ -6945,7 +9001,7 @@
                 <a:spcPct val="115000"/>
               </a:lnSpc>
             </a:pPr>
-            <a:endParaRPr b="0" lang="pt-BR" sz="1800" spc="-1" strike="noStrike">
+            <a:endParaRPr lang="pt-BR" sz="1800" b="0" strike="noStrike" spc="-1">
               <a:solidFill>
                 <a:srgbClr val="000000"/>
               </a:solidFill>
@@ -6964,24 +9020,24 @@
               <a:buChar char="●"/>
             </a:pPr>
             <a:r>
-              <a:rPr b="0" lang="pt-BR" sz="1800" spc="-1" strike="noStrike">
-                <a:solidFill>
-                  <a:srgbClr val="01498e"/>
+              <a:rPr lang="pt-BR" sz="1800" b="0" strike="noStrike" spc="-1">
+                <a:solidFill>
+                  <a:srgbClr val="01498E"/>
                 </a:solidFill>
                 <a:latin typeface="Arial"/>
                 <a:ea typeface="Calibri"/>
               </a:rPr>
               <a:t>App.py</a:t>
             </a:r>
-            <a:endParaRPr b="0" lang="pt-BR" sz="1800" spc="-1" strike="noStrike">
-              <a:solidFill>
-                <a:srgbClr val="000000"/>
-              </a:solidFill>
-              <a:latin typeface="Arial"/>
-            </a:endParaRPr>
-          </a:p>
-          <a:p>
-            <a:pPr lvl="1" marL="432000" indent="-216000" algn="just">
+            <a:endParaRPr lang="pt-BR" sz="1800" b="0" strike="noStrike" spc="-1">
+              <a:solidFill>
+                <a:srgbClr val="000000"/>
+              </a:solidFill>
+              <a:latin typeface="Arial"/>
+            </a:endParaRPr>
+          </a:p>
+          <a:p>
+            <a:pPr marL="432000" lvl="1" indent="-216000" algn="just">
               <a:lnSpc>
                 <a:spcPct val="115000"/>
               </a:lnSpc>
@@ -6993,24 +9049,24 @@
               <a:buChar char=""/>
             </a:pPr>
             <a:r>
-              <a:rPr b="0" lang="pt-BR" sz="1800" spc="-1" strike="noStrike">
-                <a:solidFill>
-                  <a:srgbClr val="01498e"/>
+              <a:rPr lang="pt-BR" sz="1800" b="0" strike="noStrike" spc="-1">
+                <a:solidFill>
+                  <a:srgbClr val="01498E"/>
                 </a:solidFill>
                 <a:latin typeface="Arial"/>
                 <a:ea typeface="Calibri"/>
               </a:rPr>
               <a:t>Explique linha 61</a:t>
             </a:r>
-            <a:endParaRPr b="0" lang="pt-BR" sz="1800" spc="-1" strike="noStrike">
-              <a:solidFill>
-                <a:srgbClr val="000000"/>
-              </a:solidFill>
-              <a:latin typeface="Arial"/>
-            </a:endParaRPr>
-          </a:p>
-          <a:p>
-            <a:pPr lvl="1" marL="432000" indent="-216000" algn="just">
+            <a:endParaRPr lang="pt-BR" sz="1800" b="0" strike="noStrike" spc="-1">
+              <a:solidFill>
+                <a:srgbClr val="000000"/>
+              </a:solidFill>
+              <a:latin typeface="Arial"/>
+            </a:endParaRPr>
+          </a:p>
+          <a:p>
+            <a:pPr marL="432000" lvl="1" indent="-216000" algn="just">
               <a:lnSpc>
                 <a:spcPct val="115000"/>
               </a:lnSpc>
@@ -7022,16 +9078,16 @@
               <a:buChar char=""/>
             </a:pPr>
             <a:r>
-              <a:rPr b="0" lang="pt-BR" sz="1800" spc="-1" strike="noStrike">
-                <a:solidFill>
-                  <a:srgbClr val="01498e"/>
+              <a:rPr lang="pt-BR" sz="1800" b="0" strike="noStrike" spc="-1">
+                <a:solidFill>
+                  <a:srgbClr val="01498E"/>
                 </a:solidFill>
                 <a:latin typeface="Arial"/>
                 <a:ea typeface="Calibri"/>
               </a:rPr>
               <a:t>Explique linha 130,131</a:t>
             </a:r>
-            <a:endParaRPr b="0" lang="pt-BR" sz="1800" spc="-1" strike="noStrike">
+            <a:endParaRPr lang="pt-BR" sz="1800" b="0" strike="noStrike" spc="-1">
               <a:solidFill>
                 <a:srgbClr val="000000"/>
               </a:solidFill>
@@ -7044,7 +9100,7 @@
                 <a:spcPct val="115000"/>
               </a:lnSpc>
             </a:pPr>
-            <a:endParaRPr b="0" lang="pt-BR" sz="1800" spc="-1" strike="noStrike">
+            <a:endParaRPr lang="pt-BR" sz="1800" b="0" strike="noStrike" spc="-1">
               <a:solidFill>
                 <a:srgbClr val="000000"/>
               </a:solidFill>
@@ -7057,7 +9113,7 @@
                 <a:spcPct val="115000"/>
               </a:lnSpc>
             </a:pPr>
-            <a:endParaRPr b="0" lang="pt-BR" sz="1800" spc="-1" strike="noStrike">
+            <a:endParaRPr lang="pt-BR" sz="1800" b="0" strike="noStrike" spc="-1">
               <a:solidFill>
                 <a:srgbClr val="000000"/>
               </a:solidFill>
@@ -7070,7 +9126,7 @@
                 <a:spcPct val="115000"/>
               </a:lnSpc>
             </a:pPr>
-            <a:endParaRPr b="0" lang="pt-BR" sz="1800" spc="-1" strike="noStrike">
+            <a:endParaRPr lang="pt-BR" sz="1800" b="0" strike="noStrike" spc="-1">
               <a:solidFill>
                 <a:srgbClr val="000000"/>
               </a:solidFill>
@@ -7083,7 +9139,7 @@
                 <a:spcPct val="115000"/>
               </a:lnSpc>
             </a:pPr>
-            <a:endParaRPr b="0" lang="pt-BR" sz="1800" spc="-1" strike="noStrike">
+            <a:endParaRPr lang="pt-BR" sz="1800" b="0" strike="noStrike" spc="-1">
               <a:solidFill>
                 <a:srgbClr val="000000"/>
               </a:solidFill>
@@ -7096,7 +9152,7 @@
                 <a:spcPct val="115000"/>
               </a:lnSpc>
             </a:pPr>
-            <a:endParaRPr b="0" lang="pt-BR" sz="1800" spc="-1" strike="noStrike">
+            <a:endParaRPr lang="pt-BR" sz="1800" b="0" strike="noStrike" spc="-1">
               <a:solidFill>
                 <a:srgbClr val="000000"/>
               </a:solidFill>
@@ -7109,7 +9165,7 @@
                 <a:spcPct val="115000"/>
               </a:lnSpc>
             </a:pPr>
-            <a:endParaRPr b="0" lang="pt-BR" sz="1800" spc="-1" strike="noStrike">
+            <a:endParaRPr lang="pt-BR" sz="1800" b="0" strike="noStrike" spc="-1">
               <a:solidFill>
                 <a:srgbClr val="000000"/>
               </a:solidFill>
@@ -7122,7 +9178,7 @@
                 <a:spcPct val="115000"/>
               </a:lnSpc>
             </a:pPr>
-            <a:endParaRPr b="0" lang="pt-BR" sz="1800" spc="-1" strike="noStrike">
+            <a:endParaRPr lang="pt-BR" sz="1800" b="0" strike="noStrike" spc="-1">
               <a:solidFill>
                 <a:srgbClr val="000000"/>
               </a:solidFill>
@@ -7151,15 +9207,22 @@
           </a:ln>
         </p:spPr>
         <p:style>
-          <a:lnRef idx="0"/>
-          <a:fillRef idx="0"/>
-          <a:effectRef idx="0"/>
+          <a:lnRef idx="0">
+            <a:scrgbClr r="0" g="0" b="0"/>
+          </a:lnRef>
+          <a:fillRef idx="0">
+            <a:scrgbClr r="0" g="0" b="0"/>
+          </a:fillRef>
+          <a:effectRef idx="0">
+            <a:scrgbClr r="0" g="0" b="0"/>
+          </a:effectRef>
           <a:fontRef idx="minor"/>
         </p:style>
         <p:txBody>
-          <a:bodyPr lIns="90000" rIns="90000" tIns="91440" bIns="91440" anchor="t">
+          <a:bodyPr lIns="90000" tIns="91440" rIns="90000" bIns="91440" anchor="t">
             <a:noAutofit/>
           </a:bodyPr>
+          <a:lstStyle/>
           <a:p>
             <a:pPr>
               <a:lnSpc>
@@ -7167,7 +9230,7 @@
               </a:lnSpc>
             </a:pPr>
             <a:r>
-              <a:rPr b="1" lang="pt-BR" sz="5400" spc="-1" strike="noStrike">
+              <a:rPr lang="pt-BR" sz="5400" b="1" strike="noStrike" spc="-1">
                 <a:solidFill>
                   <a:srgbClr val="002060"/>
                 </a:solidFill>
@@ -7176,7 +9239,7 @@
               </a:rPr>
               <a:t>Perguntas</a:t>
             </a:r>
-            <a:endParaRPr b="0" lang="pt-BR" sz="5400" spc="-1" strike="noStrike">
+            <a:endParaRPr lang="pt-BR" sz="5400" b="0" strike="noStrike" spc="-1">
               <a:solidFill>
                 <a:srgbClr val="000000"/>
               </a:solidFill>
@@ -7205,17 +9268,24 @@
           </a:ln>
         </p:spPr>
         <p:style>
-          <a:lnRef idx="0"/>
-          <a:fillRef idx="0"/>
-          <a:effectRef idx="0"/>
+          <a:lnRef idx="0">
+            <a:scrgbClr r="0" g="0" b="0"/>
+          </a:lnRef>
+          <a:fillRef idx="0">
+            <a:scrgbClr r="0" g="0" b="0"/>
+          </a:fillRef>
+          <a:effectRef idx="0">
+            <a:scrgbClr r="0" g="0" b="0"/>
+          </a:effectRef>
           <a:fontRef idx="minor"/>
         </p:style>
         <p:txBody>
-          <a:bodyPr lIns="90000" rIns="90000" tIns="45000" bIns="45000" anchor="t">
+          <a:bodyPr lIns="90000" tIns="45000" rIns="90000" bIns="45000" anchor="t">
             <a:spAutoFit/>
           </a:bodyPr>
-          <a:p>
-            <a:endParaRPr b="0" lang="pt-BR" sz="1800" spc="-1" strike="noStrike">
+          <a:lstStyle/>
+          <a:p>
+            <a:endParaRPr lang="pt-BR" sz="1800" b="0" strike="noStrike" spc="-1">
               <a:solidFill>
                 <a:srgbClr val="000000"/>
               </a:solidFill>
@@ -7227,19 +9297,14 @@
       </p:sp>
     </p:spTree>
   </p:cSld>
-  <mc:AlternateContent>
-    <mc:Choice Requires="p14">
-      <p:transition spd="slow" p14:dur="2000"/>
-    </mc:Choice>
-    <mc:Fallback>
-      <p:transition spd="slow"/>
-    </mc:Fallback>
-  </mc:AlternateContent>
+  <p:clrMapOvr>
+    <a:masterClrMapping/>
+  </p:clrMapOvr>
 </p:sld>
 </file>
 
-<file path=ppt/slides/slide4.xml><?xml version="1.0" encoding="utf-8"?>
-<p:sld xmlns:a="http://schemas.openxmlformats.org/drawingml/2006/main" xmlns:p="http://schemas.openxmlformats.org/presentationml/2006/main" xmlns:r="http://schemas.openxmlformats.org/officeDocument/2006/relationships" xmlns:p14="http://schemas.microsoft.com/office/powerpoint/2010/main" xmlns:p15="http://schemas.microsoft.com/office/powerpoint/2012/main" xmlns:mc="http://schemas.openxmlformats.org/markup-compatibility/2006">
+<file path=ppt/slides/slide6.xml><?xml version="1.0" encoding="utf-8"?>
+<p:sld xmlns:a="http://schemas.openxmlformats.org/drawingml/2006/main" xmlns:r="http://schemas.openxmlformats.org/officeDocument/2006/relationships" xmlns:p="http://schemas.openxmlformats.org/presentationml/2006/main">
   <p:cSld>
     <p:spTree>
       <p:nvGrpSpPr>
@@ -7257,12 +9322,12 @@
       </p:grpSpPr>
       <p:pic>
         <p:nvPicPr>
-          <p:cNvPr id="100" name="Imagem 27" descr=""/>
+          <p:cNvPr id="100" name="Imagem 27"/>
           <p:cNvPicPr/>
           <p:nvPr/>
         </p:nvPicPr>
         <p:blipFill>
-          <a:blip r:embed="rId1"/>
+          <a:blip r:embed="rId2"/>
           <a:stretch/>
         </p:blipFill>
         <p:spPr>
@@ -7298,15 +9363,22 @@
           </a:ln>
         </p:spPr>
         <p:style>
-          <a:lnRef idx="0"/>
-          <a:fillRef idx="0"/>
-          <a:effectRef idx="0"/>
+          <a:lnRef idx="0">
+            <a:scrgbClr r="0" g="0" b="0"/>
+          </a:lnRef>
+          <a:fillRef idx="0">
+            <a:scrgbClr r="0" g="0" b="0"/>
+          </a:fillRef>
+          <a:effectRef idx="0">
+            <a:scrgbClr r="0" g="0" b="0"/>
+          </a:effectRef>
           <a:fontRef idx="minor"/>
         </p:style>
         <p:txBody>
-          <a:bodyPr lIns="90000" rIns="90000" tIns="45000" bIns="45000" anchor="t">
+          <a:bodyPr lIns="90000" tIns="45000" rIns="90000" bIns="45000" anchor="t">
             <a:spAutoFit/>
           </a:bodyPr>
+          <a:lstStyle/>
           <a:p>
             <a:pPr marL="216000" indent="-216000" algn="just">
               <a:lnSpc>
@@ -7319,24 +9391,24 @@
               <a:buChar char="●"/>
             </a:pPr>
             <a:r>
-              <a:rPr b="0" lang="pt-BR" sz="1800" spc="-1" strike="noStrike">
-                <a:solidFill>
-                  <a:srgbClr val="01498e"/>
+              <a:rPr lang="pt-BR" sz="1800" b="0" strike="noStrike" spc="-1">
+                <a:solidFill>
+                  <a:srgbClr val="01498E"/>
                 </a:solidFill>
                 <a:latin typeface="Arial"/>
                 <a:ea typeface="Calibri"/>
               </a:rPr>
               <a:t>Continuação do trabalho, grupos:</a:t>
             </a:r>
-            <a:endParaRPr b="0" lang="pt-BR" sz="1800" spc="-1" strike="noStrike">
-              <a:solidFill>
-                <a:srgbClr val="000000"/>
-              </a:solidFill>
-              <a:latin typeface="Arial"/>
-            </a:endParaRPr>
-          </a:p>
-          <a:p>
-            <a:pPr lvl="1" marL="673200" indent="-216000" algn="just">
+            <a:endParaRPr lang="pt-BR" sz="1800" b="0" strike="noStrike" spc="-1">
+              <a:solidFill>
+                <a:srgbClr val="000000"/>
+              </a:solidFill>
+              <a:latin typeface="Arial"/>
+            </a:endParaRPr>
+          </a:p>
+          <a:p>
+            <a:pPr marL="673200" lvl="1" indent="-216000" algn="just">
               <a:lnSpc>
                 <a:spcPct val="115000"/>
               </a:lnSpc>
@@ -7347,24 +9419,24 @@
               <a:buChar char="●"/>
             </a:pPr>
             <a:r>
-              <a:rPr b="0" lang="pt-BR" sz="1800" spc="-1" strike="noStrike">
-                <a:solidFill>
-                  <a:srgbClr val="01498e"/>
+              <a:rPr lang="pt-BR" sz="1800" b="0" strike="noStrike" spc="-1">
+                <a:solidFill>
+                  <a:srgbClr val="01498E"/>
                 </a:solidFill>
                 <a:latin typeface="Arial"/>
                 <a:ea typeface="Calibri"/>
               </a:rPr>
               <a:t>FormMaster (A.Faria, A.Souza, Gustavo, Vagner)</a:t>
             </a:r>
-            <a:endParaRPr b="0" lang="pt-BR" sz="1800" spc="-1" strike="noStrike">
-              <a:solidFill>
-                <a:srgbClr val="000000"/>
-              </a:solidFill>
-              <a:latin typeface="Arial"/>
-            </a:endParaRPr>
-          </a:p>
-          <a:p>
-            <a:pPr lvl="2" marL="1130400" indent="-216000" algn="just">
+            <a:endParaRPr lang="pt-BR" sz="1800" b="0" strike="noStrike" spc="-1">
+              <a:solidFill>
+                <a:srgbClr val="000000"/>
+              </a:solidFill>
+              <a:latin typeface="Arial"/>
+            </a:endParaRPr>
+          </a:p>
+          <a:p>
+            <a:pPr marL="1130400" lvl="2" indent="-216000" algn="just">
               <a:lnSpc>
                 <a:spcPct val="115000"/>
               </a:lnSpc>
@@ -7375,24 +9447,24 @@
               <a:buChar char="●"/>
             </a:pPr>
             <a:r>
-              <a:rPr b="0" lang="pt-BR" sz="1800" spc="-1" strike="noStrike">
-                <a:solidFill>
-                  <a:srgbClr val="01498e"/>
+              <a:rPr lang="pt-BR" sz="1800" b="0" strike="noStrike" spc="-1">
+                <a:solidFill>
+                  <a:srgbClr val="01498E"/>
                 </a:solidFill>
                 <a:latin typeface="Arial"/>
                 <a:ea typeface="Calibri"/>
               </a:rPr>
               <a:t>Demanda RH / Redução retrabalho / Controle / Escalabilidade</a:t>
             </a:r>
-            <a:endParaRPr b="0" lang="pt-BR" sz="1800" spc="-1" strike="noStrike">
-              <a:solidFill>
-                <a:srgbClr val="000000"/>
-              </a:solidFill>
-              <a:latin typeface="Arial"/>
-            </a:endParaRPr>
-          </a:p>
-          <a:p>
-            <a:pPr lvl="1" marL="673200" indent="-216000" algn="just">
+            <a:endParaRPr lang="pt-BR" sz="1800" b="0" strike="noStrike" spc="-1">
+              <a:solidFill>
+                <a:srgbClr val="000000"/>
+              </a:solidFill>
+              <a:latin typeface="Arial"/>
+            </a:endParaRPr>
+          </a:p>
+          <a:p>
+            <a:pPr marL="673200" lvl="1" indent="-216000" algn="just">
               <a:lnSpc>
                 <a:spcPct val="115000"/>
               </a:lnSpc>
@@ -7403,24 +9475,24 @@
               <a:buChar char="●"/>
             </a:pPr>
             <a:r>
-              <a:rPr b="0" lang="pt-BR" sz="1800" spc="-1" strike="noStrike">
-                <a:solidFill>
-                  <a:srgbClr val="01498e"/>
+              <a:rPr lang="pt-BR" sz="1800" b="0" strike="noStrike" spc="-1">
+                <a:solidFill>
+                  <a:srgbClr val="01498E"/>
                 </a:solidFill>
                 <a:latin typeface="Arial"/>
                 <a:ea typeface="Calibri"/>
               </a:rPr>
               <a:t>ReuniON (Juan, Gabriel)</a:t>
             </a:r>
-            <a:endParaRPr b="0" lang="pt-BR" sz="1800" spc="-1" strike="noStrike">
-              <a:solidFill>
-                <a:srgbClr val="000000"/>
-              </a:solidFill>
-              <a:latin typeface="Arial"/>
-            </a:endParaRPr>
-          </a:p>
-          <a:p>
-            <a:pPr lvl="2" marL="1130400" indent="-216000" algn="just">
+            <a:endParaRPr lang="pt-BR" sz="1800" b="0" strike="noStrike" spc="-1">
+              <a:solidFill>
+                <a:srgbClr val="000000"/>
+              </a:solidFill>
+              <a:latin typeface="Arial"/>
+            </a:endParaRPr>
+          </a:p>
+          <a:p>
+            <a:pPr marL="1130400" lvl="2" indent="-216000" algn="just">
               <a:lnSpc>
                 <a:spcPct val="115000"/>
               </a:lnSpc>
@@ -7431,24 +9503,24 @@
               <a:buChar char="●"/>
             </a:pPr>
             <a:r>
-              <a:rPr b="0" lang="pt-BR" sz="1800" spc="-1" strike="noStrike">
-                <a:solidFill>
-                  <a:srgbClr val="01498e"/>
+              <a:rPr lang="pt-BR" sz="1800" b="0" strike="noStrike" spc="-1">
+                <a:solidFill>
+                  <a:srgbClr val="01498E"/>
                 </a:solidFill>
                 <a:latin typeface="Arial"/>
                 <a:ea typeface="Calibri"/>
               </a:rPr>
               <a:t>Reuniões / Eventos / Compromissos / Agenda</a:t>
             </a:r>
-            <a:endParaRPr b="0" lang="pt-BR" sz="1800" spc="-1" strike="noStrike">
-              <a:solidFill>
-                <a:srgbClr val="000000"/>
-              </a:solidFill>
-              <a:latin typeface="Arial"/>
-            </a:endParaRPr>
-          </a:p>
-          <a:p>
-            <a:pPr lvl="1" marL="673200" indent="-216000" algn="just">
+            <a:endParaRPr lang="pt-BR" sz="1800" b="0" strike="noStrike" spc="-1">
+              <a:solidFill>
+                <a:srgbClr val="000000"/>
+              </a:solidFill>
+              <a:latin typeface="Arial"/>
+            </a:endParaRPr>
+          </a:p>
+          <a:p>
+            <a:pPr marL="673200" lvl="1" indent="-216000" algn="just">
               <a:lnSpc>
                 <a:spcPct val="115000"/>
               </a:lnSpc>
@@ -7459,24 +9531,24 @@
               <a:buChar char="●"/>
             </a:pPr>
             <a:r>
-              <a:rPr b="0" lang="pt-BR" sz="1800" spc="-1" strike="noStrike">
-                <a:solidFill>
-                  <a:srgbClr val="01498e"/>
+              <a:rPr lang="pt-BR" sz="1800" b="0" strike="noStrike" spc="-1">
+                <a:solidFill>
+                  <a:srgbClr val="01498E"/>
                 </a:solidFill>
                 <a:latin typeface="Arial"/>
                 <a:ea typeface="Calibri"/>
               </a:rPr>
               <a:t>RPG Center(Victor, Romulo, Alexandre)</a:t>
             </a:r>
-            <a:endParaRPr b="0" lang="pt-BR" sz="1800" spc="-1" strike="noStrike">
-              <a:solidFill>
-                <a:srgbClr val="000000"/>
-              </a:solidFill>
-              <a:latin typeface="Arial"/>
-            </a:endParaRPr>
-          </a:p>
-          <a:p>
-            <a:pPr lvl="2" marL="1130400" indent="-216000" algn="just">
+            <a:endParaRPr lang="pt-BR" sz="1800" b="0" strike="noStrike" spc="-1">
+              <a:solidFill>
+                <a:srgbClr val="000000"/>
+              </a:solidFill>
+              <a:latin typeface="Arial"/>
+            </a:endParaRPr>
+          </a:p>
+          <a:p>
+            <a:pPr marL="1130400" lvl="2" indent="-216000" algn="just">
               <a:lnSpc>
                 <a:spcPct val="115000"/>
               </a:lnSpc>
@@ -7487,16 +9559,16 @@
               <a:buChar char="●"/>
             </a:pPr>
             <a:r>
-              <a:rPr b="0" lang="pt-BR" sz="1800" spc="-1" strike="noStrike">
-                <a:solidFill>
-                  <a:srgbClr val="01498e"/>
+              <a:rPr lang="pt-BR" sz="1800" b="0" strike="noStrike" spc="-1">
+                <a:solidFill>
+                  <a:srgbClr val="01498E"/>
                 </a:solidFill>
                 <a:latin typeface="Arial"/>
                 <a:ea typeface="Calibri"/>
               </a:rPr>
               <a:t>Solução para Jogos de Mesa RPG / Salvamento partida para c. posterior / Simplicidade / Rolar dado</a:t>
             </a:r>
-            <a:endParaRPr b="0" lang="pt-BR" sz="1800" spc="-1" strike="noStrike">
+            <a:endParaRPr lang="pt-BR" sz="1800" b="0" strike="noStrike" spc="-1">
               <a:solidFill>
                 <a:srgbClr val="000000"/>
               </a:solidFill>
@@ -7509,7 +9581,7 @@
                 <a:spcPct val="115000"/>
               </a:lnSpc>
             </a:pPr>
-            <a:endParaRPr b="0" lang="pt-BR" sz="1800" spc="-1" strike="noStrike">
+            <a:endParaRPr lang="pt-BR" sz="1800" b="0" strike="noStrike" spc="-1">
               <a:solidFill>
                 <a:srgbClr val="000000"/>
               </a:solidFill>
@@ -7522,7 +9594,7 @@
                 <a:spcPct val="115000"/>
               </a:lnSpc>
             </a:pPr>
-            <a:endParaRPr b="0" lang="pt-BR" sz="1800" spc="-1" strike="noStrike">
+            <a:endParaRPr lang="pt-BR" sz="1800" b="0" strike="noStrike" spc="-1">
               <a:solidFill>
                 <a:srgbClr val="000000"/>
               </a:solidFill>
@@ -7535,7 +9607,7 @@
                 <a:spcPct val="115000"/>
               </a:lnSpc>
             </a:pPr>
-            <a:endParaRPr b="0" lang="pt-BR" sz="1800" spc="-1" strike="noStrike">
+            <a:endParaRPr lang="pt-BR" sz="1800" b="0" strike="noStrike" spc="-1">
               <a:solidFill>
                 <a:srgbClr val="000000"/>
               </a:solidFill>
@@ -7548,7 +9620,7 @@
                 <a:spcPct val="115000"/>
               </a:lnSpc>
             </a:pPr>
-            <a:endParaRPr b="0" lang="pt-BR" sz="1800" spc="-1" strike="noStrike">
+            <a:endParaRPr lang="pt-BR" sz="1800" b="0" strike="noStrike" spc="-1">
               <a:solidFill>
                 <a:srgbClr val="000000"/>
               </a:solidFill>
@@ -7577,15 +9649,22 @@
           </a:ln>
         </p:spPr>
         <p:style>
-          <a:lnRef idx="0"/>
-          <a:fillRef idx="0"/>
-          <a:effectRef idx="0"/>
+          <a:lnRef idx="0">
+            <a:scrgbClr r="0" g="0" b="0"/>
+          </a:lnRef>
+          <a:fillRef idx="0">
+            <a:scrgbClr r="0" g="0" b="0"/>
+          </a:fillRef>
+          <a:effectRef idx="0">
+            <a:scrgbClr r="0" g="0" b="0"/>
+          </a:effectRef>
           <a:fontRef idx="minor"/>
         </p:style>
         <p:txBody>
-          <a:bodyPr lIns="90000" rIns="90000" tIns="91440" bIns="91440" anchor="t">
+          <a:bodyPr lIns="90000" tIns="91440" rIns="90000" bIns="91440" anchor="t">
             <a:noAutofit/>
           </a:bodyPr>
+          <a:lstStyle/>
           <a:p>
             <a:pPr>
               <a:lnSpc>
@@ -7593,7 +9672,7 @@
               </a:lnSpc>
             </a:pPr>
             <a:r>
-              <a:rPr b="1" lang="pt-BR" sz="5400" spc="-1" strike="noStrike">
+              <a:rPr lang="pt-BR" sz="5400" b="1" strike="noStrike" spc="-1">
                 <a:solidFill>
                   <a:srgbClr val="002060"/>
                 </a:solidFill>
@@ -7602,7 +9681,7 @@
               </a:rPr>
               <a:t>Let’s Work</a:t>
             </a:r>
-            <a:endParaRPr b="0" lang="pt-BR" sz="5400" spc="-1" strike="noStrike">
+            <a:endParaRPr lang="pt-BR" sz="5400" b="0" strike="noStrike" spc="-1">
               <a:solidFill>
                 <a:srgbClr val="000000"/>
               </a:solidFill>
@@ -7631,15 +9710,22 @@
           </a:ln>
         </p:spPr>
         <p:style>
-          <a:lnRef idx="0"/>
-          <a:fillRef idx="0"/>
-          <a:effectRef idx="0"/>
+          <a:lnRef idx="0">
+            <a:scrgbClr r="0" g="0" b="0"/>
+          </a:lnRef>
+          <a:fillRef idx="0">
+            <a:scrgbClr r="0" g="0" b="0"/>
+          </a:fillRef>
+          <a:effectRef idx="0">
+            <a:scrgbClr r="0" g="0" b="0"/>
+          </a:effectRef>
           <a:fontRef idx="minor"/>
         </p:style>
         <p:txBody>
-          <a:bodyPr lIns="90000" rIns="90000" tIns="45000" bIns="45000" anchor="t">
+          <a:bodyPr lIns="90000" tIns="45000" rIns="90000" bIns="45000" anchor="t">
             <a:spAutoFit/>
           </a:bodyPr>
+          <a:lstStyle/>
           <a:p>
             <a:pPr>
               <a:lnSpc>
@@ -7647,16 +9733,16 @@
               </a:lnSpc>
             </a:pPr>
             <a:r>
-              <a:rPr b="0" lang="pt-BR" sz="1800" spc="-1" strike="noStrike">
-                <a:solidFill>
-                  <a:srgbClr val="ff0000"/>
+              <a:rPr lang="pt-BR" sz="1800" b="0" strike="noStrike" spc="-1">
+                <a:solidFill>
+                  <a:srgbClr val="FF0000"/>
                 </a:solidFill>
                 <a:latin typeface="Arial"/>
                 <a:ea typeface="DejaVu Sans"/>
               </a:rPr>
               <a:t>Quem quiser colaborar diretamente no repo da sala, foi liberado commit para todos, atenção para criar um diretório para o grupo e commitar modificações somente na pasta entregas</a:t>
             </a:r>
-            <a:endParaRPr b="0" lang="pt-BR" sz="1800" spc="-1" strike="noStrike">
+            <a:endParaRPr lang="pt-BR" sz="1800" b="0" strike="noStrike" spc="-1">
               <a:solidFill>
                 <a:srgbClr val="000000"/>
               </a:solidFill>
@@ -7667,19 +9753,14 @@
       </p:sp>
     </p:spTree>
   </p:cSld>
-  <mc:AlternateContent>
-    <mc:Choice Requires="p14">
-      <p:transition spd="slow" p14:dur="2000"/>
-    </mc:Choice>
-    <mc:Fallback>
-      <p:transition spd="slow"/>
-    </mc:Fallback>
-  </mc:AlternateContent>
+  <p:clrMapOvr>
+    <a:masterClrMapping/>
+  </p:clrMapOvr>
 </p:sld>
 </file>
 
-<file path=ppt/slides/slide5.xml><?xml version="1.0" encoding="utf-8"?>
-<p:sld xmlns:a="http://schemas.openxmlformats.org/drawingml/2006/main" xmlns:p="http://schemas.openxmlformats.org/presentationml/2006/main" xmlns:r="http://schemas.openxmlformats.org/officeDocument/2006/relationships" xmlns:p14="http://schemas.microsoft.com/office/powerpoint/2010/main" xmlns:p15="http://schemas.microsoft.com/office/powerpoint/2012/main" xmlns:mc="http://schemas.openxmlformats.org/markup-compatibility/2006">
+<file path=ppt/slides/slide7.xml><?xml version="1.0" encoding="utf-8"?>
+<p:sld xmlns:a="http://schemas.openxmlformats.org/drawingml/2006/main" xmlns:r="http://schemas.openxmlformats.org/officeDocument/2006/relationships" xmlns:p="http://schemas.openxmlformats.org/presentationml/2006/main">
   <p:cSld>
     <p:spTree>
       <p:nvGrpSpPr>
@@ -7697,19 +9778,14 @@
       </p:grpSpPr>
     </p:spTree>
   </p:cSld>
-  <mc:AlternateContent>
-    <mc:Choice Requires="p14">
-      <p:transition spd="slow" p14:dur="2000"/>
-    </mc:Choice>
-    <mc:Fallback>
-      <p:transition spd="slow"/>
-    </mc:Fallback>
-  </mc:AlternateContent>
+  <p:clrMapOvr>
+    <a:masterClrMapping/>
+  </p:clrMapOvr>
 </p:sld>
 </file>
 
-<file path=ppt/slides/slide6.xml><?xml version="1.0" encoding="utf-8"?>
-<p:sld xmlns:a="http://schemas.openxmlformats.org/drawingml/2006/main" xmlns:p="http://schemas.openxmlformats.org/presentationml/2006/main" xmlns:r="http://schemas.openxmlformats.org/officeDocument/2006/relationships" xmlns:p14="http://schemas.microsoft.com/office/powerpoint/2010/main" xmlns:p15="http://schemas.microsoft.com/office/powerpoint/2012/main" xmlns:mc="http://schemas.openxmlformats.org/markup-compatibility/2006">
+<file path=ppt/slides/slide8.xml><?xml version="1.0" encoding="utf-8"?>
+<p:sld xmlns:a="http://schemas.openxmlformats.org/drawingml/2006/main" xmlns:r="http://schemas.openxmlformats.org/officeDocument/2006/relationships" xmlns:p="http://schemas.openxmlformats.org/presentationml/2006/main">
   <p:cSld>
     <p:spTree>
       <p:nvGrpSpPr>
@@ -7727,19 +9803,14 @@
       </p:grpSpPr>
     </p:spTree>
   </p:cSld>
-  <mc:AlternateContent>
-    <mc:Choice Requires="p14">
-      <p:transition spd="slow" p14:dur="2000"/>
-    </mc:Choice>
-    <mc:Fallback>
-      <p:transition spd="slow"/>
-    </mc:Fallback>
-  </mc:AlternateContent>
+  <p:clrMapOvr>
+    <a:masterClrMapping/>
+  </p:clrMapOvr>
 </p:sld>
 </file>
 
-<file path=ppt/slides/slide7.xml><?xml version="1.0" encoding="utf-8"?>
-<p:sld xmlns:a="http://schemas.openxmlformats.org/drawingml/2006/main" xmlns:p="http://schemas.openxmlformats.org/presentationml/2006/main" xmlns:r="http://schemas.openxmlformats.org/officeDocument/2006/relationships" xmlns:p14="http://schemas.microsoft.com/office/powerpoint/2010/main" xmlns:p15="http://schemas.microsoft.com/office/powerpoint/2012/main" xmlns:mc="http://schemas.openxmlformats.org/markup-compatibility/2006">
+<file path=ppt/slides/slide9.xml><?xml version="1.0" encoding="utf-8"?>
+<p:sld xmlns:a="http://schemas.openxmlformats.org/drawingml/2006/main" xmlns:r="http://schemas.openxmlformats.org/officeDocument/2006/relationships" xmlns:p="http://schemas.openxmlformats.org/presentationml/2006/main">
   <p:cSld>
     <p:spTree>
       <p:nvGrpSpPr>
@@ -7757,14 +9828,9 @@
       </p:grpSpPr>
     </p:spTree>
   </p:cSld>
-  <mc:AlternateContent>
-    <mc:Choice Requires="p14">
-      <p:transition spd="slow" p14:dur="2000"/>
-    </mc:Choice>
-    <mc:Fallback>
-      <p:transition spd="slow"/>
-    </mc:Fallback>
-  </mc:AlternateContent>
+  <p:clrMapOvr>
+    <a:masterClrMapping/>
+  </p:clrMapOvr>
 </p:sld>
 </file>
 
@@ -7776,37 +9842,37 @@
         <a:srgbClr val="000000"/>
       </a:dk1>
       <a:lt1>
-        <a:srgbClr val="ffffff"/>
+        <a:srgbClr val="FFFFFF"/>
       </a:lt1>
       <a:dk2>
-        <a:srgbClr val="39302a"/>
+        <a:srgbClr val="39302A"/>
       </a:dk2>
       <a:lt2>
-        <a:srgbClr val="e5dedb"/>
+        <a:srgbClr val="E5DEDB"/>
       </a:lt2>
       <a:accent1>
-        <a:srgbClr val="ffca08"/>
+        <a:srgbClr val="FFCA08"/>
       </a:accent1>
       <a:accent2>
-        <a:srgbClr val="f8931d"/>
+        <a:srgbClr val="F8931D"/>
       </a:accent2>
       <a:accent3>
-        <a:srgbClr val="ce8d3e"/>
+        <a:srgbClr val="CE8D3E"/>
       </a:accent3>
       <a:accent4>
-        <a:srgbClr val="ec7016"/>
+        <a:srgbClr val="EC7016"/>
       </a:accent4>
       <a:accent5>
-        <a:srgbClr val="e64823"/>
+        <a:srgbClr val="E64823"/>
       </a:accent5>
       <a:accent6>
-        <a:srgbClr val="9c6a6a"/>
+        <a:srgbClr val="9C6A6A"/>
       </a:accent6>
       <a:hlink>
-        <a:srgbClr val="2998e3"/>
+        <a:srgbClr val="2998E3"/>
       </a:hlink>
       <a:folHlink>
-        <a:srgbClr val="7f723d"/>
+        <a:srgbClr val="7F723D"/>
       </a:folHlink>
     </a:clrScheme>
     <a:fontScheme name="Office">
@@ -7968,6 +10034,8 @@
       </a:bgFillStyleLst>
     </a:fmtScheme>
   </a:themeElements>
+  <a:objectDefaults/>
+  <a:extraClrSchemeLst/>
 </a:theme>
 </file>
 
@@ -7979,37 +10047,37 @@
         <a:srgbClr val="000000"/>
       </a:dk1>
       <a:lt1>
-        <a:srgbClr val="ffffff"/>
+        <a:srgbClr val="FFFFFF"/>
       </a:lt1>
       <a:dk2>
-        <a:srgbClr val="39302a"/>
+        <a:srgbClr val="39302A"/>
       </a:dk2>
       <a:lt2>
-        <a:srgbClr val="e5dedb"/>
+        <a:srgbClr val="E5DEDB"/>
       </a:lt2>
       <a:accent1>
-        <a:srgbClr val="ffca08"/>
+        <a:srgbClr val="FFCA08"/>
       </a:accent1>
       <a:accent2>
-        <a:srgbClr val="f8931d"/>
+        <a:srgbClr val="F8931D"/>
       </a:accent2>
       <a:accent3>
-        <a:srgbClr val="ce8d3e"/>
+        <a:srgbClr val="CE8D3E"/>
       </a:accent3>
       <a:accent4>
-        <a:srgbClr val="ec7016"/>
+        <a:srgbClr val="EC7016"/>
       </a:accent4>
       <a:accent5>
-        <a:srgbClr val="e64823"/>
+        <a:srgbClr val="E64823"/>
       </a:accent5>
       <a:accent6>
-        <a:srgbClr val="9c6a6a"/>
+        <a:srgbClr val="9C6A6A"/>
       </a:accent6>
       <a:hlink>
-        <a:srgbClr val="2998e3"/>
+        <a:srgbClr val="2998E3"/>
       </a:hlink>
       <a:folHlink>
-        <a:srgbClr val="7f723d"/>
+        <a:srgbClr val="7F723D"/>
       </a:folHlink>
     </a:clrScheme>
     <a:fontScheme name="Office">
@@ -8171,6 +10239,8 @@
       </a:bgFillStyleLst>
     </a:fmtScheme>
   </a:themeElements>
+  <a:objectDefaults/>
+  <a:extraClrSchemeLst/>
 </a:theme>
 </file>
 
@@ -8185,34 +10255,34 @@
         <a:sysClr val="window" lastClr="FFFFFF"/>
       </a:lt1>
       <a:dk2>
-        <a:srgbClr val="39302a"/>
+        <a:srgbClr val="39302A"/>
       </a:dk2>
       <a:lt2>
-        <a:srgbClr val="e5dedb"/>
+        <a:srgbClr val="E5DEDB"/>
       </a:lt2>
       <a:accent1>
-        <a:srgbClr val="ffca08"/>
+        <a:srgbClr val="FFCA08"/>
       </a:accent1>
       <a:accent2>
-        <a:srgbClr val="f8931d"/>
+        <a:srgbClr val="F8931D"/>
       </a:accent2>
       <a:accent3>
-        <a:srgbClr val="ce8d3e"/>
+        <a:srgbClr val="CE8D3E"/>
       </a:accent3>
       <a:accent4>
-        <a:srgbClr val="ec7016"/>
+        <a:srgbClr val="EC7016"/>
       </a:accent4>
       <a:accent5>
-        <a:srgbClr val="e64823"/>
+        <a:srgbClr val="E64823"/>
       </a:accent5>
       <a:accent6>
-        <a:srgbClr val="9c6a6a"/>
+        <a:srgbClr val="9C6A6A"/>
       </a:accent6>
       <a:hlink>
-        <a:srgbClr val="2998e3"/>
+        <a:srgbClr val="2998E3"/>
       </a:hlink>
       <a:folHlink>
-        <a:srgbClr val="7f723d"/>
+        <a:srgbClr val="7F723D"/>
       </a:folHlink>
     </a:clrScheme>
     <a:fontScheme name="Office">
@@ -8374,5 +10444,7 @@
       </a:bgFillStyleLst>
     </a:fmtScheme>
   </a:themeElements>
+  <a:objectDefaults/>
+  <a:extraClrSchemeLst/>
 </a:theme>
 </file>